--- a/docs/assets/figures/tutorials/dcm/dcm_tutorial_figures.pptx
+++ b/docs/assets/figures/tutorials/dcm/dcm_tutorial_figures.pptx
@@ -6,6 +6,11 @@
   </p:sldMasterIdLst>
   <p:sldIdLst>
     <p:sldId id="256" r:id="rId2"/>
+    <p:sldId id="259" r:id="rId3"/>
+    <p:sldId id="260" r:id="rId4"/>
+    <p:sldId id="261" r:id="rId5"/>
+    <p:sldId id="262" r:id="rId6"/>
+    <p:sldId id="258" r:id="rId7"/>
   </p:sldIdLst>
   <p:sldSz cx="12192000" cy="6858000"/>
   <p:notesSz cx="6858000" cy="9144000"/>
@@ -104,6 +109,11 @@
       </a:defRPr>
     </a:lvl9pPr>
   </p:defaultTextStyle>
+  <p:extLst>
+    <p:ext uri="{EFAFB233-063F-42B5-8137-9DF3F51BA10A}">
+      <p15:sldGuideLst xmlns:p15="http://schemas.microsoft.com/office/powerpoint/2012/main"/>
+    </p:ext>
+  </p:extLst>
 </p:presentation>
 </file>
 
@@ -3249,7 +3259,7 @@
           <a:p>
             <a:fld id="{F4EBD835-5C19-4E21-99C2-A202BB445EC8}" type="datetimeFigureOut">
               <a:rPr lang="en-GB" smtClean="0"/>
-              <a:t>19/04/2023</a:t>
+              <a:t>13/05/2023</a:t>
             </a:fld>
             <a:endParaRPr lang="en-GB"/>
           </a:p>
@@ -3449,7 +3459,7 @@
           <a:p>
             <a:fld id="{F4EBD835-5C19-4E21-99C2-A202BB445EC8}" type="datetimeFigureOut">
               <a:rPr lang="en-GB" smtClean="0"/>
-              <a:t>19/04/2023</a:t>
+              <a:t>13/05/2023</a:t>
             </a:fld>
             <a:endParaRPr lang="en-GB"/>
           </a:p>
@@ -3659,7 +3669,7 @@
           <a:p>
             <a:fld id="{F4EBD835-5C19-4E21-99C2-A202BB445EC8}" type="datetimeFigureOut">
               <a:rPr lang="en-GB" smtClean="0"/>
-              <a:t>19/04/2023</a:t>
+              <a:t>13/05/2023</a:t>
             </a:fld>
             <a:endParaRPr lang="en-GB"/>
           </a:p>
@@ -3859,7 +3869,7 @@
           <a:p>
             <a:fld id="{F4EBD835-5C19-4E21-99C2-A202BB445EC8}" type="datetimeFigureOut">
               <a:rPr lang="en-GB" smtClean="0"/>
-              <a:t>19/04/2023</a:t>
+              <a:t>13/05/2023</a:t>
             </a:fld>
             <a:endParaRPr lang="en-GB"/>
           </a:p>
@@ -4135,7 +4145,7 @@
           <a:p>
             <a:fld id="{F4EBD835-5C19-4E21-99C2-A202BB445EC8}" type="datetimeFigureOut">
               <a:rPr lang="en-GB" smtClean="0"/>
-              <a:t>19/04/2023</a:t>
+              <a:t>13/05/2023</a:t>
             </a:fld>
             <a:endParaRPr lang="en-GB"/>
           </a:p>
@@ -4403,7 +4413,7 @@
           <a:p>
             <a:fld id="{F4EBD835-5C19-4E21-99C2-A202BB445EC8}" type="datetimeFigureOut">
               <a:rPr lang="en-GB" smtClean="0"/>
-              <a:t>19/04/2023</a:t>
+              <a:t>13/05/2023</a:t>
             </a:fld>
             <a:endParaRPr lang="en-GB"/>
           </a:p>
@@ -4818,7 +4828,7 @@
           <a:p>
             <a:fld id="{F4EBD835-5C19-4E21-99C2-A202BB445EC8}" type="datetimeFigureOut">
               <a:rPr lang="en-GB" smtClean="0"/>
-              <a:t>19/04/2023</a:t>
+              <a:t>13/05/2023</a:t>
             </a:fld>
             <a:endParaRPr lang="en-GB"/>
           </a:p>
@@ -4960,7 +4970,7 @@
           <a:p>
             <a:fld id="{F4EBD835-5C19-4E21-99C2-A202BB445EC8}" type="datetimeFigureOut">
               <a:rPr lang="en-GB" smtClean="0"/>
-              <a:t>19/04/2023</a:t>
+              <a:t>13/05/2023</a:t>
             </a:fld>
             <a:endParaRPr lang="en-GB"/>
           </a:p>
@@ -5073,7 +5083,7 @@
           <a:p>
             <a:fld id="{F4EBD835-5C19-4E21-99C2-A202BB445EC8}" type="datetimeFigureOut">
               <a:rPr lang="en-GB" smtClean="0"/>
-              <a:t>19/04/2023</a:t>
+              <a:t>13/05/2023</a:t>
             </a:fld>
             <a:endParaRPr lang="en-GB"/>
           </a:p>
@@ -5386,7 +5396,7 @@
           <a:p>
             <a:fld id="{F4EBD835-5C19-4E21-99C2-A202BB445EC8}" type="datetimeFigureOut">
               <a:rPr lang="en-GB" smtClean="0"/>
-              <a:t>19/04/2023</a:t>
+              <a:t>13/05/2023</a:t>
             </a:fld>
             <a:endParaRPr lang="en-GB"/>
           </a:p>
@@ -5675,7 +5685,7 @@
           <a:p>
             <a:fld id="{F4EBD835-5C19-4E21-99C2-A202BB445EC8}" type="datetimeFigureOut">
               <a:rPr lang="en-GB" smtClean="0"/>
-              <a:t>19/04/2023</a:t>
+              <a:t>13/05/2023</a:t>
             </a:fld>
             <a:endParaRPr lang="en-GB"/>
           </a:p>
@@ -5918,7 +5928,7 @@
           <a:p>
             <a:fld id="{F4EBD835-5C19-4E21-99C2-A202BB445EC8}" type="datetimeFigureOut">
               <a:rPr lang="en-GB" smtClean="0"/>
-              <a:t>19/04/2023</a:t>
+              <a:t>13/05/2023</a:t>
             </a:fld>
             <a:endParaRPr lang="en-GB"/>
           </a:p>
@@ -6552,6 +6562,8059 @@
 </p:sld>
 </file>
 
+<file path=ppt/slides/slide2.xml><?xml version="1.0" encoding="utf-8"?>
+<p:sld xmlns:a="http://schemas.openxmlformats.org/drawingml/2006/main" xmlns:r="http://schemas.openxmlformats.org/officeDocument/2006/relationships" xmlns:p="http://schemas.openxmlformats.org/presentationml/2006/main">
+  <p:cSld>
+    <p:spTree>
+      <p:nvGrpSpPr>
+        <p:cNvPr id="1" name=""/>
+        <p:cNvGrpSpPr/>
+        <p:nvPr/>
+      </p:nvGrpSpPr>
+      <p:grpSpPr>
+        <a:xfrm>
+          <a:off x="0" y="0"/>
+          <a:ext cx="0" cy="0"/>
+          <a:chOff x="0" y="0"/>
+          <a:chExt cx="0" cy="0"/>
+        </a:xfrm>
+      </p:grpSpPr>
+      <p:grpSp>
+        <p:nvGrpSpPr>
+          <p:cNvPr id="12" name="Group 11">
+            <a:extLst>
+              <a:ext uri="{FF2B5EF4-FFF2-40B4-BE49-F238E27FC236}">
+                <a16:creationId xmlns:a16="http://schemas.microsoft.com/office/drawing/2014/main" id="{762F5B3D-D622-448A-BF60-55AD74262612}"/>
+              </a:ext>
+            </a:extLst>
+          </p:cNvPr>
+          <p:cNvGrpSpPr/>
+          <p:nvPr/>
+        </p:nvGrpSpPr>
+        <p:grpSpPr>
+          <a:xfrm>
+            <a:off x="3917951" y="806450"/>
+            <a:ext cx="2603696" cy="2065255"/>
+            <a:chOff x="3917950" y="806450"/>
+            <a:chExt cx="4483100" cy="3556000"/>
+          </a:xfrm>
+        </p:grpSpPr>
+        <p:sp>
+          <p:nvSpPr>
+            <p:cNvPr id="11" name="Rectangle 10">
+              <a:extLst>
+                <a:ext uri="{FF2B5EF4-FFF2-40B4-BE49-F238E27FC236}">
+                  <a16:creationId xmlns:a16="http://schemas.microsoft.com/office/drawing/2014/main" id="{4449A306-BEB9-43C5-B5C7-2F75C123C331}"/>
+                </a:ext>
+              </a:extLst>
+            </p:cNvPr>
+            <p:cNvSpPr/>
+            <p:nvPr/>
+          </p:nvSpPr>
+          <p:spPr>
+            <a:xfrm>
+              <a:off x="4298950" y="1181100"/>
+              <a:ext cx="3733800" cy="2298700"/>
+            </a:xfrm>
+            <a:prstGeom prst="rect">
+              <a:avLst/>
+            </a:prstGeom>
+            <a:solidFill>
+              <a:schemeClr val="bg1">
+                <a:lumMod val="95000"/>
+              </a:schemeClr>
+            </a:solidFill>
+          </p:spPr>
+          <p:style>
+            <a:lnRef idx="2">
+              <a:schemeClr val="accent1">
+                <a:shade val="50000"/>
+              </a:schemeClr>
+            </a:lnRef>
+            <a:fillRef idx="1">
+              <a:schemeClr val="accent1"/>
+            </a:fillRef>
+            <a:effectRef idx="0">
+              <a:schemeClr val="accent1"/>
+            </a:effectRef>
+            <a:fontRef idx="minor">
+              <a:schemeClr val="lt1"/>
+            </a:fontRef>
+          </p:style>
+          <p:txBody>
+            <a:bodyPr rtlCol="0" anchor="ctr"/>
+            <a:lstStyle/>
+            <a:p>
+              <a:pPr algn="ctr"/>
+              <a:endParaRPr lang="en-GB" sz="1200"/>
+            </a:p>
+          </p:txBody>
+        </p:sp>
+        <p:pic>
+          <p:nvPicPr>
+            <p:cNvPr id="2" name="Picture 1">
+              <a:extLst>
+                <a:ext uri="{FF2B5EF4-FFF2-40B4-BE49-F238E27FC236}">
+                  <a16:creationId xmlns:a16="http://schemas.microsoft.com/office/drawing/2014/main" id="{133C9822-58A7-40F4-8F31-893C57655BB2}"/>
+                </a:ext>
+              </a:extLst>
+            </p:cNvPr>
+            <p:cNvPicPr>
+              <a:picLocks noChangeAspect="1"/>
+            </p:cNvPicPr>
+            <p:nvPr/>
+          </p:nvPicPr>
+          <p:blipFill rotWithShape="1">
+            <a:blip r:embed="rId2">
+              <a:duotone>
+                <a:schemeClr val="accent5">
+                  <a:shade val="45000"/>
+                  <a:satMod val="135000"/>
+                </a:schemeClr>
+                <a:prstClr val="white"/>
+              </a:duotone>
+            </a:blip>
+            <a:srcRect l="14832" t="11923" r="14429" b="31965"/>
+            <a:stretch/>
+          </p:blipFill>
+          <p:spPr>
+            <a:xfrm>
+              <a:off x="3917950" y="806450"/>
+              <a:ext cx="4483100" cy="3556000"/>
+            </a:xfrm>
+            <a:prstGeom prst="rect">
+              <a:avLst/>
+            </a:prstGeom>
+          </p:spPr>
+        </p:pic>
+        <p:sp>
+          <p:nvSpPr>
+            <p:cNvPr id="8" name="Rectangle 7">
+              <a:extLst>
+                <a:ext uri="{FF2B5EF4-FFF2-40B4-BE49-F238E27FC236}">
+                  <a16:creationId xmlns:a16="http://schemas.microsoft.com/office/drawing/2014/main" id="{4AE1D208-11EF-4574-8382-F1D6A009D5B4}"/>
+                </a:ext>
+              </a:extLst>
+            </p:cNvPr>
+            <p:cNvSpPr/>
+            <p:nvPr/>
+          </p:nvSpPr>
+          <p:spPr>
+            <a:xfrm>
+              <a:off x="5516852" y="1596917"/>
+              <a:ext cx="1285295" cy="569587"/>
+            </a:xfrm>
+            <a:prstGeom prst="rect">
+              <a:avLst/>
+            </a:prstGeom>
+            <a:solidFill>
+              <a:schemeClr val="bg1"/>
+            </a:solidFill>
+            <a:ln>
+              <a:solidFill>
+                <a:schemeClr val="tx1"/>
+              </a:solidFill>
+            </a:ln>
+          </p:spPr>
+          <p:style>
+            <a:lnRef idx="2">
+              <a:schemeClr val="accent1">
+                <a:shade val="50000"/>
+              </a:schemeClr>
+            </a:lnRef>
+            <a:fillRef idx="1">
+              <a:schemeClr val="accent1"/>
+            </a:fillRef>
+            <a:effectRef idx="0">
+              <a:schemeClr val="accent1"/>
+            </a:effectRef>
+            <a:fontRef idx="minor">
+              <a:schemeClr val="lt1"/>
+            </a:fontRef>
+          </p:style>
+          <p:txBody>
+            <a:bodyPr rtlCol="0" anchor="ctr"/>
+            <a:lstStyle/>
+            <a:p>
+              <a:pPr algn="ctr"/>
+              <a:r>
+                <a:rPr lang="en-GB" sz="1200" dirty="0">
+                  <a:solidFill>
+                    <a:schemeClr val="tx1"/>
+                  </a:solidFill>
+                </a:rPr>
+                <a:t>pyramid</a:t>
+              </a:r>
+            </a:p>
+          </p:txBody>
+        </p:sp>
+        <p:sp>
+          <p:nvSpPr>
+            <p:cNvPr id="9" name="Rectangle 8">
+              <a:extLst>
+                <a:ext uri="{FF2B5EF4-FFF2-40B4-BE49-F238E27FC236}">
+                  <a16:creationId xmlns:a16="http://schemas.microsoft.com/office/drawing/2014/main" id="{24C5A0F9-E9AA-4D87-B472-9D6AA83F5294}"/>
+                </a:ext>
+              </a:extLst>
+            </p:cNvPr>
+            <p:cNvSpPr/>
+            <p:nvPr/>
+          </p:nvSpPr>
+          <p:spPr>
+            <a:xfrm>
+              <a:off x="4613160" y="2417979"/>
+              <a:ext cx="1366781" cy="569587"/>
+            </a:xfrm>
+            <a:prstGeom prst="rect">
+              <a:avLst/>
+            </a:prstGeom>
+            <a:solidFill>
+              <a:schemeClr val="bg1"/>
+            </a:solidFill>
+            <a:ln>
+              <a:solidFill>
+                <a:schemeClr val="tx1"/>
+              </a:solidFill>
+            </a:ln>
+          </p:spPr>
+          <p:style>
+            <a:lnRef idx="2">
+              <a:schemeClr val="accent1">
+                <a:shade val="50000"/>
+              </a:schemeClr>
+            </a:lnRef>
+            <a:fillRef idx="1">
+              <a:schemeClr val="accent1"/>
+            </a:fillRef>
+            <a:effectRef idx="0">
+              <a:schemeClr val="accent1"/>
+            </a:effectRef>
+            <a:fontRef idx="minor">
+              <a:schemeClr val="lt1"/>
+            </a:fontRef>
+          </p:style>
+          <p:txBody>
+            <a:bodyPr rtlCol="0" anchor="ctr"/>
+            <a:lstStyle/>
+            <a:p>
+              <a:pPr algn="ctr"/>
+              <a:r>
+                <a:rPr lang="en-GB" sz="1200" dirty="0">
+                  <a:solidFill>
+                    <a:schemeClr val="tx1"/>
+                  </a:solidFill>
+                </a:rPr>
+                <a:t>palm tree</a:t>
+              </a:r>
+            </a:p>
+          </p:txBody>
+        </p:sp>
+        <p:sp>
+          <p:nvSpPr>
+            <p:cNvPr id="10" name="Rectangle 9">
+              <a:extLst>
+                <a:ext uri="{FF2B5EF4-FFF2-40B4-BE49-F238E27FC236}">
+                  <a16:creationId xmlns:a16="http://schemas.microsoft.com/office/drawing/2014/main" id="{49626AD8-B031-4C8A-9A5F-8ACEC827383E}"/>
+                </a:ext>
+              </a:extLst>
+            </p:cNvPr>
+            <p:cNvSpPr/>
+            <p:nvPr/>
+          </p:nvSpPr>
+          <p:spPr>
+            <a:xfrm>
+              <a:off x="6324952" y="2417979"/>
+              <a:ext cx="1366841" cy="569587"/>
+            </a:xfrm>
+            <a:prstGeom prst="rect">
+              <a:avLst/>
+            </a:prstGeom>
+            <a:solidFill>
+              <a:schemeClr val="bg1"/>
+            </a:solidFill>
+            <a:ln>
+              <a:solidFill>
+                <a:schemeClr val="tx1"/>
+              </a:solidFill>
+            </a:ln>
+          </p:spPr>
+          <p:style>
+            <a:lnRef idx="2">
+              <a:schemeClr val="accent1">
+                <a:shade val="50000"/>
+              </a:schemeClr>
+            </a:lnRef>
+            <a:fillRef idx="1">
+              <a:schemeClr val="accent1"/>
+            </a:fillRef>
+            <a:effectRef idx="0">
+              <a:schemeClr val="accent1"/>
+            </a:effectRef>
+            <a:fontRef idx="minor">
+              <a:schemeClr val="lt1"/>
+            </a:fontRef>
+          </p:style>
+          <p:txBody>
+            <a:bodyPr rtlCol="0" anchor="ctr"/>
+            <a:lstStyle/>
+            <a:p>
+              <a:pPr algn="ctr"/>
+              <a:r>
+                <a:rPr lang="en-GB" sz="1200" dirty="0">
+                  <a:solidFill>
+                    <a:schemeClr val="tx1"/>
+                  </a:solidFill>
+                </a:rPr>
+                <a:t>oak tree</a:t>
+              </a:r>
+            </a:p>
+          </p:txBody>
+        </p:sp>
+      </p:grpSp>
+    </p:spTree>
+    <p:extLst>
+      <p:ext uri="{BB962C8B-B14F-4D97-AF65-F5344CB8AC3E}">
+        <p14:creationId xmlns:p14="http://schemas.microsoft.com/office/powerpoint/2010/main" val="804439207"/>
+      </p:ext>
+    </p:extLst>
+  </p:cSld>
+  <p:clrMapOvr>
+    <a:masterClrMapping/>
+  </p:clrMapOvr>
+</p:sld>
+</file>
+
+<file path=ppt/slides/slide3.xml><?xml version="1.0" encoding="utf-8"?>
+<p:sld xmlns:a="http://schemas.openxmlformats.org/drawingml/2006/main" xmlns:r="http://schemas.openxmlformats.org/officeDocument/2006/relationships" xmlns:p="http://schemas.openxmlformats.org/presentationml/2006/main">
+  <p:cSld>
+    <p:spTree>
+      <p:nvGrpSpPr>
+        <p:cNvPr id="1" name=""/>
+        <p:cNvGrpSpPr/>
+        <p:nvPr/>
+      </p:nvGrpSpPr>
+      <p:grpSpPr>
+        <a:xfrm>
+          <a:off x="0" y="0"/>
+          <a:ext cx="0" cy="0"/>
+          <a:chOff x="0" y="0"/>
+          <a:chExt cx="0" cy="0"/>
+        </a:xfrm>
+      </p:grpSpPr>
+      <p:sp>
+        <p:nvSpPr>
+          <p:cNvPr id="139" name="Rectangle: Rounded Corners 138">
+            <a:extLst>
+              <a:ext uri="{FF2B5EF4-FFF2-40B4-BE49-F238E27FC236}">
+                <a16:creationId xmlns:a16="http://schemas.microsoft.com/office/drawing/2014/main" id="{5CD5E27D-31C3-4733-B0DD-8127B170D654}"/>
+              </a:ext>
+            </a:extLst>
+          </p:cNvPr>
+          <p:cNvSpPr/>
+          <p:nvPr/>
+        </p:nvSpPr>
+        <p:spPr>
+          <a:xfrm>
+            <a:off x="7864302" y="2612331"/>
+            <a:ext cx="1618771" cy="1758436"/>
+          </a:xfrm>
+          <a:prstGeom prst="roundRect">
+            <a:avLst>
+              <a:gd name="adj" fmla="val 7192"/>
+            </a:avLst>
+          </a:prstGeom>
+          <a:solidFill>
+            <a:schemeClr val="bg1">
+              <a:lumMod val="95000"/>
+            </a:schemeClr>
+          </a:solidFill>
+          <a:ln>
+            <a:noFill/>
+          </a:ln>
+        </p:spPr>
+        <p:style>
+          <a:lnRef idx="2">
+            <a:schemeClr val="accent1">
+              <a:shade val="50000"/>
+            </a:schemeClr>
+          </a:lnRef>
+          <a:fillRef idx="1">
+            <a:schemeClr val="accent1"/>
+          </a:fillRef>
+          <a:effectRef idx="0">
+            <a:schemeClr val="accent1"/>
+          </a:effectRef>
+          <a:fontRef idx="minor">
+            <a:schemeClr val="lt1"/>
+          </a:fontRef>
+        </p:style>
+        <p:txBody>
+          <a:bodyPr rtlCol="0" anchor="ctr"/>
+          <a:lstStyle/>
+          <a:p>
+            <a:pPr algn="ctr"/>
+            <a:endParaRPr lang="en-GB"/>
+          </a:p>
+        </p:txBody>
+      </p:sp>
+      <p:grpSp>
+        <p:nvGrpSpPr>
+          <p:cNvPr id="138" name="Group 137">
+            <a:extLst>
+              <a:ext uri="{FF2B5EF4-FFF2-40B4-BE49-F238E27FC236}">
+                <a16:creationId xmlns:a16="http://schemas.microsoft.com/office/drawing/2014/main" id="{BB5D9A80-F1E8-4EF4-A0DC-CE440E0D8AE7}"/>
+              </a:ext>
+            </a:extLst>
+          </p:cNvPr>
+          <p:cNvGrpSpPr/>
+          <p:nvPr/>
+        </p:nvGrpSpPr>
+        <p:grpSpPr>
+          <a:xfrm>
+            <a:off x="7955606" y="2597353"/>
+            <a:ext cx="1645596" cy="1836400"/>
+            <a:chOff x="5483418" y="4111471"/>
+            <a:chExt cx="1645596" cy="1836400"/>
+          </a:xfrm>
+        </p:grpSpPr>
+        <mc:AlternateContent xmlns:mc="http://schemas.openxmlformats.org/markup-compatibility/2006" xmlns:a14="http://schemas.microsoft.com/office/drawing/2010/main">
+          <mc:Choice Requires="a14">
+            <p:sp>
+              <p:nvSpPr>
+                <p:cNvPr id="27" name="TextBox 26">
+                  <a:extLst>
+                    <a:ext uri="{FF2B5EF4-FFF2-40B4-BE49-F238E27FC236}">
+                      <a16:creationId xmlns:a16="http://schemas.microsoft.com/office/drawing/2014/main" id="{F4E748AB-E55C-40CB-B2F5-411A995A4B41}"/>
+                    </a:ext>
+                  </a:extLst>
+                </p:cNvPr>
+                <p:cNvSpPr txBox="1"/>
+                <p:nvPr/>
+              </p:nvSpPr>
+              <p:spPr>
+                <a:xfrm>
+                  <a:off x="5863411" y="4111471"/>
+                  <a:ext cx="1265603" cy="1836400"/>
+                </a:xfrm>
+                <a:prstGeom prst="rect">
+                  <a:avLst/>
+                </a:prstGeom>
+                <a:noFill/>
+              </p:spPr>
+              <p:txBody>
+                <a:bodyPr wrap="none" rtlCol="0">
+                  <a:spAutoFit/>
+                </a:bodyPr>
+                <a:lstStyle/>
+                <a:p>
+                  <a:pPr>
+                    <a:spcAft>
+                      <a:spcPts val="600"/>
+                    </a:spcAft>
+                  </a:pPr>
+                  <a14:m>
+                    <m:oMathPara xmlns:m="http://schemas.openxmlformats.org/officeDocument/2006/math">
+                      <m:oMathParaPr>
+                        <m:jc m:val="left"/>
+                      </m:oMathParaPr>
+                      <m:oMath xmlns:m="http://schemas.openxmlformats.org/officeDocument/2006/math">
+                        <m:sSub>
+                          <m:sSubPr>
+                            <m:ctrlPr>
+                              <a:rPr lang="en-GB" sz="1600" b="1" i="1" dirty="0">
+                                <a:latin typeface="Cambria Math" panose="02040503050406030204" pitchFamily="18" charset="0"/>
+                              </a:rPr>
+                            </m:ctrlPr>
+                          </m:sSubPr>
+                          <m:e>
+                            <m:r>
+                              <a:rPr lang="en-GB" sz="1600" b="1" i="1" dirty="0">
+                                <a:latin typeface="Cambria Math" panose="02040503050406030204" pitchFamily="18" charset="0"/>
+                              </a:rPr>
+                              <m:t>𝑨</m:t>
+                            </m:r>
+                          </m:e>
+                          <m:sub>
+                            <m:r>
+                              <a:rPr lang="en-GB" sz="1600" b="1" i="1" dirty="0">
+                                <a:latin typeface="Cambria Math" panose="02040503050406030204" pitchFamily="18" charset="0"/>
+                              </a:rPr>
+                              <m:t>𝑰</m:t>
+                            </m:r>
+                          </m:sub>
+                        </m:sSub>
+                      </m:oMath>
+                    </m:oMathPara>
+                  </a14:m>
+                  <a:endParaRPr lang="en-GB" sz="1600" b="1" dirty="0"/>
+                </a:p>
+                <a:p>
+                  <a:pPr>
+                    <a:spcAft>
+                      <a:spcPts val="600"/>
+                    </a:spcAft>
+                  </a:pPr>
+                  <a14:m>
+                    <m:oMathPara xmlns:m="http://schemas.openxmlformats.org/officeDocument/2006/math">
+                      <m:oMathParaPr>
+                        <m:jc m:val="left"/>
+                      </m:oMathParaPr>
+                      <m:oMath xmlns:m="http://schemas.openxmlformats.org/officeDocument/2006/math">
+                        <m:sSub>
+                          <m:sSubPr>
+                            <m:ctrlPr>
+                              <a:rPr lang="en-GB" sz="1600" b="1" i="1" dirty="0">
+                                <a:latin typeface="Cambria Math" panose="02040503050406030204" pitchFamily="18" charset="0"/>
+                              </a:rPr>
+                            </m:ctrlPr>
+                          </m:sSubPr>
+                          <m:e>
+                            <m:r>
+                              <a:rPr lang="en-GB" sz="1600" b="1" i="1" dirty="0">
+                                <a:latin typeface="Cambria Math" panose="02040503050406030204" pitchFamily="18" charset="0"/>
+                              </a:rPr>
+                              <m:t>𝑨</m:t>
+                            </m:r>
+                          </m:e>
+                          <m:sub>
+                            <m:r>
+                              <a:rPr lang="en-GB" sz="1600" b="1" i="1" dirty="0">
+                                <a:latin typeface="Cambria Math" panose="02040503050406030204" pitchFamily="18" charset="0"/>
+                              </a:rPr>
+                              <m:t>𝑬</m:t>
+                            </m:r>
+                          </m:sub>
+                        </m:sSub>
+                      </m:oMath>
+                    </m:oMathPara>
+                  </a14:m>
+                  <a:endParaRPr lang="en-GB" sz="1600" b="1" dirty="0"/>
+                </a:p>
+                <a:p>
+                  <a:pPr>
+                    <a:spcAft>
+                      <a:spcPts val="600"/>
+                    </a:spcAft>
+                  </a:pPr>
+                  <a14:m>
+                    <m:oMathPara xmlns:m="http://schemas.openxmlformats.org/officeDocument/2006/math">
+                      <m:oMathParaPr>
+                        <m:jc m:val="left"/>
+                      </m:oMathParaPr>
+                      <m:oMath xmlns:m="http://schemas.openxmlformats.org/officeDocument/2006/math">
+                        <m:sSubSup>
+                          <m:sSubSupPr>
+                            <m:ctrlPr>
+                              <a:rPr lang="en-GB" sz="1600" b="1" i="1" dirty="0">
+                                <a:latin typeface="Cambria Math" panose="02040503050406030204" pitchFamily="18" charset="0"/>
+                              </a:rPr>
+                            </m:ctrlPr>
+                          </m:sSubSupPr>
+                          <m:e>
+                            <m:r>
+                              <a:rPr lang="en-GB" sz="1600" b="1" i="1" dirty="0">
+                                <a:latin typeface="Cambria Math" panose="02040503050406030204" pitchFamily="18" charset="0"/>
+                              </a:rPr>
+                              <m:t>𝑩</m:t>
+                            </m:r>
+                          </m:e>
+                          <m:sub>
+                            <m:r>
+                              <a:rPr lang="en-GB" sz="1600" b="1" i="1" dirty="0">
+                                <a:latin typeface="Cambria Math" panose="02040503050406030204" pitchFamily="18" charset="0"/>
+                              </a:rPr>
+                              <m:t>𝑰</m:t>
+                            </m:r>
+                          </m:sub>
+                          <m:sup>
+                            <m:r>
+                              <a:rPr lang="en-GB" sz="1600" b="1" i="1" dirty="0">
+                                <a:latin typeface="Cambria Math" panose="02040503050406030204" pitchFamily="18" charset="0"/>
+                              </a:rPr>
+                              <m:t>(</m:t>
+                            </m:r>
+                            <m:r>
+                              <a:rPr lang="en-GB" sz="1600" b="1" i="1" dirty="0">
+                                <a:latin typeface="Cambria Math" panose="02040503050406030204" pitchFamily="18" charset="0"/>
+                              </a:rPr>
+                              <m:t>𝑷𝑰𝑪𝑻𝑼𝑹𝑬𝑺</m:t>
+                            </m:r>
+                            <m:r>
+                              <a:rPr lang="en-GB" sz="1600" b="1" i="1" dirty="0">
+                                <a:latin typeface="Cambria Math" panose="02040503050406030204" pitchFamily="18" charset="0"/>
+                              </a:rPr>
+                              <m:t>)</m:t>
+                            </m:r>
+                          </m:sup>
+                        </m:sSubSup>
+                      </m:oMath>
+                    </m:oMathPara>
+                  </a14:m>
+                  <a:endParaRPr lang="en-GB" sz="1600" b="1" dirty="0"/>
+                </a:p>
+                <a:p>
+                  <a:pPr>
+                    <a:spcAft>
+                      <a:spcPts val="600"/>
+                    </a:spcAft>
+                  </a:pPr>
+                  <a14:m>
+                    <m:oMathPara xmlns:m="http://schemas.openxmlformats.org/officeDocument/2006/math">
+                      <m:oMathParaPr>
+                        <m:jc m:val="left"/>
+                      </m:oMathParaPr>
+                      <m:oMath xmlns:m="http://schemas.openxmlformats.org/officeDocument/2006/math">
+                        <m:sSubSup>
+                          <m:sSubSupPr>
+                            <m:ctrlPr>
+                              <a:rPr lang="en-GB" sz="1600" b="1" i="1">
+                                <a:latin typeface="Cambria Math" panose="02040503050406030204" pitchFamily="18" charset="0"/>
+                              </a:rPr>
+                            </m:ctrlPr>
+                          </m:sSubSupPr>
+                          <m:e>
+                            <m:r>
+                              <a:rPr lang="en-GB" sz="1600" b="1" i="1">
+                                <a:latin typeface="Cambria Math" panose="02040503050406030204" pitchFamily="18" charset="0"/>
+                              </a:rPr>
+                              <m:t>𝑩</m:t>
+                            </m:r>
+                          </m:e>
+                          <m:sub>
+                            <m:r>
+                              <a:rPr lang="en-GB" sz="1600" b="1" i="1">
+                                <a:latin typeface="Cambria Math" panose="02040503050406030204" pitchFamily="18" charset="0"/>
+                              </a:rPr>
+                              <m:t>𝑰</m:t>
+                            </m:r>
+                          </m:sub>
+                          <m:sup>
+                            <m:r>
+                              <a:rPr lang="en-GB" sz="1600" b="1" i="1">
+                                <a:latin typeface="Cambria Math" panose="02040503050406030204" pitchFamily="18" charset="0"/>
+                              </a:rPr>
+                              <m:t>(</m:t>
+                            </m:r>
+                            <m:r>
+                              <a:rPr lang="en-GB" sz="1600" b="1" i="1">
+                                <a:latin typeface="Cambria Math" panose="02040503050406030204" pitchFamily="18" charset="0"/>
+                              </a:rPr>
+                              <m:t>𝑾𝑶𝑹𝑫𝑺</m:t>
+                            </m:r>
+                            <m:r>
+                              <a:rPr lang="en-GB" sz="1600" b="1" i="1">
+                                <a:latin typeface="Cambria Math" panose="02040503050406030204" pitchFamily="18" charset="0"/>
+                              </a:rPr>
+                              <m:t>)</m:t>
+                            </m:r>
+                          </m:sup>
+                        </m:sSubSup>
+                      </m:oMath>
+                    </m:oMathPara>
+                  </a14:m>
+                  <a:endParaRPr lang="en-GB" sz="1600" b="1" dirty="0"/>
+                </a:p>
+                <a:p>
+                  <a:pPr>
+                    <a:spcAft>
+                      <a:spcPts val="600"/>
+                    </a:spcAft>
+                  </a:pPr>
+                  <a14:m>
+                    <m:oMathPara xmlns:m="http://schemas.openxmlformats.org/officeDocument/2006/math">
+                      <m:oMathParaPr>
+                        <m:jc m:val="left"/>
+                      </m:oMathParaPr>
+                      <m:oMath xmlns:m="http://schemas.openxmlformats.org/officeDocument/2006/math">
+                        <m:r>
+                          <a:rPr lang="en-GB" sz="1600" b="1" i="1" dirty="0">
+                            <a:latin typeface="Cambria Math" panose="02040503050406030204" pitchFamily="18" charset="0"/>
+                          </a:rPr>
+                          <m:t>𝑪</m:t>
+                        </m:r>
+                      </m:oMath>
+                    </m:oMathPara>
+                  </a14:m>
+                  <a:endParaRPr lang="en-GB" sz="1600" b="1" dirty="0"/>
+                </a:p>
+              </p:txBody>
+            </p:sp>
+          </mc:Choice>
+          <mc:Fallback xmlns="">
+            <p:sp>
+              <p:nvSpPr>
+                <p:cNvPr id="27" name="TextBox 26">
+                  <a:extLst>
+                    <a:ext uri="{FF2B5EF4-FFF2-40B4-BE49-F238E27FC236}">
+                      <a16:creationId xmlns:a16="http://schemas.microsoft.com/office/drawing/2014/main" id="{F4E748AB-E55C-40CB-B2F5-411A995A4B41}"/>
+                    </a:ext>
+                  </a:extLst>
+                </p:cNvPr>
+                <p:cNvSpPr txBox="1">
+                  <a:spLocks noRot="1" noChangeAspect="1" noMove="1" noResize="1" noEditPoints="1" noAdjustHandles="1" noChangeArrowheads="1" noChangeShapeType="1" noTextEdit="1"/>
+                </p:cNvSpPr>
+                <p:nvPr/>
+              </p:nvSpPr>
+              <p:spPr>
+                <a:xfrm>
+                  <a:off x="5863411" y="4111471"/>
+                  <a:ext cx="1265603" cy="1836400"/>
+                </a:xfrm>
+                <a:prstGeom prst="rect">
+                  <a:avLst/>
+                </a:prstGeom>
+                <a:blipFill>
+                  <a:blip r:embed="rId2"/>
+                  <a:stretch>
+                    <a:fillRect/>
+                  </a:stretch>
+                </a:blipFill>
+              </p:spPr>
+              <p:txBody>
+                <a:bodyPr/>
+                <a:lstStyle/>
+                <a:p>
+                  <a:r>
+                    <a:rPr lang="en-GB">
+                      <a:noFill/>
+                    </a:rPr>
+                    <a:t> </a:t>
+                  </a:r>
+                </a:p>
+              </p:txBody>
+            </p:sp>
+          </mc:Fallback>
+        </mc:AlternateContent>
+        <p:cxnSp>
+          <p:nvCxnSpPr>
+            <p:cNvPr id="28" name="Straight Connector 27">
+              <a:extLst>
+                <a:ext uri="{FF2B5EF4-FFF2-40B4-BE49-F238E27FC236}">
+                  <a16:creationId xmlns:a16="http://schemas.microsoft.com/office/drawing/2014/main" id="{9552007F-4AA1-4E6B-8083-D66651080B4B}"/>
+                </a:ext>
+              </a:extLst>
+            </p:cNvPr>
+            <p:cNvCxnSpPr/>
+            <p:nvPr/>
+          </p:nvCxnSpPr>
+          <p:spPr>
+            <a:xfrm>
+              <a:off x="5483418" y="4610729"/>
+              <a:ext cx="387134" cy="0"/>
+            </a:xfrm>
+            <a:prstGeom prst="line">
+              <a:avLst/>
+            </a:prstGeom>
+            <a:ln w="28575">
+              <a:solidFill>
+                <a:schemeClr val="tx1"/>
+              </a:solidFill>
+              <a:headEnd type="none" w="med" len="med"/>
+              <a:tailEnd type="triangle" w="med" len="med"/>
+            </a:ln>
+          </p:spPr>
+          <p:style>
+            <a:lnRef idx="1">
+              <a:schemeClr val="accent1"/>
+            </a:lnRef>
+            <a:fillRef idx="0">
+              <a:schemeClr val="accent1"/>
+            </a:fillRef>
+            <a:effectRef idx="0">
+              <a:schemeClr val="accent1"/>
+            </a:effectRef>
+            <a:fontRef idx="minor">
+              <a:schemeClr val="tx1"/>
+            </a:fontRef>
+          </p:style>
+        </p:cxnSp>
+        <p:cxnSp>
+          <p:nvCxnSpPr>
+            <p:cNvPr id="29" name="Straight Connector 28">
+              <a:extLst>
+                <a:ext uri="{FF2B5EF4-FFF2-40B4-BE49-F238E27FC236}">
+                  <a16:creationId xmlns:a16="http://schemas.microsoft.com/office/drawing/2014/main" id="{6C0C7AE8-A10B-4FE1-B4E7-1582F4A8EC1D}"/>
+                </a:ext>
+              </a:extLst>
+            </p:cNvPr>
+            <p:cNvCxnSpPr/>
+            <p:nvPr/>
+          </p:nvCxnSpPr>
+          <p:spPr>
+            <a:xfrm flipV="1">
+              <a:off x="5487458" y="4977425"/>
+              <a:ext cx="344510" cy="4268"/>
+            </a:xfrm>
+            <a:prstGeom prst="line">
+              <a:avLst/>
+            </a:prstGeom>
+            <a:ln w="28575">
+              <a:solidFill>
+                <a:srgbClr val="CC444E"/>
+              </a:solidFill>
+              <a:prstDash val="sysDash"/>
+              <a:tailEnd type="oval"/>
+            </a:ln>
+          </p:spPr>
+          <p:style>
+            <a:lnRef idx="1">
+              <a:schemeClr val="accent1"/>
+            </a:lnRef>
+            <a:fillRef idx="0">
+              <a:schemeClr val="accent1"/>
+            </a:fillRef>
+            <a:effectRef idx="0">
+              <a:schemeClr val="accent1"/>
+            </a:effectRef>
+            <a:fontRef idx="minor">
+              <a:schemeClr val="tx1"/>
+            </a:fontRef>
+          </p:style>
+        </p:cxnSp>
+        <p:cxnSp>
+          <p:nvCxnSpPr>
+            <p:cNvPr id="30" name="Straight Connector 29">
+              <a:extLst>
+                <a:ext uri="{FF2B5EF4-FFF2-40B4-BE49-F238E27FC236}">
+                  <a16:creationId xmlns:a16="http://schemas.microsoft.com/office/drawing/2014/main" id="{955EB299-14CF-4008-8288-23293A5130FE}"/>
+                </a:ext>
+              </a:extLst>
+            </p:cNvPr>
+            <p:cNvCxnSpPr/>
+            <p:nvPr/>
+          </p:nvCxnSpPr>
+          <p:spPr>
+            <a:xfrm>
+              <a:off x="5484367" y="5696551"/>
+              <a:ext cx="387134" cy="0"/>
+            </a:xfrm>
+            <a:prstGeom prst="line">
+              <a:avLst/>
+            </a:prstGeom>
+            <a:ln w="28575">
+              <a:solidFill>
+                <a:srgbClr val="38528C"/>
+              </a:solidFill>
+              <a:prstDash val="sysDot"/>
+              <a:tailEnd type="triangle"/>
+            </a:ln>
+          </p:spPr>
+          <p:style>
+            <a:lnRef idx="1">
+              <a:schemeClr val="accent1"/>
+            </a:lnRef>
+            <a:fillRef idx="0">
+              <a:schemeClr val="accent1"/>
+            </a:fillRef>
+            <a:effectRef idx="0">
+              <a:schemeClr val="accent1"/>
+            </a:effectRef>
+            <a:fontRef idx="minor">
+              <a:schemeClr val="tx1"/>
+            </a:fontRef>
+          </p:style>
+        </p:cxnSp>
+        <p:cxnSp>
+          <p:nvCxnSpPr>
+            <p:cNvPr id="35" name="Straight Connector 34">
+              <a:extLst>
+                <a:ext uri="{FF2B5EF4-FFF2-40B4-BE49-F238E27FC236}">
+                  <a16:creationId xmlns:a16="http://schemas.microsoft.com/office/drawing/2014/main" id="{932E9DA8-D4BA-4E7D-84CC-EC98B21FE515}"/>
+                </a:ext>
+              </a:extLst>
+            </p:cNvPr>
+            <p:cNvCxnSpPr/>
+            <p:nvPr/>
+          </p:nvCxnSpPr>
+          <p:spPr>
+            <a:xfrm>
+              <a:off x="5489840" y="5356337"/>
+              <a:ext cx="344032" cy="996"/>
+            </a:xfrm>
+            <a:prstGeom prst="line">
+              <a:avLst/>
+            </a:prstGeom>
+            <a:ln w="28575">
+              <a:solidFill>
+                <a:srgbClr val="49AD39"/>
+              </a:solidFill>
+              <a:prstDash val="sysDot"/>
+              <a:tailEnd type="oval"/>
+            </a:ln>
+          </p:spPr>
+          <p:style>
+            <a:lnRef idx="1">
+              <a:schemeClr val="accent1"/>
+            </a:lnRef>
+            <a:fillRef idx="0">
+              <a:schemeClr val="accent1"/>
+            </a:fillRef>
+            <a:effectRef idx="0">
+              <a:schemeClr val="accent1"/>
+            </a:effectRef>
+            <a:fontRef idx="minor">
+              <a:schemeClr val="tx1"/>
+            </a:fontRef>
+          </p:style>
+        </p:cxnSp>
+        <p:cxnSp>
+          <p:nvCxnSpPr>
+            <p:cNvPr id="36" name="Straight Connector 35">
+              <a:extLst>
+                <a:ext uri="{FF2B5EF4-FFF2-40B4-BE49-F238E27FC236}">
+                  <a16:creationId xmlns:a16="http://schemas.microsoft.com/office/drawing/2014/main" id="{CA456D46-C294-4111-B472-2624E92ABD0B}"/>
+                </a:ext>
+              </a:extLst>
+            </p:cNvPr>
+            <p:cNvCxnSpPr/>
+            <p:nvPr/>
+          </p:nvCxnSpPr>
+          <p:spPr>
+            <a:xfrm flipV="1">
+              <a:off x="5486609" y="4284622"/>
+              <a:ext cx="343951" cy="603"/>
+            </a:xfrm>
+            <a:prstGeom prst="line">
+              <a:avLst/>
+            </a:prstGeom>
+            <a:ln w="28575">
+              <a:solidFill>
+                <a:schemeClr val="tx1"/>
+              </a:solidFill>
+              <a:headEnd type="none" w="med" len="med"/>
+              <a:tailEnd type="oval" w="med" len="med"/>
+            </a:ln>
+          </p:spPr>
+          <p:style>
+            <a:lnRef idx="1">
+              <a:schemeClr val="accent1"/>
+            </a:lnRef>
+            <a:fillRef idx="0">
+              <a:schemeClr val="accent1"/>
+            </a:fillRef>
+            <a:effectRef idx="0">
+              <a:schemeClr val="accent1"/>
+            </a:effectRef>
+            <a:fontRef idx="minor">
+              <a:schemeClr val="tx1"/>
+            </a:fontRef>
+          </p:style>
+        </p:cxnSp>
+      </p:grpSp>
+      <p:grpSp>
+        <p:nvGrpSpPr>
+          <p:cNvPr id="45" name="Group 44">
+            <a:extLst>
+              <a:ext uri="{FF2B5EF4-FFF2-40B4-BE49-F238E27FC236}">
+                <a16:creationId xmlns:a16="http://schemas.microsoft.com/office/drawing/2014/main" id="{07EAFC59-A58D-421F-9F11-5F07A70F4D97}"/>
+              </a:ext>
+            </a:extLst>
+          </p:cNvPr>
+          <p:cNvGrpSpPr/>
+          <p:nvPr/>
+        </p:nvGrpSpPr>
+        <p:grpSpPr>
+          <a:xfrm>
+            <a:off x="3656257" y="1274655"/>
+            <a:ext cx="1860791" cy="1855108"/>
+            <a:chOff x="5375717" y="1999583"/>
+            <a:chExt cx="1860791" cy="1855108"/>
+          </a:xfrm>
+        </p:grpSpPr>
+        <p:grpSp>
+          <p:nvGrpSpPr>
+            <p:cNvPr id="10" name="Group 9">
+              <a:extLst>
+                <a:ext uri="{FF2B5EF4-FFF2-40B4-BE49-F238E27FC236}">
+                  <a16:creationId xmlns:a16="http://schemas.microsoft.com/office/drawing/2014/main" id="{8E9D1123-B397-4519-918B-9834C8BED2DE}"/>
+                </a:ext>
+              </a:extLst>
+            </p:cNvPr>
+            <p:cNvGrpSpPr/>
+            <p:nvPr/>
+          </p:nvGrpSpPr>
+          <p:grpSpPr>
+            <a:xfrm>
+              <a:off x="5630356" y="2296309"/>
+              <a:ext cx="1328169" cy="1271608"/>
+              <a:chOff x="2090085" y="1613211"/>
+              <a:chExt cx="1913200" cy="1831725"/>
+            </a:xfrm>
+          </p:grpSpPr>
+          <p:sp>
+            <p:nvSpPr>
+              <p:cNvPr id="11" name="Oval 10">
+                <a:extLst>
+                  <a:ext uri="{FF2B5EF4-FFF2-40B4-BE49-F238E27FC236}">
+                    <a16:creationId xmlns:a16="http://schemas.microsoft.com/office/drawing/2014/main" id="{DA2367F8-CA50-486F-B745-7ACD25F456F3}"/>
+                  </a:ext>
+                </a:extLst>
+              </p:cNvPr>
+              <p:cNvSpPr/>
+              <p:nvPr/>
+            </p:nvSpPr>
+            <p:spPr>
+              <a:xfrm>
+                <a:off x="2090085" y="1613211"/>
+                <a:ext cx="557562" cy="557562"/>
+              </a:xfrm>
+              <a:prstGeom prst="ellipse">
+                <a:avLst/>
+              </a:prstGeom>
+            </p:spPr>
+            <p:style>
+              <a:lnRef idx="1">
+                <a:schemeClr val="accent3"/>
+              </a:lnRef>
+              <a:fillRef idx="2">
+                <a:schemeClr val="accent3"/>
+              </a:fillRef>
+              <a:effectRef idx="1">
+                <a:schemeClr val="accent3"/>
+              </a:effectRef>
+              <a:fontRef idx="minor">
+                <a:schemeClr val="dk1"/>
+              </a:fontRef>
+            </p:style>
+            <p:txBody>
+              <a:bodyPr lIns="0" tIns="0" rIns="0" bIns="0" rtlCol="0" anchor="ctr"/>
+              <a:lstStyle/>
+              <a:p>
+                <a:pPr algn="ctr"/>
+                <a:r>
+                  <a:rPr lang="en-GB" sz="1200" dirty="0"/>
+                  <a:t>ldF</a:t>
+                </a:r>
+              </a:p>
+            </p:txBody>
+          </p:sp>
+          <p:sp>
+            <p:nvSpPr>
+              <p:cNvPr id="12" name="Oval 11">
+                <a:extLst>
+                  <a:ext uri="{FF2B5EF4-FFF2-40B4-BE49-F238E27FC236}">
+                    <a16:creationId xmlns:a16="http://schemas.microsoft.com/office/drawing/2014/main" id="{22D138E1-62F1-4F91-BD0E-0C238528F88A}"/>
+                  </a:ext>
+                </a:extLst>
+              </p:cNvPr>
+              <p:cNvSpPr/>
+              <p:nvPr/>
+            </p:nvSpPr>
+            <p:spPr>
+              <a:xfrm>
+                <a:off x="3445723" y="1613211"/>
+                <a:ext cx="557562" cy="557562"/>
+              </a:xfrm>
+              <a:prstGeom prst="ellipse">
+                <a:avLst/>
+              </a:prstGeom>
+            </p:spPr>
+            <p:style>
+              <a:lnRef idx="1">
+                <a:schemeClr val="accent3"/>
+              </a:lnRef>
+              <a:fillRef idx="2">
+                <a:schemeClr val="accent3"/>
+              </a:fillRef>
+              <a:effectRef idx="1">
+                <a:schemeClr val="accent3"/>
+              </a:effectRef>
+              <a:fontRef idx="minor">
+                <a:schemeClr val="dk1"/>
+              </a:fontRef>
+            </p:style>
+            <p:txBody>
+              <a:bodyPr lIns="0" tIns="0" rIns="0" bIns="0" rtlCol="0" anchor="ctr"/>
+              <a:lstStyle/>
+              <a:p>
+                <a:pPr algn="ctr"/>
+                <a:r>
+                  <a:rPr lang="en-GB" sz="1200" dirty="0"/>
+                  <a:t>rdF</a:t>
+                </a:r>
+              </a:p>
+            </p:txBody>
+          </p:sp>
+          <p:sp>
+            <p:nvSpPr>
+              <p:cNvPr id="13" name="Oval 12">
+                <a:extLst>
+                  <a:ext uri="{FF2B5EF4-FFF2-40B4-BE49-F238E27FC236}">
+                    <a16:creationId xmlns:a16="http://schemas.microsoft.com/office/drawing/2014/main" id="{C3809497-4347-430F-8A53-963068A85153}"/>
+                  </a:ext>
+                </a:extLst>
+              </p:cNvPr>
+              <p:cNvSpPr/>
+              <p:nvPr/>
+            </p:nvSpPr>
+            <p:spPr>
+              <a:xfrm>
+                <a:off x="2090085" y="2887374"/>
+                <a:ext cx="557562" cy="557562"/>
+              </a:xfrm>
+              <a:prstGeom prst="ellipse">
+                <a:avLst/>
+              </a:prstGeom>
+            </p:spPr>
+            <p:style>
+              <a:lnRef idx="1">
+                <a:schemeClr val="accent3"/>
+              </a:lnRef>
+              <a:fillRef idx="2">
+                <a:schemeClr val="accent3"/>
+              </a:fillRef>
+              <a:effectRef idx="1">
+                <a:schemeClr val="accent3"/>
+              </a:effectRef>
+              <a:fontRef idx="minor">
+                <a:schemeClr val="dk1"/>
+              </a:fontRef>
+            </p:style>
+            <p:txBody>
+              <a:bodyPr lIns="0" tIns="0" rIns="0" bIns="0" rtlCol="0" anchor="ctr"/>
+              <a:lstStyle/>
+              <a:p>
+                <a:pPr algn="ctr"/>
+                <a:r>
+                  <a:rPr lang="en-GB" sz="1200" dirty="0"/>
+                  <a:t>lvF</a:t>
+                </a:r>
+              </a:p>
+            </p:txBody>
+          </p:sp>
+          <p:sp>
+            <p:nvSpPr>
+              <p:cNvPr id="14" name="Oval 13">
+                <a:extLst>
+                  <a:ext uri="{FF2B5EF4-FFF2-40B4-BE49-F238E27FC236}">
+                    <a16:creationId xmlns:a16="http://schemas.microsoft.com/office/drawing/2014/main" id="{9ED75F49-6256-4AF4-AD1E-8E9FE1E6EE68}"/>
+                  </a:ext>
+                </a:extLst>
+              </p:cNvPr>
+              <p:cNvSpPr/>
+              <p:nvPr/>
+            </p:nvSpPr>
+            <p:spPr>
+              <a:xfrm>
+                <a:off x="3445723" y="2887374"/>
+                <a:ext cx="557562" cy="557562"/>
+              </a:xfrm>
+              <a:prstGeom prst="ellipse">
+                <a:avLst/>
+              </a:prstGeom>
+            </p:spPr>
+            <p:style>
+              <a:lnRef idx="1">
+                <a:schemeClr val="accent3"/>
+              </a:lnRef>
+              <a:fillRef idx="2">
+                <a:schemeClr val="accent3"/>
+              </a:fillRef>
+              <a:effectRef idx="1">
+                <a:schemeClr val="accent3"/>
+              </a:effectRef>
+              <a:fontRef idx="minor">
+                <a:schemeClr val="dk1"/>
+              </a:fontRef>
+            </p:style>
+            <p:txBody>
+              <a:bodyPr lIns="0" tIns="0" rIns="0" bIns="0" rtlCol="0" anchor="ctr"/>
+              <a:lstStyle/>
+              <a:p>
+                <a:pPr algn="ctr"/>
+                <a:r>
+                  <a:rPr lang="en-GB" sz="1200" dirty="0"/>
+                  <a:t>rvF</a:t>
+                </a:r>
+              </a:p>
+            </p:txBody>
+          </p:sp>
+        </p:grpSp>
+        <p:sp>
+          <p:nvSpPr>
+            <p:cNvPr id="15" name="Arc 14">
+              <a:extLst>
+                <a:ext uri="{FF2B5EF4-FFF2-40B4-BE49-F238E27FC236}">
+                  <a16:creationId xmlns:a16="http://schemas.microsoft.com/office/drawing/2014/main" id="{675B5B2A-5578-4893-B3F2-448CF2755868}"/>
+                </a:ext>
+              </a:extLst>
+            </p:cNvPr>
+            <p:cNvSpPr/>
+            <p:nvPr/>
+          </p:nvSpPr>
+          <p:spPr>
+            <a:xfrm>
+              <a:off x="5500946" y="2140191"/>
+              <a:ext cx="327347" cy="312236"/>
+            </a:xfrm>
+            <a:prstGeom prst="arc">
+              <a:avLst>
+                <a:gd name="adj1" fmla="val 6599244"/>
+                <a:gd name="adj2" fmla="val 0"/>
+              </a:avLst>
+            </a:prstGeom>
+            <a:ln>
+              <a:solidFill>
+                <a:schemeClr val="tx1"/>
+              </a:solidFill>
+              <a:headEnd type="oval" w="med" len="med"/>
+              <a:tailEnd type="none" w="med" len="med"/>
+            </a:ln>
+          </p:spPr>
+          <p:style>
+            <a:lnRef idx="1">
+              <a:schemeClr val="accent1"/>
+            </a:lnRef>
+            <a:fillRef idx="0">
+              <a:schemeClr val="accent1"/>
+            </a:fillRef>
+            <a:effectRef idx="0">
+              <a:schemeClr val="accent1"/>
+            </a:effectRef>
+            <a:fontRef idx="minor">
+              <a:schemeClr val="tx1"/>
+            </a:fontRef>
+          </p:style>
+          <p:txBody>
+            <a:bodyPr rtlCol="0" anchor="ctr"/>
+            <a:lstStyle/>
+            <a:p>
+              <a:pPr algn="ctr"/>
+              <a:endParaRPr lang="en-GB"/>
+            </a:p>
+          </p:txBody>
+        </p:sp>
+        <p:sp>
+          <p:nvSpPr>
+            <p:cNvPr id="16" name="Arc 15">
+              <a:extLst>
+                <a:ext uri="{FF2B5EF4-FFF2-40B4-BE49-F238E27FC236}">
+                  <a16:creationId xmlns:a16="http://schemas.microsoft.com/office/drawing/2014/main" id="{2C79350D-6909-4408-9726-A64A5615822E}"/>
+                </a:ext>
+              </a:extLst>
+            </p:cNvPr>
+            <p:cNvSpPr/>
+            <p:nvPr/>
+          </p:nvSpPr>
+          <p:spPr>
+            <a:xfrm flipH="1">
+              <a:off x="6764990" y="2140191"/>
+              <a:ext cx="327347" cy="312236"/>
+            </a:xfrm>
+            <a:prstGeom prst="arc">
+              <a:avLst>
+                <a:gd name="adj1" fmla="val 6599244"/>
+                <a:gd name="adj2" fmla="val 0"/>
+              </a:avLst>
+            </a:prstGeom>
+            <a:ln>
+              <a:solidFill>
+                <a:schemeClr val="tx1"/>
+              </a:solidFill>
+              <a:headEnd type="oval" w="med" len="med"/>
+              <a:tailEnd type="none" w="med" len="med"/>
+            </a:ln>
+          </p:spPr>
+          <p:style>
+            <a:lnRef idx="1">
+              <a:schemeClr val="accent1"/>
+            </a:lnRef>
+            <a:fillRef idx="0">
+              <a:schemeClr val="accent1"/>
+            </a:fillRef>
+            <a:effectRef idx="0">
+              <a:schemeClr val="accent1"/>
+            </a:effectRef>
+            <a:fontRef idx="minor">
+              <a:schemeClr val="tx1"/>
+            </a:fontRef>
+          </p:style>
+          <p:txBody>
+            <a:bodyPr rtlCol="0" anchor="ctr"/>
+            <a:lstStyle/>
+            <a:p>
+              <a:pPr algn="ctr"/>
+              <a:endParaRPr lang="en-GB"/>
+            </a:p>
+          </p:txBody>
+        </p:sp>
+        <p:sp>
+          <p:nvSpPr>
+            <p:cNvPr id="17" name="Arc 16">
+              <a:extLst>
+                <a:ext uri="{FF2B5EF4-FFF2-40B4-BE49-F238E27FC236}">
+                  <a16:creationId xmlns:a16="http://schemas.microsoft.com/office/drawing/2014/main" id="{841F6343-B593-453E-BD59-56CE442C1889}"/>
+                </a:ext>
+              </a:extLst>
+            </p:cNvPr>
+            <p:cNvSpPr/>
+            <p:nvPr/>
+          </p:nvSpPr>
+          <p:spPr>
+            <a:xfrm flipV="1">
+              <a:off x="5496542" y="3394696"/>
+              <a:ext cx="327347" cy="312236"/>
+            </a:xfrm>
+            <a:prstGeom prst="arc">
+              <a:avLst>
+                <a:gd name="adj1" fmla="val 6599244"/>
+                <a:gd name="adj2" fmla="val 0"/>
+              </a:avLst>
+            </a:prstGeom>
+            <a:ln>
+              <a:solidFill>
+                <a:schemeClr val="tx1"/>
+              </a:solidFill>
+              <a:headEnd type="oval" w="med" len="med"/>
+              <a:tailEnd type="none" w="med" len="med"/>
+            </a:ln>
+          </p:spPr>
+          <p:style>
+            <a:lnRef idx="1">
+              <a:schemeClr val="accent1"/>
+            </a:lnRef>
+            <a:fillRef idx="0">
+              <a:schemeClr val="accent1"/>
+            </a:fillRef>
+            <a:effectRef idx="0">
+              <a:schemeClr val="accent1"/>
+            </a:effectRef>
+            <a:fontRef idx="minor">
+              <a:schemeClr val="tx1"/>
+            </a:fontRef>
+          </p:style>
+          <p:txBody>
+            <a:bodyPr rtlCol="0" anchor="ctr"/>
+            <a:lstStyle/>
+            <a:p>
+              <a:pPr algn="ctr"/>
+              <a:endParaRPr lang="en-GB"/>
+            </a:p>
+          </p:txBody>
+        </p:sp>
+        <p:sp>
+          <p:nvSpPr>
+            <p:cNvPr id="18" name="Arc 17">
+              <a:extLst>
+                <a:ext uri="{FF2B5EF4-FFF2-40B4-BE49-F238E27FC236}">
+                  <a16:creationId xmlns:a16="http://schemas.microsoft.com/office/drawing/2014/main" id="{59FC3F31-E599-4C62-970D-DD2A376821D0}"/>
+                </a:ext>
+              </a:extLst>
+            </p:cNvPr>
+            <p:cNvSpPr/>
+            <p:nvPr/>
+          </p:nvSpPr>
+          <p:spPr>
+            <a:xfrm flipH="1" flipV="1">
+              <a:off x="6764991" y="3411799"/>
+              <a:ext cx="327347" cy="312236"/>
+            </a:xfrm>
+            <a:prstGeom prst="arc">
+              <a:avLst>
+                <a:gd name="adj1" fmla="val 6599244"/>
+                <a:gd name="adj2" fmla="val 0"/>
+              </a:avLst>
+            </a:prstGeom>
+            <a:ln>
+              <a:solidFill>
+                <a:schemeClr val="tx1"/>
+              </a:solidFill>
+              <a:headEnd type="oval" w="med" len="med"/>
+              <a:tailEnd type="none" w="med" len="med"/>
+            </a:ln>
+          </p:spPr>
+          <p:style>
+            <a:lnRef idx="1">
+              <a:schemeClr val="accent1"/>
+            </a:lnRef>
+            <a:fillRef idx="0">
+              <a:schemeClr val="accent1"/>
+            </a:fillRef>
+            <a:effectRef idx="0">
+              <a:schemeClr val="accent1"/>
+            </a:effectRef>
+            <a:fontRef idx="minor">
+              <a:schemeClr val="tx1"/>
+            </a:fontRef>
+          </p:style>
+          <p:txBody>
+            <a:bodyPr rtlCol="0" anchor="ctr"/>
+            <a:lstStyle/>
+            <a:p>
+              <a:pPr algn="ctr"/>
+              <a:endParaRPr lang="en-GB"/>
+            </a:p>
+          </p:txBody>
+        </p:sp>
+        <p:cxnSp>
+          <p:nvCxnSpPr>
+            <p:cNvPr id="19" name="Straight Arrow Connector 18">
+              <a:extLst>
+                <a:ext uri="{FF2B5EF4-FFF2-40B4-BE49-F238E27FC236}">
+                  <a16:creationId xmlns:a16="http://schemas.microsoft.com/office/drawing/2014/main" id="{9E88A145-DB86-4CD9-852F-51E9CDFC002C}"/>
+                </a:ext>
+              </a:extLst>
+            </p:cNvPr>
+            <p:cNvCxnSpPr/>
+            <p:nvPr/>
+          </p:nvCxnSpPr>
+          <p:spPr>
+            <a:xfrm>
+              <a:off x="5911112" y="1999583"/>
+              <a:ext cx="0" cy="277960"/>
+            </a:xfrm>
+            <a:prstGeom prst="straightConnector1">
+              <a:avLst/>
+            </a:prstGeom>
+            <a:ln w="28575">
+              <a:solidFill>
+                <a:srgbClr val="38528C"/>
+              </a:solidFill>
+              <a:prstDash val="sysDot"/>
+              <a:tailEnd type="triangle"/>
+            </a:ln>
+          </p:spPr>
+          <p:style>
+            <a:lnRef idx="1">
+              <a:schemeClr val="accent1"/>
+            </a:lnRef>
+            <a:fillRef idx="0">
+              <a:schemeClr val="accent1"/>
+            </a:fillRef>
+            <a:effectRef idx="0">
+              <a:schemeClr val="accent1"/>
+            </a:effectRef>
+            <a:fontRef idx="minor">
+              <a:schemeClr val="tx1"/>
+            </a:fontRef>
+          </p:style>
+        </p:cxnSp>
+        <p:cxnSp>
+          <p:nvCxnSpPr>
+            <p:cNvPr id="20" name="Straight Arrow Connector 19">
+              <a:extLst>
+                <a:ext uri="{FF2B5EF4-FFF2-40B4-BE49-F238E27FC236}">
+                  <a16:creationId xmlns:a16="http://schemas.microsoft.com/office/drawing/2014/main" id="{68A2957A-BBAF-41B9-A267-984E0D4EE652}"/>
+                </a:ext>
+              </a:extLst>
+            </p:cNvPr>
+            <p:cNvCxnSpPr/>
+            <p:nvPr/>
+          </p:nvCxnSpPr>
+          <p:spPr>
+            <a:xfrm>
+              <a:off x="6678174" y="1999583"/>
+              <a:ext cx="0" cy="277960"/>
+            </a:xfrm>
+            <a:prstGeom prst="straightConnector1">
+              <a:avLst/>
+            </a:prstGeom>
+            <a:ln w="28575">
+              <a:solidFill>
+                <a:srgbClr val="38528C"/>
+              </a:solidFill>
+              <a:prstDash val="sysDot"/>
+              <a:tailEnd type="triangle"/>
+            </a:ln>
+          </p:spPr>
+          <p:style>
+            <a:lnRef idx="1">
+              <a:schemeClr val="accent1"/>
+            </a:lnRef>
+            <a:fillRef idx="0">
+              <a:schemeClr val="accent1"/>
+            </a:fillRef>
+            <a:effectRef idx="0">
+              <a:schemeClr val="accent1"/>
+            </a:effectRef>
+            <a:fontRef idx="minor">
+              <a:schemeClr val="tx1"/>
+            </a:fontRef>
+          </p:style>
+        </p:cxnSp>
+        <p:cxnSp>
+          <p:nvCxnSpPr>
+            <p:cNvPr id="21" name="Straight Arrow Connector 20">
+              <a:extLst>
+                <a:ext uri="{FF2B5EF4-FFF2-40B4-BE49-F238E27FC236}">
+                  <a16:creationId xmlns:a16="http://schemas.microsoft.com/office/drawing/2014/main" id="{EE9DFD52-7966-4864-ABAE-A045CB4244AC}"/>
+                </a:ext>
+              </a:extLst>
+            </p:cNvPr>
+            <p:cNvCxnSpPr/>
+            <p:nvPr/>
+          </p:nvCxnSpPr>
+          <p:spPr>
+            <a:xfrm flipV="1">
+              <a:off x="5911112" y="3564057"/>
+              <a:ext cx="0" cy="277960"/>
+            </a:xfrm>
+            <a:prstGeom prst="straightConnector1">
+              <a:avLst/>
+            </a:prstGeom>
+            <a:ln w="28575">
+              <a:solidFill>
+                <a:srgbClr val="38528C"/>
+              </a:solidFill>
+              <a:prstDash val="sysDot"/>
+              <a:tailEnd type="triangle"/>
+            </a:ln>
+          </p:spPr>
+          <p:style>
+            <a:lnRef idx="1">
+              <a:schemeClr val="accent1"/>
+            </a:lnRef>
+            <a:fillRef idx="0">
+              <a:schemeClr val="accent1"/>
+            </a:fillRef>
+            <a:effectRef idx="0">
+              <a:schemeClr val="accent1"/>
+            </a:effectRef>
+            <a:fontRef idx="minor">
+              <a:schemeClr val="tx1"/>
+            </a:fontRef>
+          </p:style>
+        </p:cxnSp>
+        <p:cxnSp>
+          <p:nvCxnSpPr>
+            <p:cNvPr id="22" name="Straight Arrow Connector 21">
+              <a:extLst>
+                <a:ext uri="{FF2B5EF4-FFF2-40B4-BE49-F238E27FC236}">
+                  <a16:creationId xmlns:a16="http://schemas.microsoft.com/office/drawing/2014/main" id="{CB254E99-D971-4E72-BEA3-2F040C28A52E}"/>
+                </a:ext>
+              </a:extLst>
+            </p:cNvPr>
+            <p:cNvCxnSpPr/>
+            <p:nvPr/>
+          </p:nvCxnSpPr>
+          <p:spPr>
+            <a:xfrm flipV="1">
+              <a:off x="6678174" y="3564057"/>
+              <a:ext cx="0" cy="277960"/>
+            </a:xfrm>
+            <a:prstGeom prst="straightConnector1">
+              <a:avLst/>
+            </a:prstGeom>
+            <a:ln w="28575">
+              <a:solidFill>
+                <a:srgbClr val="38528C"/>
+              </a:solidFill>
+              <a:prstDash val="sysDot"/>
+              <a:tailEnd type="triangle"/>
+            </a:ln>
+          </p:spPr>
+          <p:style>
+            <a:lnRef idx="1">
+              <a:schemeClr val="accent1"/>
+            </a:lnRef>
+            <a:fillRef idx="0">
+              <a:schemeClr val="accent1"/>
+            </a:fillRef>
+            <a:effectRef idx="0">
+              <a:schemeClr val="accent1"/>
+            </a:effectRef>
+            <a:fontRef idx="minor">
+              <a:schemeClr val="tx1"/>
+            </a:fontRef>
+          </p:style>
+        </p:cxnSp>
+        <p:cxnSp>
+          <p:nvCxnSpPr>
+            <p:cNvPr id="23" name="Straight Arrow Connector 22">
+              <a:extLst>
+                <a:ext uri="{FF2B5EF4-FFF2-40B4-BE49-F238E27FC236}">
+                  <a16:creationId xmlns:a16="http://schemas.microsoft.com/office/drawing/2014/main" id="{755F137C-D614-42FA-994D-45F3A8B330BC}"/>
+                </a:ext>
+              </a:extLst>
+            </p:cNvPr>
+            <p:cNvCxnSpPr/>
+            <p:nvPr/>
+          </p:nvCxnSpPr>
+          <p:spPr>
+            <a:xfrm>
+              <a:off x="5458440" y="2018633"/>
+              <a:ext cx="133814" cy="140608"/>
+            </a:xfrm>
+            <a:prstGeom prst="straightConnector1">
+              <a:avLst/>
+            </a:prstGeom>
+            <a:ln w="28575">
+              <a:solidFill>
+                <a:srgbClr val="CC444E"/>
+              </a:solidFill>
+              <a:prstDash val="sysDash"/>
+              <a:tailEnd type="oval"/>
+            </a:ln>
+          </p:spPr>
+          <p:style>
+            <a:lnRef idx="1">
+              <a:schemeClr val="accent1"/>
+            </a:lnRef>
+            <a:fillRef idx="0">
+              <a:schemeClr val="accent1"/>
+            </a:fillRef>
+            <a:effectRef idx="0">
+              <a:schemeClr val="accent1"/>
+            </a:effectRef>
+            <a:fontRef idx="minor">
+              <a:schemeClr val="tx1"/>
+            </a:fontRef>
+          </p:style>
+        </p:cxnSp>
+        <p:cxnSp>
+          <p:nvCxnSpPr>
+            <p:cNvPr id="24" name="Straight Arrow Connector 23">
+              <a:extLst>
+                <a:ext uri="{FF2B5EF4-FFF2-40B4-BE49-F238E27FC236}">
+                  <a16:creationId xmlns:a16="http://schemas.microsoft.com/office/drawing/2014/main" id="{95BE2969-B540-4618-B8C7-6FB0E1D4DD37}"/>
+                </a:ext>
+              </a:extLst>
+            </p:cNvPr>
+            <p:cNvCxnSpPr/>
+            <p:nvPr/>
+          </p:nvCxnSpPr>
+          <p:spPr>
+            <a:xfrm flipH="1">
+              <a:off x="6968880" y="2018633"/>
+              <a:ext cx="133814" cy="140608"/>
+            </a:xfrm>
+            <a:prstGeom prst="straightConnector1">
+              <a:avLst/>
+            </a:prstGeom>
+            <a:ln w="28575">
+              <a:solidFill>
+                <a:srgbClr val="CC444E"/>
+              </a:solidFill>
+              <a:prstDash val="sysDash"/>
+              <a:tailEnd type="oval"/>
+            </a:ln>
+          </p:spPr>
+          <p:style>
+            <a:lnRef idx="1">
+              <a:schemeClr val="accent1"/>
+            </a:lnRef>
+            <a:fillRef idx="0">
+              <a:schemeClr val="accent1"/>
+            </a:fillRef>
+            <a:effectRef idx="0">
+              <a:schemeClr val="accent1"/>
+            </a:effectRef>
+            <a:fontRef idx="minor">
+              <a:schemeClr val="tx1"/>
+            </a:fontRef>
+          </p:style>
+        </p:cxnSp>
+        <p:cxnSp>
+          <p:nvCxnSpPr>
+            <p:cNvPr id="25" name="Straight Arrow Connector 24">
+              <a:extLst>
+                <a:ext uri="{FF2B5EF4-FFF2-40B4-BE49-F238E27FC236}">
+                  <a16:creationId xmlns:a16="http://schemas.microsoft.com/office/drawing/2014/main" id="{3C5B629E-0A9A-44A7-9B35-89AD6E2D34E0}"/>
+                </a:ext>
+              </a:extLst>
+            </p:cNvPr>
+            <p:cNvCxnSpPr/>
+            <p:nvPr/>
+          </p:nvCxnSpPr>
+          <p:spPr>
+            <a:xfrm flipV="1">
+              <a:off x="5496540" y="3714083"/>
+              <a:ext cx="133814" cy="140608"/>
+            </a:xfrm>
+            <a:prstGeom prst="straightConnector1">
+              <a:avLst/>
+            </a:prstGeom>
+            <a:ln w="28575">
+              <a:solidFill>
+                <a:srgbClr val="CC444E"/>
+              </a:solidFill>
+              <a:prstDash val="sysDash"/>
+              <a:tailEnd type="oval"/>
+            </a:ln>
+          </p:spPr>
+          <p:style>
+            <a:lnRef idx="1">
+              <a:schemeClr val="accent1"/>
+            </a:lnRef>
+            <a:fillRef idx="0">
+              <a:schemeClr val="accent1"/>
+            </a:fillRef>
+            <a:effectRef idx="0">
+              <a:schemeClr val="accent1"/>
+            </a:effectRef>
+            <a:fontRef idx="minor">
+              <a:schemeClr val="tx1"/>
+            </a:fontRef>
+          </p:style>
+        </p:cxnSp>
+        <p:cxnSp>
+          <p:nvCxnSpPr>
+            <p:cNvPr id="26" name="Straight Arrow Connector 25">
+              <a:extLst>
+                <a:ext uri="{FF2B5EF4-FFF2-40B4-BE49-F238E27FC236}">
+                  <a16:creationId xmlns:a16="http://schemas.microsoft.com/office/drawing/2014/main" id="{8DC686B4-657A-449E-939B-A98E58E46C79}"/>
+                </a:ext>
+              </a:extLst>
+            </p:cNvPr>
+            <p:cNvCxnSpPr/>
+            <p:nvPr/>
+          </p:nvCxnSpPr>
+          <p:spPr>
+            <a:xfrm flipH="1" flipV="1">
+              <a:off x="7006980" y="3714083"/>
+              <a:ext cx="133814" cy="140608"/>
+            </a:xfrm>
+            <a:prstGeom prst="straightConnector1">
+              <a:avLst/>
+            </a:prstGeom>
+            <a:ln w="28575">
+              <a:solidFill>
+                <a:srgbClr val="CC444E"/>
+              </a:solidFill>
+              <a:prstDash val="sysDash"/>
+              <a:tailEnd type="oval"/>
+            </a:ln>
+          </p:spPr>
+          <p:style>
+            <a:lnRef idx="1">
+              <a:schemeClr val="accent1"/>
+            </a:lnRef>
+            <a:fillRef idx="0">
+              <a:schemeClr val="accent1"/>
+            </a:fillRef>
+            <a:effectRef idx="0">
+              <a:schemeClr val="accent1"/>
+            </a:effectRef>
+            <a:fontRef idx="minor">
+              <a:schemeClr val="tx1"/>
+            </a:fontRef>
+          </p:style>
+        </p:cxnSp>
+        <p:cxnSp>
+          <p:nvCxnSpPr>
+            <p:cNvPr id="31" name="Straight Arrow Connector 30">
+              <a:extLst>
+                <a:ext uri="{FF2B5EF4-FFF2-40B4-BE49-F238E27FC236}">
+                  <a16:creationId xmlns:a16="http://schemas.microsoft.com/office/drawing/2014/main" id="{CDC000E5-A9FB-4B3B-B6C6-3B2A8BBDCB15}"/>
+                </a:ext>
+              </a:extLst>
+            </p:cNvPr>
+            <p:cNvCxnSpPr/>
+            <p:nvPr/>
+          </p:nvCxnSpPr>
+          <p:spPr>
+            <a:xfrm>
+              <a:off x="5375717" y="2112246"/>
+              <a:ext cx="133814" cy="140608"/>
+            </a:xfrm>
+            <a:prstGeom prst="straightConnector1">
+              <a:avLst/>
+            </a:prstGeom>
+            <a:ln w="28575">
+              <a:solidFill>
+                <a:srgbClr val="49AD39"/>
+              </a:solidFill>
+              <a:prstDash val="sysDot"/>
+              <a:tailEnd type="oval"/>
+            </a:ln>
+          </p:spPr>
+          <p:style>
+            <a:lnRef idx="1">
+              <a:schemeClr val="accent1"/>
+            </a:lnRef>
+            <a:fillRef idx="0">
+              <a:schemeClr val="accent1"/>
+            </a:fillRef>
+            <a:effectRef idx="0">
+              <a:schemeClr val="accent1"/>
+            </a:effectRef>
+            <a:fontRef idx="minor">
+              <a:schemeClr val="tx1"/>
+            </a:fontRef>
+          </p:style>
+        </p:cxnSp>
+        <p:cxnSp>
+          <p:nvCxnSpPr>
+            <p:cNvPr id="32" name="Straight Arrow Connector 31">
+              <a:extLst>
+                <a:ext uri="{FF2B5EF4-FFF2-40B4-BE49-F238E27FC236}">
+                  <a16:creationId xmlns:a16="http://schemas.microsoft.com/office/drawing/2014/main" id="{DC0E1714-4B78-4798-BA54-9ACE491AC7DF}"/>
+                </a:ext>
+              </a:extLst>
+            </p:cNvPr>
+            <p:cNvCxnSpPr/>
+            <p:nvPr/>
+          </p:nvCxnSpPr>
+          <p:spPr>
+            <a:xfrm flipH="1">
+              <a:off x="7088175" y="2088937"/>
+              <a:ext cx="133814" cy="140608"/>
+            </a:xfrm>
+            <a:prstGeom prst="straightConnector1">
+              <a:avLst/>
+            </a:prstGeom>
+            <a:ln w="28575">
+              <a:solidFill>
+                <a:srgbClr val="49AD39"/>
+              </a:solidFill>
+              <a:prstDash val="sysDot"/>
+              <a:tailEnd type="oval"/>
+            </a:ln>
+          </p:spPr>
+          <p:style>
+            <a:lnRef idx="1">
+              <a:schemeClr val="accent1"/>
+            </a:lnRef>
+            <a:fillRef idx="0">
+              <a:schemeClr val="accent1"/>
+            </a:fillRef>
+            <a:effectRef idx="0">
+              <a:schemeClr val="accent1"/>
+            </a:effectRef>
+            <a:fontRef idx="minor">
+              <a:schemeClr val="tx1"/>
+            </a:fontRef>
+          </p:style>
+        </p:cxnSp>
+        <p:cxnSp>
+          <p:nvCxnSpPr>
+            <p:cNvPr id="33" name="Straight Arrow Connector 32">
+              <a:extLst>
+                <a:ext uri="{FF2B5EF4-FFF2-40B4-BE49-F238E27FC236}">
+                  <a16:creationId xmlns:a16="http://schemas.microsoft.com/office/drawing/2014/main" id="{DC5DCAFA-DD6F-4FDA-88E3-6622B4146CD2}"/>
+                </a:ext>
+              </a:extLst>
+            </p:cNvPr>
+            <p:cNvCxnSpPr/>
+            <p:nvPr/>
+          </p:nvCxnSpPr>
+          <p:spPr>
+            <a:xfrm flipV="1">
+              <a:off x="5390236" y="3623787"/>
+              <a:ext cx="133814" cy="140608"/>
+            </a:xfrm>
+            <a:prstGeom prst="straightConnector1">
+              <a:avLst/>
+            </a:prstGeom>
+            <a:ln w="28575">
+              <a:solidFill>
+                <a:srgbClr val="49AD39"/>
+              </a:solidFill>
+              <a:prstDash val="sysDot"/>
+              <a:tailEnd type="oval"/>
+            </a:ln>
+          </p:spPr>
+          <p:style>
+            <a:lnRef idx="1">
+              <a:schemeClr val="accent1"/>
+            </a:lnRef>
+            <a:fillRef idx="0">
+              <a:schemeClr val="accent1"/>
+            </a:fillRef>
+            <a:effectRef idx="0">
+              <a:schemeClr val="accent1"/>
+            </a:effectRef>
+            <a:fontRef idx="minor">
+              <a:schemeClr val="tx1"/>
+            </a:fontRef>
+          </p:style>
+        </p:cxnSp>
+        <p:cxnSp>
+          <p:nvCxnSpPr>
+            <p:cNvPr id="34" name="Straight Arrow Connector 33">
+              <a:extLst>
+                <a:ext uri="{FF2B5EF4-FFF2-40B4-BE49-F238E27FC236}">
+                  <a16:creationId xmlns:a16="http://schemas.microsoft.com/office/drawing/2014/main" id="{D1DC2FB6-4F90-45D2-B35B-2A9C6D9DA479}"/>
+                </a:ext>
+              </a:extLst>
+            </p:cNvPr>
+            <p:cNvCxnSpPr/>
+            <p:nvPr/>
+          </p:nvCxnSpPr>
+          <p:spPr>
+            <a:xfrm flipH="1" flipV="1">
+              <a:off x="7102694" y="3600478"/>
+              <a:ext cx="133814" cy="140608"/>
+            </a:xfrm>
+            <a:prstGeom prst="straightConnector1">
+              <a:avLst/>
+            </a:prstGeom>
+            <a:ln w="28575">
+              <a:solidFill>
+                <a:srgbClr val="49AD39"/>
+              </a:solidFill>
+              <a:prstDash val="sysDot"/>
+              <a:tailEnd type="oval"/>
+            </a:ln>
+          </p:spPr>
+          <p:style>
+            <a:lnRef idx="1">
+              <a:schemeClr val="accent1"/>
+            </a:lnRef>
+            <a:fillRef idx="0">
+              <a:schemeClr val="accent1"/>
+            </a:fillRef>
+            <a:effectRef idx="0">
+              <a:schemeClr val="accent1"/>
+            </a:effectRef>
+            <a:fontRef idx="minor">
+              <a:schemeClr val="tx1"/>
+            </a:fontRef>
+          </p:style>
+        </p:cxnSp>
+        <p:cxnSp>
+          <p:nvCxnSpPr>
+            <p:cNvPr id="37" name="Straight Arrow Connector 36">
+              <a:extLst>
+                <a:ext uri="{FF2B5EF4-FFF2-40B4-BE49-F238E27FC236}">
+                  <a16:creationId xmlns:a16="http://schemas.microsoft.com/office/drawing/2014/main" id="{DEDA4E56-3CD0-4C03-80FD-9F9678BA8E75}"/>
+                </a:ext>
+              </a:extLst>
+            </p:cNvPr>
+            <p:cNvCxnSpPr>
+              <a:stCxn id="13" idx="0"/>
+              <a:endCxn id="11" idx="4"/>
+            </p:cNvCxnSpPr>
+            <p:nvPr/>
+          </p:nvCxnSpPr>
+          <p:spPr>
+            <a:xfrm flipV="1">
+              <a:off x="5823888" y="2683376"/>
+              <a:ext cx="0" cy="497474"/>
+            </a:xfrm>
+            <a:prstGeom prst="straightConnector1">
+              <a:avLst/>
+            </a:prstGeom>
+            <a:ln w="12700">
+              <a:solidFill>
+                <a:schemeClr val="tx1"/>
+              </a:solidFill>
+              <a:headEnd type="triangle" w="med" len="med"/>
+              <a:tailEnd type="none" w="med" len="med"/>
+            </a:ln>
+          </p:spPr>
+          <p:style>
+            <a:lnRef idx="1">
+              <a:schemeClr val="accent1"/>
+            </a:lnRef>
+            <a:fillRef idx="0">
+              <a:schemeClr val="accent1"/>
+            </a:fillRef>
+            <a:effectRef idx="0">
+              <a:schemeClr val="accent1"/>
+            </a:effectRef>
+            <a:fontRef idx="minor">
+              <a:schemeClr val="tx1"/>
+            </a:fontRef>
+          </p:style>
+        </p:cxnSp>
+        <p:cxnSp>
+          <p:nvCxnSpPr>
+            <p:cNvPr id="38" name="Straight Arrow Connector 37">
+              <a:extLst>
+                <a:ext uri="{FF2B5EF4-FFF2-40B4-BE49-F238E27FC236}">
+                  <a16:creationId xmlns:a16="http://schemas.microsoft.com/office/drawing/2014/main" id="{F95E467D-C5B1-45AD-A67A-12A185FD282E}"/>
+                </a:ext>
+              </a:extLst>
+            </p:cNvPr>
+            <p:cNvCxnSpPr>
+              <a:stCxn id="11" idx="3"/>
+              <a:endCxn id="13" idx="1"/>
+            </p:cNvCxnSpPr>
+            <p:nvPr/>
+          </p:nvCxnSpPr>
+          <p:spPr>
+            <a:xfrm>
+              <a:off x="5687039" y="2626691"/>
+              <a:ext cx="0" cy="610844"/>
+            </a:xfrm>
+            <a:prstGeom prst="straightConnector1">
+              <a:avLst/>
+            </a:prstGeom>
+            <a:ln w="12700">
+              <a:solidFill>
+                <a:schemeClr val="tx1"/>
+              </a:solidFill>
+              <a:headEnd type="triangle" w="med" len="med"/>
+              <a:tailEnd type="none" w="med" len="med"/>
+            </a:ln>
+          </p:spPr>
+          <p:style>
+            <a:lnRef idx="1">
+              <a:schemeClr val="accent1"/>
+            </a:lnRef>
+            <a:fillRef idx="0">
+              <a:schemeClr val="accent1"/>
+            </a:fillRef>
+            <a:effectRef idx="0">
+              <a:schemeClr val="accent1"/>
+            </a:effectRef>
+            <a:fontRef idx="minor">
+              <a:schemeClr val="tx1"/>
+            </a:fontRef>
+          </p:style>
+        </p:cxnSp>
+        <p:cxnSp>
+          <p:nvCxnSpPr>
+            <p:cNvPr id="39" name="Straight Arrow Connector 38">
+              <a:extLst>
+                <a:ext uri="{FF2B5EF4-FFF2-40B4-BE49-F238E27FC236}">
+                  <a16:creationId xmlns:a16="http://schemas.microsoft.com/office/drawing/2014/main" id="{FC45060D-8D9E-4852-B0FA-89535DF77F97}"/>
+                </a:ext>
+              </a:extLst>
+            </p:cNvPr>
+            <p:cNvCxnSpPr>
+              <a:stCxn id="13" idx="5"/>
+              <a:endCxn id="14" idx="3"/>
+            </p:cNvCxnSpPr>
+            <p:nvPr/>
+          </p:nvCxnSpPr>
+          <p:spPr>
+            <a:xfrm>
+              <a:off x="5960738" y="3511232"/>
+              <a:ext cx="667405" cy="0"/>
+            </a:xfrm>
+            <a:prstGeom prst="straightConnector1">
+              <a:avLst/>
+            </a:prstGeom>
+            <a:ln w="12700">
+              <a:solidFill>
+                <a:schemeClr val="tx1"/>
+              </a:solidFill>
+              <a:headEnd type="none" w="med" len="med"/>
+              <a:tailEnd type="triangle" w="med" len="med"/>
+            </a:ln>
+          </p:spPr>
+          <p:style>
+            <a:lnRef idx="1">
+              <a:schemeClr val="accent1"/>
+            </a:lnRef>
+            <a:fillRef idx="0">
+              <a:schemeClr val="accent1"/>
+            </a:fillRef>
+            <a:effectRef idx="0">
+              <a:schemeClr val="accent1"/>
+            </a:effectRef>
+            <a:fontRef idx="minor">
+              <a:schemeClr val="tx1"/>
+            </a:fontRef>
+          </p:style>
+        </p:cxnSp>
+        <p:cxnSp>
+          <p:nvCxnSpPr>
+            <p:cNvPr id="40" name="Straight Arrow Connector 39">
+              <a:extLst>
+                <a:ext uri="{FF2B5EF4-FFF2-40B4-BE49-F238E27FC236}">
+                  <a16:creationId xmlns:a16="http://schemas.microsoft.com/office/drawing/2014/main" id="{74E2F171-15EC-4C0D-B524-7821B095D6E7}"/>
+                </a:ext>
+              </a:extLst>
+            </p:cNvPr>
+            <p:cNvCxnSpPr>
+              <a:stCxn id="14" idx="2"/>
+              <a:endCxn id="13" idx="6"/>
+            </p:cNvCxnSpPr>
+            <p:nvPr/>
+          </p:nvCxnSpPr>
+          <p:spPr>
+            <a:xfrm flipH="1">
+              <a:off x="6017423" y="3374384"/>
+              <a:ext cx="554035" cy="0"/>
+            </a:xfrm>
+            <a:prstGeom prst="straightConnector1">
+              <a:avLst/>
+            </a:prstGeom>
+            <a:ln w="12700">
+              <a:solidFill>
+                <a:schemeClr val="tx1"/>
+              </a:solidFill>
+              <a:headEnd type="none" w="med" len="med"/>
+              <a:tailEnd type="triangle" w="med" len="med"/>
+            </a:ln>
+          </p:spPr>
+          <p:style>
+            <a:lnRef idx="1">
+              <a:schemeClr val="accent1"/>
+            </a:lnRef>
+            <a:fillRef idx="0">
+              <a:schemeClr val="accent1"/>
+            </a:fillRef>
+            <a:effectRef idx="0">
+              <a:schemeClr val="accent1"/>
+            </a:effectRef>
+            <a:fontRef idx="minor">
+              <a:schemeClr val="tx1"/>
+            </a:fontRef>
+          </p:style>
+        </p:cxnSp>
+        <p:cxnSp>
+          <p:nvCxnSpPr>
+            <p:cNvPr id="41" name="Straight Arrow Connector 40">
+              <a:extLst>
+                <a:ext uri="{FF2B5EF4-FFF2-40B4-BE49-F238E27FC236}">
+                  <a16:creationId xmlns:a16="http://schemas.microsoft.com/office/drawing/2014/main" id="{BF19DD9C-0EAA-4CF3-AA5E-43A5FE00E876}"/>
+                </a:ext>
+              </a:extLst>
+            </p:cNvPr>
+            <p:cNvCxnSpPr>
+              <a:stCxn id="14" idx="7"/>
+              <a:endCxn id="12" idx="5"/>
+            </p:cNvCxnSpPr>
+            <p:nvPr/>
+          </p:nvCxnSpPr>
+          <p:spPr>
+            <a:xfrm flipV="1">
+              <a:off x="6901838" y="2626691"/>
+              <a:ext cx="0" cy="610844"/>
+            </a:xfrm>
+            <a:prstGeom prst="straightConnector1">
+              <a:avLst/>
+            </a:prstGeom>
+            <a:ln w="12700">
+              <a:solidFill>
+                <a:schemeClr val="tx1"/>
+              </a:solidFill>
+              <a:headEnd type="none" w="med" len="med"/>
+              <a:tailEnd type="triangle" w="med" len="med"/>
+            </a:ln>
+          </p:spPr>
+          <p:style>
+            <a:lnRef idx="1">
+              <a:schemeClr val="accent1"/>
+            </a:lnRef>
+            <a:fillRef idx="0">
+              <a:schemeClr val="accent1"/>
+            </a:fillRef>
+            <a:effectRef idx="0">
+              <a:schemeClr val="accent1"/>
+            </a:effectRef>
+            <a:fontRef idx="minor">
+              <a:schemeClr val="tx1"/>
+            </a:fontRef>
+          </p:style>
+        </p:cxnSp>
+        <p:cxnSp>
+          <p:nvCxnSpPr>
+            <p:cNvPr id="42" name="Straight Arrow Connector 41">
+              <a:extLst>
+                <a:ext uri="{FF2B5EF4-FFF2-40B4-BE49-F238E27FC236}">
+                  <a16:creationId xmlns:a16="http://schemas.microsoft.com/office/drawing/2014/main" id="{71299C74-3D04-4CAB-8EB7-BE5A70B969F4}"/>
+                </a:ext>
+              </a:extLst>
+            </p:cNvPr>
+            <p:cNvCxnSpPr>
+              <a:stCxn id="12" idx="4"/>
+              <a:endCxn id="14" idx="0"/>
+            </p:cNvCxnSpPr>
+            <p:nvPr/>
+          </p:nvCxnSpPr>
+          <p:spPr>
+            <a:xfrm>
+              <a:off x="6764990" y="2683376"/>
+              <a:ext cx="0" cy="497474"/>
+            </a:xfrm>
+            <a:prstGeom prst="straightConnector1">
+              <a:avLst/>
+            </a:prstGeom>
+            <a:ln w="12700">
+              <a:solidFill>
+                <a:schemeClr val="tx1"/>
+              </a:solidFill>
+              <a:headEnd type="none" w="med" len="med"/>
+              <a:tailEnd type="triangle" w="med" len="med"/>
+            </a:ln>
+          </p:spPr>
+          <p:style>
+            <a:lnRef idx="1">
+              <a:schemeClr val="accent1"/>
+            </a:lnRef>
+            <a:fillRef idx="0">
+              <a:schemeClr val="accent1"/>
+            </a:fillRef>
+            <a:effectRef idx="0">
+              <a:schemeClr val="accent1"/>
+            </a:effectRef>
+            <a:fontRef idx="minor">
+              <a:schemeClr val="tx1"/>
+            </a:fontRef>
+          </p:style>
+        </p:cxnSp>
+        <p:cxnSp>
+          <p:nvCxnSpPr>
+            <p:cNvPr id="43" name="Straight Arrow Connector 42">
+              <a:extLst>
+                <a:ext uri="{FF2B5EF4-FFF2-40B4-BE49-F238E27FC236}">
+                  <a16:creationId xmlns:a16="http://schemas.microsoft.com/office/drawing/2014/main" id="{924DC0AE-D293-4A71-ACEE-2608CE614FBD}"/>
+                </a:ext>
+              </a:extLst>
+            </p:cNvPr>
+            <p:cNvCxnSpPr>
+              <a:stCxn id="12" idx="1"/>
+              <a:endCxn id="11" idx="7"/>
+            </p:cNvCxnSpPr>
+            <p:nvPr/>
+          </p:nvCxnSpPr>
+          <p:spPr>
+            <a:xfrm flipH="1">
+              <a:off x="5960738" y="2352994"/>
+              <a:ext cx="667405" cy="0"/>
+            </a:xfrm>
+            <a:prstGeom prst="straightConnector1">
+              <a:avLst/>
+            </a:prstGeom>
+            <a:ln w="12700">
+              <a:solidFill>
+                <a:schemeClr val="tx1"/>
+              </a:solidFill>
+              <a:headEnd type="none" w="med" len="med"/>
+              <a:tailEnd type="triangle" w="med" len="med"/>
+            </a:ln>
+          </p:spPr>
+          <p:style>
+            <a:lnRef idx="1">
+              <a:schemeClr val="accent1"/>
+            </a:lnRef>
+            <a:fillRef idx="0">
+              <a:schemeClr val="accent1"/>
+            </a:fillRef>
+            <a:effectRef idx="0">
+              <a:schemeClr val="accent1"/>
+            </a:effectRef>
+            <a:fontRef idx="minor">
+              <a:schemeClr val="tx1"/>
+            </a:fontRef>
+          </p:style>
+        </p:cxnSp>
+        <p:cxnSp>
+          <p:nvCxnSpPr>
+            <p:cNvPr id="44" name="Straight Arrow Connector 43">
+              <a:extLst>
+                <a:ext uri="{FF2B5EF4-FFF2-40B4-BE49-F238E27FC236}">
+                  <a16:creationId xmlns:a16="http://schemas.microsoft.com/office/drawing/2014/main" id="{5D0008A9-452B-4455-A5C9-01CA38F53151}"/>
+                </a:ext>
+              </a:extLst>
+            </p:cNvPr>
+            <p:cNvCxnSpPr>
+              <a:stCxn id="11" idx="6"/>
+              <a:endCxn id="12" idx="2"/>
+            </p:cNvCxnSpPr>
+            <p:nvPr/>
+          </p:nvCxnSpPr>
+          <p:spPr>
+            <a:xfrm>
+              <a:off x="6017423" y="2489843"/>
+              <a:ext cx="554035" cy="0"/>
+            </a:xfrm>
+            <a:prstGeom prst="straightConnector1">
+              <a:avLst/>
+            </a:prstGeom>
+            <a:ln w="12700">
+              <a:solidFill>
+                <a:schemeClr val="tx1"/>
+              </a:solidFill>
+              <a:headEnd type="none" w="med" len="med"/>
+              <a:tailEnd type="triangle" w="med" len="med"/>
+            </a:ln>
+          </p:spPr>
+          <p:style>
+            <a:lnRef idx="1">
+              <a:schemeClr val="accent1"/>
+            </a:lnRef>
+            <a:fillRef idx="0">
+              <a:schemeClr val="accent1"/>
+            </a:fillRef>
+            <a:effectRef idx="0">
+              <a:schemeClr val="accent1"/>
+            </a:effectRef>
+            <a:fontRef idx="minor">
+              <a:schemeClr val="tx1"/>
+            </a:fontRef>
+          </p:style>
+        </p:cxnSp>
+      </p:grpSp>
+      <p:sp>
+        <p:nvSpPr>
+          <p:cNvPr id="46" name="TextBox 45">
+            <a:extLst>
+              <a:ext uri="{FF2B5EF4-FFF2-40B4-BE49-F238E27FC236}">
+                <a16:creationId xmlns:a16="http://schemas.microsoft.com/office/drawing/2014/main" id="{F9D96C94-59BB-40AF-AE2C-C3B6B9EFA7CA}"/>
+              </a:ext>
+            </a:extLst>
+          </p:cNvPr>
+          <p:cNvSpPr txBox="1"/>
+          <p:nvPr/>
+        </p:nvSpPr>
+        <p:spPr>
+          <a:xfrm>
+            <a:off x="3921245" y="802209"/>
+            <a:ext cx="1330814" cy="307777"/>
+          </a:xfrm>
+          <a:prstGeom prst="rect">
+            <a:avLst/>
+          </a:prstGeom>
+          <a:noFill/>
+        </p:spPr>
+        <p:txBody>
+          <a:bodyPr wrap="none" rtlCol="0">
+            <a:spAutoFit/>
+          </a:bodyPr>
+          <a:lstStyle/>
+          <a:p>
+            <a:r>
+              <a:rPr lang="en-GB" sz="1400" dirty="0"/>
+              <a:t>Full model (m1)</a:t>
+            </a:r>
+          </a:p>
+        </p:txBody>
+      </p:sp>
+      <p:grpSp>
+        <p:nvGrpSpPr>
+          <p:cNvPr id="47" name="Group 46">
+            <a:extLst>
+              <a:ext uri="{FF2B5EF4-FFF2-40B4-BE49-F238E27FC236}">
+                <a16:creationId xmlns:a16="http://schemas.microsoft.com/office/drawing/2014/main" id="{63F3FCDF-FC4E-43E6-9FAC-C76A8C3FBF32}"/>
+              </a:ext>
+            </a:extLst>
+          </p:cNvPr>
+          <p:cNvGrpSpPr/>
+          <p:nvPr/>
+        </p:nvGrpSpPr>
+        <p:grpSpPr>
+          <a:xfrm>
+            <a:off x="5886483" y="1274655"/>
+            <a:ext cx="1846272" cy="1855108"/>
+            <a:chOff x="5390236" y="1999583"/>
+            <a:chExt cx="1846272" cy="1855108"/>
+          </a:xfrm>
+        </p:grpSpPr>
+        <p:grpSp>
+          <p:nvGrpSpPr>
+            <p:cNvPr id="48" name="Group 47">
+              <a:extLst>
+                <a:ext uri="{FF2B5EF4-FFF2-40B4-BE49-F238E27FC236}">
+                  <a16:creationId xmlns:a16="http://schemas.microsoft.com/office/drawing/2014/main" id="{35EEFE43-73F2-4110-8156-F5CB89AA8CE3}"/>
+                </a:ext>
+              </a:extLst>
+            </p:cNvPr>
+            <p:cNvGrpSpPr/>
+            <p:nvPr/>
+          </p:nvGrpSpPr>
+          <p:grpSpPr>
+            <a:xfrm>
+              <a:off x="5630356" y="2296309"/>
+              <a:ext cx="1328169" cy="1271608"/>
+              <a:chOff x="2090085" y="1613211"/>
+              <a:chExt cx="1913200" cy="1831725"/>
+            </a:xfrm>
+          </p:grpSpPr>
+          <p:sp>
+            <p:nvSpPr>
+              <p:cNvPr id="73" name="Oval 72">
+                <a:extLst>
+                  <a:ext uri="{FF2B5EF4-FFF2-40B4-BE49-F238E27FC236}">
+                    <a16:creationId xmlns:a16="http://schemas.microsoft.com/office/drawing/2014/main" id="{80FBA362-BA24-4F2C-90D1-48CEA119B674}"/>
+                  </a:ext>
+                </a:extLst>
+              </p:cNvPr>
+              <p:cNvSpPr/>
+              <p:nvPr/>
+            </p:nvSpPr>
+            <p:spPr>
+              <a:xfrm>
+                <a:off x="2090085" y="1613211"/>
+                <a:ext cx="557562" cy="557562"/>
+              </a:xfrm>
+              <a:prstGeom prst="ellipse">
+                <a:avLst/>
+              </a:prstGeom>
+            </p:spPr>
+            <p:style>
+              <a:lnRef idx="1">
+                <a:schemeClr val="accent3"/>
+              </a:lnRef>
+              <a:fillRef idx="2">
+                <a:schemeClr val="accent3"/>
+              </a:fillRef>
+              <a:effectRef idx="1">
+                <a:schemeClr val="accent3"/>
+              </a:effectRef>
+              <a:fontRef idx="minor">
+                <a:schemeClr val="dk1"/>
+              </a:fontRef>
+            </p:style>
+            <p:txBody>
+              <a:bodyPr lIns="0" tIns="0" rIns="0" bIns="0" rtlCol="0" anchor="ctr"/>
+              <a:lstStyle/>
+              <a:p>
+                <a:pPr algn="ctr"/>
+                <a:r>
+                  <a:rPr lang="en-GB" sz="1200" dirty="0"/>
+                  <a:t>ldF</a:t>
+                </a:r>
+              </a:p>
+            </p:txBody>
+          </p:sp>
+          <p:sp>
+            <p:nvSpPr>
+              <p:cNvPr id="74" name="Oval 73">
+                <a:extLst>
+                  <a:ext uri="{FF2B5EF4-FFF2-40B4-BE49-F238E27FC236}">
+                    <a16:creationId xmlns:a16="http://schemas.microsoft.com/office/drawing/2014/main" id="{A55CCA81-752A-4295-9825-6448CC92CD6D}"/>
+                  </a:ext>
+                </a:extLst>
+              </p:cNvPr>
+              <p:cNvSpPr/>
+              <p:nvPr/>
+            </p:nvSpPr>
+            <p:spPr>
+              <a:xfrm>
+                <a:off x="3445723" y="1613211"/>
+                <a:ext cx="557562" cy="557562"/>
+              </a:xfrm>
+              <a:prstGeom prst="ellipse">
+                <a:avLst/>
+              </a:prstGeom>
+            </p:spPr>
+            <p:style>
+              <a:lnRef idx="1">
+                <a:schemeClr val="accent3"/>
+              </a:lnRef>
+              <a:fillRef idx="2">
+                <a:schemeClr val="accent3"/>
+              </a:fillRef>
+              <a:effectRef idx="1">
+                <a:schemeClr val="accent3"/>
+              </a:effectRef>
+              <a:fontRef idx="minor">
+                <a:schemeClr val="dk1"/>
+              </a:fontRef>
+            </p:style>
+            <p:txBody>
+              <a:bodyPr lIns="0" tIns="0" rIns="0" bIns="0" rtlCol="0" anchor="ctr"/>
+              <a:lstStyle/>
+              <a:p>
+                <a:pPr algn="ctr"/>
+                <a:r>
+                  <a:rPr lang="en-GB" sz="1200" dirty="0"/>
+                  <a:t>rdF</a:t>
+                </a:r>
+              </a:p>
+            </p:txBody>
+          </p:sp>
+          <p:sp>
+            <p:nvSpPr>
+              <p:cNvPr id="75" name="Oval 74">
+                <a:extLst>
+                  <a:ext uri="{FF2B5EF4-FFF2-40B4-BE49-F238E27FC236}">
+                    <a16:creationId xmlns:a16="http://schemas.microsoft.com/office/drawing/2014/main" id="{237287C0-D921-4E0B-85C6-37D3EB39A127}"/>
+                  </a:ext>
+                </a:extLst>
+              </p:cNvPr>
+              <p:cNvSpPr/>
+              <p:nvPr/>
+            </p:nvSpPr>
+            <p:spPr>
+              <a:xfrm>
+                <a:off x="2090085" y="2887374"/>
+                <a:ext cx="557562" cy="557562"/>
+              </a:xfrm>
+              <a:prstGeom prst="ellipse">
+                <a:avLst/>
+              </a:prstGeom>
+            </p:spPr>
+            <p:style>
+              <a:lnRef idx="1">
+                <a:schemeClr val="accent3"/>
+              </a:lnRef>
+              <a:fillRef idx="2">
+                <a:schemeClr val="accent3"/>
+              </a:fillRef>
+              <a:effectRef idx="1">
+                <a:schemeClr val="accent3"/>
+              </a:effectRef>
+              <a:fontRef idx="minor">
+                <a:schemeClr val="dk1"/>
+              </a:fontRef>
+            </p:style>
+            <p:txBody>
+              <a:bodyPr lIns="0" tIns="0" rIns="0" bIns="0" rtlCol="0" anchor="ctr"/>
+              <a:lstStyle/>
+              <a:p>
+                <a:pPr algn="ctr"/>
+                <a:r>
+                  <a:rPr lang="en-GB" sz="1200" dirty="0"/>
+                  <a:t>lvF</a:t>
+                </a:r>
+              </a:p>
+            </p:txBody>
+          </p:sp>
+          <p:sp>
+            <p:nvSpPr>
+              <p:cNvPr id="76" name="Oval 75">
+                <a:extLst>
+                  <a:ext uri="{FF2B5EF4-FFF2-40B4-BE49-F238E27FC236}">
+                    <a16:creationId xmlns:a16="http://schemas.microsoft.com/office/drawing/2014/main" id="{2C23AEE2-6C20-4F0E-9EFF-46293A4B7592}"/>
+                  </a:ext>
+                </a:extLst>
+              </p:cNvPr>
+              <p:cNvSpPr/>
+              <p:nvPr/>
+            </p:nvSpPr>
+            <p:spPr>
+              <a:xfrm>
+                <a:off x="3445723" y="2887374"/>
+                <a:ext cx="557562" cy="557562"/>
+              </a:xfrm>
+              <a:prstGeom prst="ellipse">
+                <a:avLst/>
+              </a:prstGeom>
+            </p:spPr>
+            <p:style>
+              <a:lnRef idx="1">
+                <a:schemeClr val="accent3"/>
+              </a:lnRef>
+              <a:fillRef idx="2">
+                <a:schemeClr val="accent3"/>
+              </a:fillRef>
+              <a:effectRef idx="1">
+                <a:schemeClr val="accent3"/>
+              </a:effectRef>
+              <a:fontRef idx="minor">
+                <a:schemeClr val="dk1"/>
+              </a:fontRef>
+            </p:style>
+            <p:txBody>
+              <a:bodyPr lIns="0" tIns="0" rIns="0" bIns="0" rtlCol="0" anchor="ctr"/>
+              <a:lstStyle/>
+              <a:p>
+                <a:pPr algn="ctr"/>
+                <a:r>
+                  <a:rPr lang="en-GB" sz="1200" dirty="0"/>
+                  <a:t>rvF</a:t>
+                </a:r>
+              </a:p>
+            </p:txBody>
+          </p:sp>
+        </p:grpSp>
+        <p:sp>
+          <p:nvSpPr>
+            <p:cNvPr id="49" name="Arc 48">
+              <a:extLst>
+                <a:ext uri="{FF2B5EF4-FFF2-40B4-BE49-F238E27FC236}">
+                  <a16:creationId xmlns:a16="http://schemas.microsoft.com/office/drawing/2014/main" id="{E8E0F707-DE90-41FC-A29F-78B1135E7587}"/>
+                </a:ext>
+              </a:extLst>
+            </p:cNvPr>
+            <p:cNvSpPr/>
+            <p:nvPr/>
+          </p:nvSpPr>
+          <p:spPr>
+            <a:xfrm>
+              <a:off x="5500946" y="2140191"/>
+              <a:ext cx="327347" cy="312236"/>
+            </a:xfrm>
+            <a:prstGeom prst="arc">
+              <a:avLst>
+                <a:gd name="adj1" fmla="val 6599244"/>
+                <a:gd name="adj2" fmla="val 0"/>
+              </a:avLst>
+            </a:prstGeom>
+            <a:ln>
+              <a:solidFill>
+                <a:schemeClr val="tx1"/>
+              </a:solidFill>
+              <a:headEnd type="oval" w="med" len="med"/>
+              <a:tailEnd type="none" w="med" len="med"/>
+            </a:ln>
+          </p:spPr>
+          <p:style>
+            <a:lnRef idx="1">
+              <a:schemeClr val="accent1"/>
+            </a:lnRef>
+            <a:fillRef idx="0">
+              <a:schemeClr val="accent1"/>
+            </a:fillRef>
+            <a:effectRef idx="0">
+              <a:schemeClr val="accent1"/>
+            </a:effectRef>
+            <a:fontRef idx="minor">
+              <a:schemeClr val="tx1"/>
+            </a:fontRef>
+          </p:style>
+          <p:txBody>
+            <a:bodyPr rtlCol="0" anchor="ctr"/>
+            <a:lstStyle/>
+            <a:p>
+              <a:pPr algn="ctr"/>
+              <a:endParaRPr lang="en-GB"/>
+            </a:p>
+          </p:txBody>
+        </p:sp>
+        <p:sp>
+          <p:nvSpPr>
+            <p:cNvPr id="50" name="Arc 49">
+              <a:extLst>
+                <a:ext uri="{FF2B5EF4-FFF2-40B4-BE49-F238E27FC236}">
+                  <a16:creationId xmlns:a16="http://schemas.microsoft.com/office/drawing/2014/main" id="{F253E08F-B4A2-4C83-860E-AC9B0D329EBB}"/>
+                </a:ext>
+              </a:extLst>
+            </p:cNvPr>
+            <p:cNvSpPr/>
+            <p:nvPr/>
+          </p:nvSpPr>
+          <p:spPr>
+            <a:xfrm flipH="1">
+              <a:off x="6764990" y="2140191"/>
+              <a:ext cx="327347" cy="312236"/>
+            </a:xfrm>
+            <a:prstGeom prst="arc">
+              <a:avLst>
+                <a:gd name="adj1" fmla="val 6599244"/>
+                <a:gd name="adj2" fmla="val 0"/>
+              </a:avLst>
+            </a:prstGeom>
+            <a:ln>
+              <a:solidFill>
+                <a:schemeClr val="tx1"/>
+              </a:solidFill>
+              <a:headEnd type="oval" w="med" len="med"/>
+              <a:tailEnd type="none" w="med" len="med"/>
+            </a:ln>
+          </p:spPr>
+          <p:style>
+            <a:lnRef idx="1">
+              <a:schemeClr val="accent1"/>
+            </a:lnRef>
+            <a:fillRef idx="0">
+              <a:schemeClr val="accent1"/>
+            </a:fillRef>
+            <a:effectRef idx="0">
+              <a:schemeClr val="accent1"/>
+            </a:effectRef>
+            <a:fontRef idx="minor">
+              <a:schemeClr val="tx1"/>
+            </a:fontRef>
+          </p:style>
+          <p:txBody>
+            <a:bodyPr rtlCol="0" anchor="ctr"/>
+            <a:lstStyle/>
+            <a:p>
+              <a:pPr algn="ctr"/>
+              <a:endParaRPr lang="en-GB"/>
+            </a:p>
+          </p:txBody>
+        </p:sp>
+        <p:sp>
+          <p:nvSpPr>
+            <p:cNvPr id="51" name="Arc 50">
+              <a:extLst>
+                <a:ext uri="{FF2B5EF4-FFF2-40B4-BE49-F238E27FC236}">
+                  <a16:creationId xmlns:a16="http://schemas.microsoft.com/office/drawing/2014/main" id="{A7D48190-5B13-462D-A98A-7425ADBF39C9}"/>
+                </a:ext>
+              </a:extLst>
+            </p:cNvPr>
+            <p:cNvSpPr/>
+            <p:nvPr/>
+          </p:nvSpPr>
+          <p:spPr>
+            <a:xfrm flipV="1">
+              <a:off x="5496542" y="3394696"/>
+              <a:ext cx="327347" cy="312236"/>
+            </a:xfrm>
+            <a:prstGeom prst="arc">
+              <a:avLst>
+                <a:gd name="adj1" fmla="val 6599244"/>
+                <a:gd name="adj2" fmla="val 0"/>
+              </a:avLst>
+            </a:prstGeom>
+            <a:ln>
+              <a:solidFill>
+                <a:schemeClr val="tx1"/>
+              </a:solidFill>
+              <a:headEnd type="oval" w="med" len="med"/>
+              <a:tailEnd type="none" w="med" len="med"/>
+            </a:ln>
+          </p:spPr>
+          <p:style>
+            <a:lnRef idx="1">
+              <a:schemeClr val="accent1"/>
+            </a:lnRef>
+            <a:fillRef idx="0">
+              <a:schemeClr val="accent1"/>
+            </a:fillRef>
+            <a:effectRef idx="0">
+              <a:schemeClr val="accent1"/>
+            </a:effectRef>
+            <a:fontRef idx="minor">
+              <a:schemeClr val="tx1"/>
+            </a:fontRef>
+          </p:style>
+          <p:txBody>
+            <a:bodyPr rtlCol="0" anchor="ctr"/>
+            <a:lstStyle/>
+            <a:p>
+              <a:pPr algn="ctr"/>
+              <a:endParaRPr lang="en-GB"/>
+            </a:p>
+          </p:txBody>
+        </p:sp>
+        <p:sp>
+          <p:nvSpPr>
+            <p:cNvPr id="52" name="Arc 51">
+              <a:extLst>
+                <a:ext uri="{FF2B5EF4-FFF2-40B4-BE49-F238E27FC236}">
+                  <a16:creationId xmlns:a16="http://schemas.microsoft.com/office/drawing/2014/main" id="{28CB25A9-FFAA-4422-A5A7-E11153A95EE6}"/>
+                </a:ext>
+              </a:extLst>
+            </p:cNvPr>
+            <p:cNvSpPr/>
+            <p:nvPr/>
+          </p:nvSpPr>
+          <p:spPr>
+            <a:xfrm flipH="1" flipV="1">
+              <a:off x="6764991" y="3411799"/>
+              <a:ext cx="327347" cy="312236"/>
+            </a:xfrm>
+            <a:prstGeom prst="arc">
+              <a:avLst>
+                <a:gd name="adj1" fmla="val 6599244"/>
+                <a:gd name="adj2" fmla="val 0"/>
+              </a:avLst>
+            </a:prstGeom>
+            <a:ln>
+              <a:solidFill>
+                <a:schemeClr val="tx1"/>
+              </a:solidFill>
+              <a:headEnd type="oval" w="med" len="med"/>
+              <a:tailEnd type="none" w="med" len="med"/>
+            </a:ln>
+          </p:spPr>
+          <p:style>
+            <a:lnRef idx="1">
+              <a:schemeClr val="accent1"/>
+            </a:lnRef>
+            <a:fillRef idx="0">
+              <a:schemeClr val="accent1"/>
+            </a:fillRef>
+            <a:effectRef idx="0">
+              <a:schemeClr val="accent1"/>
+            </a:effectRef>
+            <a:fontRef idx="minor">
+              <a:schemeClr val="tx1"/>
+            </a:fontRef>
+          </p:style>
+          <p:txBody>
+            <a:bodyPr rtlCol="0" anchor="ctr"/>
+            <a:lstStyle/>
+            <a:p>
+              <a:pPr algn="ctr"/>
+              <a:endParaRPr lang="en-GB"/>
+            </a:p>
+          </p:txBody>
+        </p:sp>
+        <p:cxnSp>
+          <p:nvCxnSpPr>
+            <p:cNvPr id="53" name="Straight Arrow Connector 52">
+              <a:extLst>
+                <a:ext uri="{FF2B5EF4-FFF2-40B4-BE49-F238E27FC236}">
+                  <a16:creationId xmlns:a16="http://schemas.microsoft.com/office/drawing/2014/main" id="{2188F769-BC89-487A-9E47-1449FC77EA48}"/>
+                </a:ext>
+              </a:extLst>
+            </p:cNvPr>
+            <p:cNvCxnSpPr/>
+            <p:nvPr/>
+          </p:nvCxnSpPr>
+          <p:spPr>
+            <a:xfrm>
+              <a:off x="5911112" y="1999583"/>
+              <a:ext cx="0" cy="277960"/>
+            </a:xfrm>
+            <a:prstGeom prst="straightConnector1">
+              <a:avLst/>
+            </a:prstGeom>
+            <a:ln w="28575">
+              <a:solidFill>
+                <a:srgbClr val="38528C"/>
+              </a:solidFill>
+              <a:prstDash val="sysDot"/>
+              <a:tailEnd type="triangle"/>
+            </a:ln>
+          </p:spPr>
+          <p:style>
+            <a:lnRef idx="1">
+              <a:schemeClr val="accent1"/>
+            </a:lnRef>
+            <a:fillRef idx="0">
+              <a:schemeClr val="accent1"/>
+            </a:fillRef>
+            <a:effectRef idx="0">
+              <a:schemeClr val="accent1"/>
+            </a:effectRef>
+            <a:fontRef idx="minor">
+              <a:schemeClr val="tx1"/>
+            </a:fontRef>
+          </p:style>
+        </p:cxnSp>
+        <p:cxnSp>
+          <p:nvCxnSpPr>
+            <p:cNvPr id="54" name="Straight Arrow Connector 53">
+              <a:extLst>
+                <a:ext uri="{FF2B5EF4-FFF2-40B4-BE49-F238E27FC236}">
+                  <a16:creationId xmlns:a16="http://schemas.microsoft.com/office/drawing/2014/main" id="{A3E6B577-15EF-4CCB-BCED-3BC83BF7C327}"/>
+                </a:ext>
+              </a:extLst>
+            </p:cNvPr>
+            <p:cNvCxnSpPr/>
+            <p:nvPr/>
+          </p:nvCxnSpPr>
+          <p:spPr>
+            <a:xfrm>
+              <a:off x="6678174" y="1999583"/>
+              <a:ext cx="0" cy="277960"/>
+            </a:xfrm>
+            <a:prstGeom prst="straightConnector1">
+              <a:avLst/>
+            </a:prstGeom>
+            <a:ln w="28575">
+              <a:solidFill>
+                <a:srgbClr val="38528C"/>
+              </a:solidFill>
+              <a:prstDash val="sysDot"/>
+              <a:tailEnd type="triangle"/>
+            </a:ln>
+          </p:spPr>
+          <p:style>
+            <a:lnRef idx="1">
+              <a:schemeClr val="accent1"/>
+            </a:lnRef>
+            <a:fillRef idx="0">
+              <a:schemeClr val="accent1"/>
+            </a:fillRef>
+            <a:effectRef idx="0">
+              <a:schemeClr val="accent1"/>
+            </a:effectRef>
+            <a:fontRef idx="minor">
+              <a:schemeClr val="tx1"/>
+            </a:fontRef>
+          </p:style>
+        </p:cxnSp>
+        <p:cxnSp>
+          <p:nvCxnSpPr>
+            <p:cNvPr id="55" name="Straight Arrow Connector 54">
+              <a:extLst>
+                <a:ext uri="{FF2B5EF4-FFF2-40B4-BE49-F238E27FC236}">
+                  <a16:creationId xmlns:a16="http://schemas.microsoft.com/office/drawing/2014/main" id="{17495FCD-53CE-4750-BAC9-183DF33434E4}"/>
+                </a:ext>
+              </a:extLst>
+            </p:cNvPr>
+            <p:cNvCxnSpPr/>
+            <p:nvPr/>
+          </p:nvCxnSpPr>
+          <p:spPr>
+            <a:xfrm flipV="1">
+              <a:off x="5911112" y="3564057"/>
+              <a:ext cx="0" cy="277960"/>
+            </a:xfrm>
+            <a:prstGeom prst="straightConnector1">
+              <a:avLst/>
+            </a:prstGeom>
+            <a:ln w="28575">
+              <a:solidFill>
+                <a:srgbClr val="38528C"/>
+              </a:solidFill>
+              <a:prstDash val="sysDot"/>
+              <a:tailEnd type="triangle"/>
+            </a:ln>
+          </p:spPr>
+          <p:style>
+            <a:lnRef idx="1">
+              <a:schemeClr val="accent1"/>
+            </a:lnRef>
+            <a:fillRef idx="0">
+              <a:schemeClr val="accent1"/>
+            </a:fillRef>
+            <a:effectRef idx="0">
+              <a:schemeClr val="accent1"/>
+            </a:effectRef>
+            <a:fontRef idx="minor">
+              <a:schemeClr val="tx1"/>
+            </a:fontRef>
+          </p:style>
+        </p:cxnSp>
+        <p:cxnSp>
+          <p:nvCxnSpPr>
+            <p:cNvPr id="56" name="Straight Arrow Connector 55">
+              <a:extLst>
+                <a:ext uri="{FF2B5EF4-FFF2-40B4-BE49-F238E27FC236}">
+                  <a16:creationId xmlns:a16="http://schemas.microsoft.com/office/drawing/2014/main" id="{19E140A7-C654-4D4A-A270-C9DC2CBAC948}"/>
+                </a:ext>
+              </a:extLst>
+            </p:cNvPr>
+            <p:cNvCxnSpPr/>
+            <p:nvPr/>
+          </p:nvCxnSpPr>
+          <p:spPr>
+            <a:xfrm flipV="1">
+              <a:off x="6678174" y="3564057"/>
+              <a:ext cx="0" cy="277960"/>
+            </a:xfrm>
+            <a:prstGeom prst="straightConnector1">
+              <a:avLst/>
+            </a:prstGeom>
+            <a:ln w="28575">
+              <a:solidFill>
+                <a:srgbClr val="38528C"/>
+              </a:solidFill>
+              <a:prstDash val="sysDot"/>
+              <a:tailEnd type="triangle"/>
+            </a:ln>
+          </p:spPr>
+          <p:style>
+            <a:lnRef idx="1">
+              <a:schemeClr val="accent1"/>
+            </a:lnRef>
+            <a:fillRef idx="0">
+              <a:schemeClr val="accent1"/>
+            </a:fillRef>
+            <a:effectRef idx="0">
+              <a:schemeClr val="accent1"/>
+            </a:effectRef>
+            <a:fontRef idx="minor">
+              <a:schemeClr val="tx1"/>
+            </a:fontRef>
+          </p:style>
+        </p:cxnSp>
+        <p:cxnSp>
+          <p:nvCxnSpPr>
+            <p:cNvPr id="59" name="Straight Arrow Connector 58">
+              <a:extLst>
+                <a:ext uri="{FF2B5EF4-FFF2-40B4-BE49-F238E27FC236}">
+                  <a16:creationId xmlns:a16="http://schemas.microsoft.com/office/drawing/2014/main" id="{BD070E1C-40F0-4A3F-B86B-78C5101F069F}"/>
+                </a:ext>
+              </a:extLst>
+            </p:cNvPr>
+            <p:cNvCxnSpPr/>
+            <p:nvPr/>
+          </p:nvCxnSpPr>
+          <p:spPr>
+            <a:xfrm flipV="1">
+              <a:off x="5496540" y="3714083"/>
+              <a:ext cx="133814" cy="140608"/>
+            </a:xfrm>
+            <a:prstGeom prst="straightConnector1">
+              <a:avLst/>
+            </a:prstGeom>
+            <a:ln w="28575">
+              <a:solidFill>
+                <a:srgbClr val="CC444E"/>
+              </a:solidFill>
+              <a:prstDash val="sysDash"/>
+              <a:tailEnd type="oval"/>
+            </a:ln>
+          </p:spPr>
+          <p:style>
+            <a:lnRef idx="1">
+              <a:schemeClr val="accent1"/>
+            </a:lnRef>
+            <a:fillRef idx="0">
+              <a:schemeClr val="accent1"/>
+            </a:fillRef>
+            <a:effectRef idx="0">
+              <a:schemeClr val="accent1"/>
+            </a:effectRef>
+            <a:fontRef idx="minor">
+              <a:schemeClr val="tx1"/>
+            </a:fontRef>
+          </p:style>
+        </p:cxnSp>
+        <p:cxnSp>
+          <p:nvCxnSpPr>
+            <p:cNvPr id="60" name="Straight Arrow Connector 59">
+              <a:extLst>
+                <a:ext uri="{FF2B5EF4-FFF2-40B4-BE49-F238E27FC236}">
+                  <a16:creationId xmlns:a16="http://schemas.microsoft.com/office/drawing/2014/main" id="{7798AFDC-8E9C-4AA0-8740-F0F556471A75}"/>
+                </a:ext>
+              </a:extLst>
+            </p:cNvPr>
+            <p:cNvCxnSpPr/>
+            <p:nvPr/>
+          </p:nvCxnSpPr>
+          <p:spPr>
+            <a:xfrm flipH="1" flipV="1">
+              <a:off x="7006980" y="3714083"/>
+              <a:ext cx="133814" cy="140608"/>
+            </a:xfrm>
+            <a:prstGeom prst="straightConnector1">
+              <a:avLst/>
+            </a:prstGeom>
+            <a:ln w="28575">
+              <a:solidFill>
+                <a:srgbClr val="CC444E"/>
+              </a:solidFill>
+              <a:prstDash val="sysDash"/>
+              <a:tailEnd type="oval"/>
+            </a:ln>
+          </p:spPr>
+          <p:style>
+            <a:lnRef idx="1">
+              <a:schemeClr val="accent1"/>
+            </a:lnRef>
+            <a:fillRef idx="0">
+              <a:schemeClr val="accent1"/>
+            </a:fillRef>
+            <a:effectRef idx="0">
+              <a:schemeClr val="accent1"/>
+            </a:effectRef>
+            <a:fontRef idx="minor">
+              <a:schemeClr val="tx1"/>
+            </a:fontRef>
+          </p:style>
+        </p:cxnSp>
+        <p:cxnSp>
+          <p:nvCxnSpPr>
+            <p:cNvPr id="63" name="Straight Arrow Connector 62">
+              <a:extLst>
+                <a:ext uri="{FF2B5EF4-FFF2-40B4-BE49-F238E27FC236}">
+                  <a16:creationId xmlns:a16="http://schemas.microsoft.com/office/drawing/2014/main" id="{6FFA868B-3E7A-4B35-A5E0-5C5CB338C680}"/>
+                </a:ext>
+              </a:extLst>
+            </p:cNvPr>
+            <p:cNvCxnSpPr/>
+            <p:nvPr/>
+          </p:nvCxnSpPr>
+          <p:spPr>
+            <a:xfrm flipV="1">
+              <a:off x="5390236" y="3623787"/>
+              <a:ext cx="133814" cy="140608"/>
+            </a:xfrm>
+            <a:prstGeom prst="straightConnector1">
+              <a:avLst/>
+            </a:prstGeom>
+            <a:ln w="28575">
+              <a:solidFill>
+                <a:srgbClr val="49AD39"/>
+              </a:solidFill>
+              <a:prstDash val="sysDot"/>
+              <a:tailEnd type="oval"/>
+            </a:ln>
+          </p:spPr>
+          <p:style>
+            <a:lnRef idx="1">
+              <a:schemeClr val="accent1"/>
+            </a:lnRef>
+            <a:fillRef idx="0">
+              <a:schemeClr val="accent1"/>
+            </a:fillRef>
+            <a:effectRef idx="0">
+              <a:schemeClr val="accent1"/>
+            </a:effectRef>
+            <a:fontRef idx="minor">
+              <a:schemeClr val="tx1"/>
+            </a:fontRef>
+          </p:style>
+        </p:cxnSp>
+        <p:cxnSp>
+          <p:nvCxnSpPr>
+            <p:cNvPr id="64" name="Straight Arrow Connector 63">
+              <a:extLst>
+                <a:ext uri="{FF2B5EF4-FFF2-40B4-BE49-F238E27FC236}">
+                  <a16:creationId xmlns:a16="http://schemas.microsoft.com/office/drawing/2014/main" id="{16D1D7A4-0112-4370-A586-1AC95F7DB593}"/>
+                </a:ext>
+              </a:extLst>
+            </p:cNvPr>
+            <p:cNvCxnSpPr/>
+            <p:nvPr/>
+          </p:nvCxnSpPr>
+          <p:spPr>
+            <a:xfrm flipH="1" flipV="1">
+              <a:off x="7102694" y="3600478"/>
+              <a:ext cx="133814" cy="140608"/>
+            </a:xfrm>
+            <a:prstGeom prst="straightConnector1">
+              <a:avLst/>
+            </a:prstGeom>
+            <a:ln w="28575">
+              <a:solidFill>
+                <a:srgbClr val="49AD39"/>
+              </a:solidFill>
+              <a:prstDash val="sysDot"/>
+              <a:tailEnd type="oval"/>
+            </a:ln>
+          </p:spPr>
+          <p:style>
+            <a:lnRef idx="1">
+              <a:schemeClr val="accent1"/>
+            </a:lnRef>
+            <a:fillRef idx="0">
+              <a:schemeClr val="accent1"/>
+            </a:fillRef>
+            <a:effectRef idx="0">
+              <a:schemeClr val="accent1"/>
+            </a:effectRef>
+            <a:fontRef idx="minor">
+              <a:schemeClr val="tx1"/>
+            </a:fontRef>
+          </p:style>
+        </p:cxnSp>
+        <p:cxnSp>
+          <p:nvCxnSpPr>
+            <p:cNvPr id="65" name="Straight Arrow Connector 64">
+              <a:extLst>
+                <a:ext uri="{FF2B5EF4-FFF2-40B4-BE49-F238E27FC236}">
+                  <a16:creationId xmlns:a16="http://schemas.microsoft.com/office/drawing/2014/main" id="{EFABF508-79E2-4806-82D0-D855A44BB044}"/>
+                </a:ext>
+              </a:extLst>
+            </p:cNvPr>
+            <p:cNvCxnSpPr>
+              <a:stCxn id="75" idx="0"/>
+              <a:endCxn id="73" idx="4"/>
+            </p:cNvCxnSpPr>
+            <p:nvPr/>
+          </p:nvCxnSpPr>
+          <p:spPr>
+            <a:xfrm flipV="1">
+              <a:off x="5823888" y="2683376"/>
+              <a:ext cx="0" cy="497474"/>
+            </a:xfrm>
+            <a:prstGeom prst="straightConnector1">
+              <a:avLst/>
+            </a:prstGeom>
+            <a:ln w="12700">
+              <a:solidFill>
+                <a:schemeClr val="tx1"/>
+              </a:solidFill>
+              <a:headEnd type="triangle" w="med" len="med"/>
+              <a:tailEnd type="none" w="med" len="med"/>
+            </a:ln>
+          </p:spPr>
+          <p:style>
+            <a:lnRef idx="1">
+              <a:schemeClr val="accent1"/>
+            </a:lnRef>
+            <a:fillRef idx="0">
+              <a:schemeClr val="accent1"/>
+            </a:fillRef>
+            <a:effectRef idx="0">
+              <a:schemeClr val="accent1"/>
+            </a:effectRef>
+            <a:fontRef idx="minor">
+              <a:schemeClr val="tx1"/>
+            </a:fontRef>
+          </p:style>
+        </p:cxnSp>
+        <p:cxnSp>
+          <p:nvCxnSpPr>
+            <p:cNvPr id="66" name="Straight Arrow Connector 65">
+              <a:extLst>
+                <a:ext uri="{FF2B5EF4-FFF2-40B4-BE49-F238E27FC236}">
+                  <a16:creationId xmlns:a16="http://schemas.microsoft.com/office/drawing/2014/main" id="{5D4AD8D7-532B-4604-B1A6-FEF426CEC6F7}"/>
+                </a:ext>
+              </a:extLst>
+            </p:cNvPr>
+            <p:cNvCxnSpPr>
+              <a:stCxn id="73" idx="3"/>
+              <a:endCxn id="75" idx="1"/>
+            </p:cNvCxnSpPr>
+            <p:nvPr/>
+          </p:nvCxnSpPr>
+          <p:spPr>
+            <a:xfrm>
+              <a:off x="5687039" y="2626691"/>
+              <a:ext cx="0" cy="610844"/>
+            </a:xfrm>
+            <a:prstGeom prst="straightConnector1">
+              <a:avLst/>
+            </a:prstGeom>
+            <a:ln w="12700">
+              <a:solidFill>
+                <a:schemeClr val="tx1"/>
+              </a:solidFill>
+              <a:headEnd type="triangle" w="med" len="med"/>
+              <a:tailEnd type="none" w="med" len="med"/>
+            </a:ln>
+          </p:spPr>
+          <p:style>
+            <a:lnRef idx="1">
+              <a:schemeClr val="accent1"/>
+            </a:lnRef>
+            <a:fillRef idx="0">
+              <a:schemeClr val="accent1"/>
+            </a:fillRef>
+            <a:effectRef idx="0">
+              <a:schemeClr val="accent1"/>
+            </a:effectRef>
+            <a:fontRef idx="minor">
+              <a:schemeClr val="tx1"/>
+            </a:fontRef>
+          </p:style>
+        </p:cxnSp>
+        <p:cxnSp>
+          <p:nvCxnSpPr>
+            <p:cNvPr id="67" name="Straight Arrow Connector 66">
+              <a:extLst>
+                <a:ext uri="{FF2B5EF4-FFF2-40B4-BE49-F238E27FC236}">
+                  <a16:creationId xmlns:a16="http://schemas.microsoft.com/office/drawing/2014/main" id="{4D93F724-CCFF-4593-8FFC-19FBE9609192}"/>
+                </a:ext>
+              </a:extLst>
+            </p:cNvPr>
+            <p:cNvCxnSpPr>
+              <a:stCxn id="75" idx="5"/>
+              <a:endCxn id="76" idx="3"/>
+            </p:cNvCxnSpPr>
+            <p:nvPr/>
+          </p:nvCxnSpPr>
+          <p:spPr>
+            <a:xfrm>
+              <a:off x="5960738" y="3511232"/>
+              <a:ext cx="667405" cy="0"/>
+            </a:xfrm>
+            <a:prstGeom prst="straightConnector1">
+              <a:avLst/>
+            </a:prstGeom>
+            <a:ln w="12700">
+              <a:solidFill>
+                <a:schemeClr val="tx1"/>
+              </a:solidFill>
+              <a:headEnd type="none" w="med" len="med"/>
+              <a:tailEnd type="triangle" w="med" len="med"/>
+            </a:ln>
+          </p:spPr>
+          <p:style>
+            <a:lnRef idx="1">
+              <a:schemeClr val="accent1"/>
+            </a:lnRef>
+            <a:fillRef idx="0">
+              <a:schemeClr val="accent1"/>
+            </a:fillRef>
+            <a:effectRef idx="0">
+              <a:schemeClr val="accent1"/>
+            </a:effectRef>
+            <a:fontRef idx="minor">
+              <a:schemeClr val="tx1"/>
+            </a:fontRef>
+          </p:style>
+        </p:cxnSp>
+        <p:cxnSp>
+          <p:nvCxnSpPr>
+            <p:cNvPr id="68" name="Straight Arrow Connector 67">
+              <a:extLst>
+                <a:ext uri="{FF2B5EF4-FFF2-40B4-BE49-F238E27FC236}">
+                  <a16:creationId xmlns:a16="http://schemas.microsoft.com/office/drawing/2014/main" id="{8CD88ED9-133F-4429-AAFA-1993E73741CC}"/>
+                </a:ext>
+              </a:extLst>
+            </p:cNvPr>
+            <p:cNvCxnSpPr>
+              <a:stCxn id="76" idx="2"/>
+              <a:endCxn id="75" idx="6"/>
+            </p:cNvCxnSpPr>
+            <p:nvPr/>
+          </p:nvCxnSpPr>
+          <p:spPr>
+            <a:xfrm flipH="1">
+              <a:off x="6017423" y="3374384"/>
+              <a:ext cx="554035" cy="0"/>
+            </a:xfrm>
+            <a:prstGeom prst="straightConnector1">
+              <a:avLst/>
+            </a:prstGeom>
+            <a:ln w="12700">
+              <a:solidFill>
+                <a:schemeClr val="tx1"/>
+              </a:solidFill>
+              <a:headEnd type="none" w="med" len="med"/>
+              <a:tailEnd type="triangle" w="med" len="med"/>
+            </a:ln>
+          </p:spPr>
+          <p:style>
+            <a:lnRef idx="1">
+              <a:schemeClr val="accent1"/>
+            </a:lnRef>
+            <a:fillRef idx="0">
+              <a:schemeClr val="accent1"/>
+            </a:fillRef>
+            <a:effectRef idx="0">
+              <a:schemeClr val="accent1"/>
+            </a:effectRef>
+            <a:fontRef idx="minor">
+              <a:schemeClr val="tx1"/>
+            </a:fontRef>
+          </p:style>
+        </p:cxnSp>
+        <p:cxnSp>
+          <p:nvCxnSpPr>
+            <p:cNvPr id="69" name="Straight Arrow Connector 68">
+              <a:extLst>
+                <a:ext uri="{FF2B5EF4-FFF2-40B4-BE49-F238E27FC236}">
+                  <a16:creationId xmlns:a16="http://schemas.microsoft.com/office/drawing/2014/main" id="{E3FF81B5-E50F-46F3-AD5F-F92C74779C54}"/>
+                </a:ext>
+              </a:extLst>
+            </p:cNvPr>
+            <p:cNvCxnSpPr>
+              <a:stCxn id="76" idx="7"/>
+              <a:endCxn id="74" idx="5"/>
+            </p:cNvCxnSpPr>
+            <p:nvPr/>
+          </p:nvCxnSpPr>
+          <p:spPr>
+            <a:xfrm flipV="1">
+              <a:off x="6901838" y="2626691"/>
+              <a:ext cx="0" cy="610844"/>
+            </a:xfrm>
+            <a:prstGeom prst="straightConnector1">
+              <a:avLst/>
+            </a:prstGeom>
+            <a:ln w="12700">
+              <a:solidFill>
+                <a:schemeClr val="tx1"/>
+              </a:solidFill>
+              <a:headEnd type="none" w="med" len="med"/>
+              <a:tailEnd type="triangle" w="med" len="med"/>
+            </a:ln>
+          </p:spPr>
+          <p:style>
+            <a:lnRef idx="1">
+              <a:schemeClr val="accent1"/>
+            </a:lnRef>
+            <a:fillRef idx="0">
+              <a:schemeClr val="accent1"/>
+            </a:fillRef>
+            <a:effectRef idx="0">
+              <a:schemeClr val="accent1"/>
+            </a:effectRef>
+            <a:fontRef idx="minor">
+              <a:schemeClr val="tx1"/>
+            </a:fontRef>
+          </p:style>
+        </p:cxnSp>
+        <p:cxnSp>
+          <p:nvCxnSpPr>
+            <p:cNvPr id="70" name="Straight Arrow Connector 69">
+              <a:extLst>
+                <a:ext uri="{FF2B5EF4-FFF2-40B4-BE49-F238E27FC236}">
+                  <a16:creationId xmlns:a16="http://schemas.microsoft.com/office/drawing/2014/main" id="{F1CF7440-215C-475C-BD4C-F182770F4C78}"/>
+                </a:ext>
+              </a:extLst>
+            </p:cNvPr>
+            <p:cNvCxnSpPr>
+              <a:stCxn id="74" idx="4"/>
+              <a:endCxn id="76" idx="0"/>
+            </p:cNvCxnSpPr>
+            <p:nvPr/>
+          </p:nvCxnSpPr>
+          <p:spPr>
+            <a:xfrm>
+              <a:off x="6764990" y="2683376"/>
+              <a:ext cx="0" cy="497474"/>
+            </a:xfrm>
+            <a:prstGeom prst="straightConnector1">
+              <a:avLst/>
+            </a:prstGeom>
+            <a:ln w="12700">
+              <a:solidFill>
+                <a:schemeClr val="tx1"/>
+              </a:solidFill>
+              <a:headEnd type="none" w="med" len="med"/>
+              <a:tailEnd type="triangle" w="med" len="med"/>
+            </a:ln>
+          </p:spPr>
+          <p:style>
+            <a:lnRef idx="1">
+              <a:schemeClr val="accent1"/>
+            </a:lnRef>
+            <a:fillRef idx="0">
+              <a:schemeClr val="accent1"/>
+            </a:fillRef>
+            <a:effectRef idx="0">
+              <a:schemeClr val="accent1"/>
+            </a:effectRef>
+            <a:fontRef idx="minor">
+              <a:schemeClr val="tx1"/>
+            </a:fontRef>
+          </p:style>
+        </p:cxnSp>
+        <p:cxnSp>
+          <p:nvCxnSpPr>
+            <p:cNvPr id="71" name="Straight Arrow Connector 70">
+              <a:extLst>
+                <a:ext uri="{FF2B5EF4-FFF2-40B4-BE49-F238E27FC236}">
+                  <a16:creationId xmlns:a16="http://schemas.microsoft.com/office/drawing/2014/main" id="{25112960-FF22-468F-9222-F0CD56A7406F}"/>
+                </a:ext>
+              </a:extLst>
+            </p:cNvPr>
+            <p:cNvCxnSpPr>
+              <a:stCxn id="74" idx="1"/>
+              <a:endCxn id="73" idx="7"/>
+            </p:cNvCxnSpPr>
+            <p:nvPr/>
+          </p:nvCxnSpPr>
+          <p:spPr>
+            <a:xfrm flipH="1">
+              <a:off x="5960738" y="2352994"/>
+              <a:ext cx="667405" cy="0"/>
+            </a:xfrm>
+            <a:prstGeom prst="straightConnector1">
+              <a:avLst/>
+            </a:prstGeom>
+            <a:ln w="12700">
+              <a:solidFill>
+                <a:schemeClr val="tx1"/>
+              </a:solidFill>
+              <a:headEnd type="none" w="med" len="med"/>
+              <a:tailEnd type="triangle" w="med" len="med"/>
+            </a:ln>
+          </p:spPr>
+          <p:style>
+            <a:lnRef idx="1">
+              <a:schemeClr val="accent1"/>
+            </a:lnRef>
+            <a:fillRef idx="0">
+              <a:schemeClr val="accent1"/>
+            </a:fillRef>
+            <a:effectRef idx="0">
+              <a:schemeClr val="accent1"/>
+            </a:effectRef>
+            <a:fontRef idx="minor">
+              <a:schemeClr val="tx1"/>
+            </a:fontRef>
+          </p:style>
+        </p:cxnSp>
+        <p:cxnSp>
+          <p:nvCxnSpPr>
+            <p:cNvPr id="72" name="Straight Arrow Connector 71">
+              <a:extLst>
+                <a:ext uri="{FF2B5EF4-FFF2-40B4-BE49-F238E27FC236}">
+                  <a16:creationId xmlns:a16="http://schemas.microsoft.com/office/drawing/2014/main" id="{F43BFAEE-ED18-4128-85C9-E76459369B16}"/>
+                </a:ext>
+              </a:extLst>
+            </p:cNvPr>
+            <p:cNvCxnSpPr>
+              <a:stCxn id="73" idx="6"/>
+              <a:endCxn id="74" idx="2"/>
+            </p:cNvCxnSpPr>
+            <p:nvPr/>
+          </p:nvCxnSpPr>
+          <p:spPr>
+            <a:xfrm>
+              <a:off x="6017423" y="2489843"/>
+              <a:ext cx="554035" cy="0"/>
+            </a:xfrm>
+            <a:prstGeom prst="straightConnector1">
+              <a:avLst/>
+            </a:prstGeom>
+            <a:ln w="12700">
+              <a:solidFill>
+                <a:schemeClr val="tx1"/>
+              </a:solidFill>
+              <a:headEnd type="none" w="med" len="med"/>
+              <a:tailEnd type="triangle" w="med" len="med"/>
+            </a:ln>
+          </p:spPr>
+          <p:style>
+            <a:lnRef idx="1">
+              <a:schemeClr val="accent1"/>
+            </a:lnRef>
+            <a:fillRef idx="0">
+              <a:schemeClr val="accent1"/>
+            </a:fillRef>
+            <a:effectRef idx="0">
+              <a:schemeClr val="accent1"/>
+            </a:effectRef>
+            <a:fontRef idx="minor">
+              <a:schemeClr val="tx1"/>
+            </a:fontRef>
+          </p:style>
+        </p:cxnSp>
+      </p:grpSp>
+      <p:sp>
+        <p:nvSpPr>
+          <p:cNvPr id="77" name="TextBox 76">
+            <a:extLst>
+              <a:ext uri="{FF2B5EF4-FFF2-40B4-BE49-F238E27FC236}">
+                <a16:creationId xmlns:a16="http://schemas.microsoft.com/office/drawing/2014/main" id="{2A4C806E-C4A8-416C-9969-B7FF32A79F90}"/>
+              </a:ext>
+            </a:extLst>
+          </p:cNvPr>
+          <p:cNvSpPr txBox="1"/>
+          <p:nvPr/>
+        </p:nvSpPr>
+        <p:spPr>
+          <a:xfrm>
+            <a:off x="6011869" y="802209"/>
+            <a:ext cx="1595501" cy="307777"/>
+          </a:xfrm>
+          <a:prstGeom prst="rect">
+            <a:avLst/>
+          </a:prstGeom>
+          <a:noFill/>
+        </p:spPr>
+        <p:txBody>
+          <a:bodyPr wrap="none" rtlCol="0">
+            <a:spAutoFit/>
+          </a:bodyPr>
+          <a:lstStyle/>
+          <a:p>
+            <a:r>
+              <a:rPr lang="en-GB" sz="1400" dirty="0"/>
+              <a:t>Ventral model (m2)</a:t>
+            </a:r>
+          </a:p>
+        </p:txBody>
+      </p:sp>
+      <p:grpSp>
+        <p:nvGrpSpPr>
+          <p:cNvPr id="107" name="Group 106">
+            <a:extLst>
+              <a:ext uri="{FF2B5EF4-FFF2-40B4-BE49-F238E27FC236}">
+                <a16:creationId xmlns:a16="http://schemas.microsoft.com/office/drawing/2014/main" id="{4E571748-6E9B-4678-B8A9-96C032F75B1B}"/>
+              </a:ext>
+            </a:extLst>
+          </p:cNvPr>
+          <p:cNvGrpSpPr/>
+          <p:nvPr/>
+        </p:nvGrpSpPr>
+        <p:grpSpPr>
+          <a:xfrm>
+            <a:off x="3658392" y="3806645"/>
+            <a:ext cx="1846272" cy="1842434"/>
+            <a:chOff x="5375717" y="1999583"/>
+            <a:chExt cx="1846272" cy="1842434"/>
+          </a:xfrm>
+        </p:grpSpPr>
+        <p:grpSp>
+          <p:nvGrpSpPr>
+            <p:cNvPr id="108" name="Group 107">
+              <a:extLst>
+                <a:ext uri="{FF2B5EF4-FFF2-40B4-BE49-F238E27FC236}">
+                  <a16:creationId xmlns:a16="http://schemas.microsoft.com/office/drawing/2014/main" id="{ED86F3E5-9776-4E12-9D7E-E9DEFB6A5551}"/>
+                </a:ext>
+              </a:extLst>
+            </p:cNvPr>
+            <p:cNvGrpSpPr/>
+            <p:nvPr/>
+          </p:nvGrpSpPr>
+          <p:grpSpPr>
+            <a:xfrm>
+              <a:off x="5630356" y="2296309"/>
+              <a:ext cx="1328169" cy="1271608"/>
+              <a:chOff x="2090085" y="1613211"/>
+              <a:chExt cx="1913200" cy="1831725"/>
+            </a:xfrm>
+          </p:grpSpPr>
+          <p:sp>
+            <p:nvSpPr>
+              <p:cNvPr id="133" name="Oval 132">
+                <a:extLst>
+                  <a:ext uri="{FF2B5EF4-FFF2-40B4-BE49-F238E27FC236}">
+                    <a16:creationId xmlns:a16="http://schemas.microsoft.com/office/drawing/2014/main" id="{0B9812A6-EA3F-42D4-837B-EA9C38383660}"/>
+                  </a:ext>
+                </a:extLst>
+              </p:cNvPr>
+              <p:cNvSpPr/>
+              <p:nvPr/>
+            </p:nvSpPr>
+            <p:spPr>
+              <a:xfrm>
+                <a:off x="2090085" y="1613211"/>
+                <a:ext cx="557562" cy="557562"/>
+              </a:xfrm>
+              <a:prstGeom prst="ellipse">
+                <a:avLst/>
+              </a:prstGeom>
+            </p:spPr>
+            <p:style>
+              <a:lnRef idx="1">
+                <a:schemeClr val="accent3"/>
+              </a:lnRef>
+              <a:fillRef idx="2">
+                <a:schemeClr val="accent3"/>
+              </a:fillRef>
+              <a:effectRef idx="1">
+                <a:schemeClr val="accent3"/>
+              </a:effectRef>
+              <a:fontRef idx="minor">
+                <a:schemeClr val="dk1"/>
+              </a:fontRef>
+            </p:style>
+            <p:txBody>
+              <a:bodyPr lIns="0" tIns="0" rIns="0" bIns="0" rtlCol="0" anchor="ctr"/>
+              <a:lstStyle/>
+              <a:p>
+                <a:pPr algn="ctr"/>
+                <a:r>
+                  <a:rPr lang="en-GB" sz="1200" dirty="0"/>
+                  <a:t>ldF</a:t>
+                </a:r>
+              </a:p>
+            </p:txBody>
+          </p:sp>
+          <p:sp>
+            <p:nvSpPr>
+              <p:cNvPr id="134" name="Oval 133">
+                <a:extLst>
+                  <a:ext uri="{FF2B5EF4-FFF2-40B4-BE49-F238E27FC236}">
+                    <a16:creationId xmlns:a16="http://schemas.microsoft.com/office/drawing/2014/main" id="{C70F153F-166B-457A-8B84-5788BF53FE21}"/>
+                  </a:ext>
+                </a:extLst>
+              </p:cNvPr>
+              <p:cNvSpPr/>
+              <p:nvPr/>
+            </p:nvSpPr>
+            <p:spPr>
+              <a:xfrm>
+                <a:off x="3445723" y="1613211"/>
+                <a:ext cx="557562" cy="557562"/>
+              </a:xfrm>
+              <a:prstGeom prst="ellipse">
+                <a:avLst/>
+              </a:prstGeom>
+            </p:spPr>
+            <p:style>
+              <a:lnRef idx="1">
+                <a:schemeClr val="accent3"/>
+              </a:lnRef>
+              <a:fillRef idx="2">
+                <a:schemeClr val="accent3"/>
+              </a:fillRef>
+              <a:effectRef idx="1">
+                <a:schemeClr val="accent3"/>
+              </a:effectRef>
+              <a:fontRef idx="minor">
+                <a:schemeClr val="dk1"/>
+              </a:fontRef>
+            </p:style>
+            <p:txBody>
+              <a:bodyPr lIns="0" tIns="0" rIns="0" bIns="0" rtlCol="0" anchor="ctr"/>
+              <a:lstStyle/>
+              <a:p>
+                <a:pPr algn="ctr"/>
+                <a:r>
+                  <a:rPr lang="en-GB" sz="1200" dirty="0"/>
+                  <a:t>rdF</a:t>
+                </a:r>
+              </a:p>
+            </p:txBody>
+          </p:sp>
+          <p:sp>
+            <p:nvSpPr>
+              <p:cNvPr id="135" name="Oval 134">
+                <a:extLst>
+                  <a:ext uri="{FF2B5EF4-FFF2-40B4-BE49-F238E27FC236}">
+                    <a16:creationId xmlns:a16="http://schemas.microsoft.com/office/drawing/2014/main" id="{94E62492-770E-47EA-A818-15E874EC52F3}"/>
+                  </a:ext>
+                </a:extLst>
+              </p:cNvPr>
+              <p:cNvSpPr/>
+              <p:nvPr/>
+            </p:nvSpPr>
+            <p:spPr>
+              <a:xfrm>
+                <a:off x="2090085" y="2887374"/>
+                <a:ext cx="557562" cy="557562"/>
+              </a:xfrm>
+              <a:prstGeom prst="ellipse">
+                <a:avLst/>
+              </a:prstGeom>
+            </p:spPr>
+            <p:style>
+              <a:lnRef idx="1">
+                <a:schemeClr val="accent3"/>
+              </a:lnRef>
+              <a:fillRef idx="2">
+                <a:schemeClr val="accent3"/>
+              </a:fillRef>
+              <a:effectRef idx="1">
+                <a:schemeClr val="accent3"/>
+              </a:effectRef>
+              <a:fontRef idx="minor">
+                <a:schemeClr val="dk1"/>
+              </a:fontRef>
+            </p:style>
+            <p:txBody>
+              <a:bodyPr lIns="0" tIns="0" rIns="0" bIns="0" rtlCol="0" anchor="ctr"/>
+              <a:lstStyle/>
+              <a:p>
+                <a:pPr algn="ctr"/>
+                <a:r>
+                  <a:rPr lang="en-GB" sz="1200" dirty="0"/>
+                  <a:t>lvF</a:t>
+                </a:r>
+              </a:p>
+            </p:txBody>
+          </p:sp>
+          <p:sp>
+            <p:nvSpPr>
+              <p:cNvPr id="136" name="Oval 135">
+                <a:extLst>
+                  <a:ext uri="{FF2B5EF4-FFF2-40B4-BE49-F238E27FC236}">
+                    <a16:creationId xmlns:a16="http://schemas.microsoft.com/office/drawing/2014/main" id="{AEEDAE7F-2D1F-478E-878A-AAD95418A990}"/>
+                  </a:ext>
+                </a:extLst>
+              </p:cNvPr>
+              <p:cNvSpPr/>
+              <p:nvPr/>
+            </p:nvSpPr>
+            <p:spPr>
+              <a:xfrm>
+                <a:off x="3445723" y="2887374"/>
+                <a:ext cx="557562" cy="557562"/>
+              </a:xfrm>
+              <a:prstGeom prst="ellipse">
+                <a:avLst/>
+              </a:prstGeom>
+            </p:spPr>
+            <p:style>
+              <a:lnRef idx="1">
+                <a:schemeClr val="accent3"/>
+              </a:lnRef>
+              <a:fillRef idx="2">
+                <a:schemeClr val="accent3"/>
+              </a:fillRef>
+              <a:effectRef idx="1">
+                <a:schemeClr val="accent3"/>
+              </a:effectRef>
+              <a:fontRef idx="minor">
+                <a:schemeClr val="dk1"/>
+              </a:fontRef>
+            </p:style>
+            <p:txBody>
+              <a:bodyPr lIns="0" tIns="0" rIns="0" bIns="0" rtlCol="0" anchor="ctr"/>
+              <a:lstStyle/>
+              <a:p>
+                <a:pPr algn="ctr"/>
+                <a:r>
+                  <a:rPr lang="en-GB" sz="1200" dirty="0"/>
+                  <a:t>rvF</a:t>
+                </a:r>
+              </a:p>
+            </p:txBody>
+          </p:sp>
+        </p:grpSp>
+        <p:sp>
+          <p:nvSpPr>
+            <p:cNvPr id="109" name="Arc 108">
+              <a:extLst>
+                <a:ext uri="{FF2B5EF4-FFF2-40B4-BE49-F238E27FC236}">
+                  <a16:creationId xmlns:a16="http://schemas.microsoft.com/office/drawing/2014/main" id="{E44AC718-E4CA-4692-93A3-25881DF6D308}"/>
+                </a:ext>
+              </a:extLst>
+            </p:cNvPr>
+            <p:cNvSpPr/>
+            <p:nvPr/>
+          </p:nvSpPr>
+          <p:spPr>
+            <a:xfrm>
+              <a:off x="5500946" y="2140191"/>
+              <a:ext cx="327347" cy="312236"/>
+            </a:xfrm>
+            <a:prstGeom prst="arc">
+              <a:avLst>
+                <a:gd name="adj1" fmla="val 6599244"/>
+                <a:gd name="adj2" fmla="val 0"/>
+              </a:avLst>
+            </a:prstGeom>
+            <a:ln>
+              <a:solidFill>
+                <a:schemeClr val="tx1"/>
+              </a:solidFill>
+              <a:headEnd type="oval" w="med" len="med"/>
+              <a:tailEnd type="none" w="med" len="med"/>
+            </a:ln>
+          </p:spPr>
+          <p:style>
+            <a:lnRef idx="1">
+              <a:schemeClr val="accent1"/>
+            </a:lnRef>
+            <a:fillRef idx="0">
+              <a:schemeClr val="accent1"/>
+            </a:fillRef>
+            <a:effectRef idx="0">
+              <a:schemeClr val="accent1"/>
+            </a:effectRef>
+            <a:fontRef idx="minor">
+              <a:schemeClr val="tx1"/>
+            </a:fontRef>
+          </p:style>
+          <p:txBody>
+            <a:bodyPr rtlCol="0" anchor="ctr"/>
+            <a:lstStyle/>
+            <a:p>
+              <a:pPr algn="ctr"/>
+              <a:endParaRPr lang="en-GB"/>
+            </a:p>
+          </p:txBody>
+        </p:sp>
+        <p:sp>
+          <p:nvSpPr>
+            <p:cNvPr id="110" name="Arc 109">
+              <a:extLst>
+                <a:ext uri="{FF2B5EF4-FFF2-40B4-BE49-F238E27FC236}">
+                  <a16:creationId xmlns:a16="http://schemas.microsoft.com/office/drawing/2014/main" id="{F4B566BB-795E-4BA5-8607-D445FFE754B6}"/>
+                </a:ext>
+              </a:extLst>
+            </p:cNvPr>
+            <p:cNvSpPr/>
+            <p:nvPr/>
+          </p:nvSpPr>
+          <p:spPr>
+            <a:xfrm flipH="1">
+              <a:off x="6764990" y="2140191"/>
+              <a:ext cx="327347" cy="312236"/>
+            </a:xfrm>
+            <a:prstGeom prst="arc">
+              <a:avLst>
+                <a:gd name="adj1" fmla="val 6599244"/>
+                <a:gd name="adj2" fmla="val 0"/>
+              </a:avLst>
+            </a:prstGeom>
+            <a:ln>
+              <a:solidFill>
+                <a:schemeClr val="tx1"/>
+              </a:solidFill>
+              <a:headEnd type="oval" w="med" len="med"/>
+              <a:tailEnd type="none" w="med" len="med"/>
+            </a:ln>
+          </p:spPr>
+          <p:style>
+            <a:lnRef idx="1">
+              <a:schemeClr val="accent1"/>
+            </a:lnRef>
+            <a:fillRef idx="0">
+              <a:schemeClr val="accent1"/>
+            </a:fillRef>
+            <a:effectRef idx="0">
+              <a:schemeClr val="accent1"/>
+            </a:effectRef>
+            <a:fontRef idx="minor">
+              <a:schemeClr val="tx1"/>
+            </a:fontRef>
+          </p:style>
+          <p:txBody>
+            <a:bodyPr rtlCol="0" anchor="ctr"/>
+            <a:lstStyle/>
+            <a:p>
+              <a:pPr algn="ctr"/>
+              <a:endParaRPr lang="en-GB"/>
+            </a:p>
+          </p:txBody>
+        </p:sp>
+        <p:sp>
+          <p:nvSpPr>
+            <p:cNvPr id="111" name="Arc 110">
+              <a:extLst>
+                <a:ext uri="{FF2B5EF4-FFF2-40B4-BE49-F238E27FC236}">
+                  <a16:creationId xmlns:a16="http://schemas.microsoft.com/office/drawing/2014/main" id="{C6ACD2D8-FA85-448D-BBDE-2AF0BF47EF1A}"/>
+                </a:ext>
+              </a:extLst>
+            </p:cNvPr>
+            <p:cNvSpPr/>
+            <p:nvPr/>
+          </p:nvSpPr>
+          <p:spPr>
+            <a:xfrm flipV="1">
+              <a:off x="5496542" y="3394696"/>
+              <a:ext cx="327347" cy="312236"/>
+            </a:xfrm>
+            <a:prstGeom prst="arc">
+              <a:avLst>
+                <a:gd name="adj1" fmla="val 6599244"/>
+                <a:gd name="adj2" fmla="val 0"/>
+              </a:avLst>
+            </a:prstGeom>
+            <a:ln>
+              <a:solidFill>
+                <a:schemeClr val="tx1"/>
+              </a:solidFill>
+              <a:headEnd type="oval" w="med" len="med"/>
+              <a:tailEnd type="none" w="med" len="med"/>
+            </a:ln>
+          </p:spPr>
+          <p:style>
+            <a:lnRef idx="1">
+              <a:schemeClr val="accent1"/>
+            </a:lnRef>
+            <a:fillRef idx="0">
+              <a:schemeClr val="accent1"/>
+            </a:fillRef>
+            <a:effectRef idx="0">
+              <a:schemeClr val="accent1"/>
+            </a:effectRef>
+            <a:fontRef idx="minor">
+              <a:schemeClr val="tx1"/>
+            </a:fontRef>
+          </p:style>
+          <p:txBody>
+            <a:bodyPr rtlCol="0" anchor="ctr"/>
+            <a:lstStyle/>
+            <a:p>
+              <a:pPr algn="ctr"/>
+              <a:endParaRPr lang="en-GB"/>
+            </a:p>
+          </p:txBody>
+        </p:sp>
+        <p:sp>
+          <p:nvSpPr>
+            <p:cNvPr id="112" name="Arc 111">
+              <a:extLst>
+                <a:ext uri="{FF2B5EF4-FFF2-40B4-BE49-F238E27FC236}">
+                  <a16:creationId xmlns:a16="http://schemas.microsoft.com/office/drawing/2014/main" id="{478983F5-19C9-4637-937D-623450924251}"/>
+                </a:ext>
+              </a:extLst>
+            </p:cNvPr>
+            <p:cNvSpPr/>
+            <p:nvPr/>
+          </p:nvSpPr>
+          <p:spPr>
+            <a:xfrm flipH="1" flipV="1">
+              <a:off x="6764991" y="3411799"/>
+              <a:ext cx="327347" cy="312236"/>
+            </a:xfrm>
+            <a:prstGeom prst="arc">
+              <a:avLst>
+                <a:gd name="adj1" fmla="val 6599244"/>
+                <a:gd name="adj2" fmla="val 0"/>
+              </a:avLst>
+            </a:prstGeom>
+            <a:ln>
+              <a:solidFill>
+                <a:schemeClr val="tx1"/>
+              </a:solidFill>
+              <a:headEnd type="oval" w="med" len="med"/>
+              <a:tailEnd type="none" w="med" len="med"/>
+            </a:ln>
+          </p:spPr>
+          <p:style>
+            <a:lnRef idx="1">
+              <a:schemeClr val="accent1"/>
+            </a:lnRef>
+            <a:fillRef idx="0">
+              <a:schemeClr val="accent1"/>
+            </a:fillRef>
+            <a:effectRef idx="0">
+              <a:schemeClr val="accent1"/>
+            </a:effectRef>
+            <a:fontRef idx="minor">
+              <a:schemeClr val="tx1"/>
+            </a:fontRef>
+          </p:style>
+          <p:txBody>
+            <a:bodyPr rtlCol="0" anchor="ctr"/>
+            <a:lstStyle/>
+            <a:p>
+              <a:pPr algn="ctr"/>
+              <a:endParaRPr lang="en-GB"/>
+            </a:p>
+          </p:txBody>
+        </p:sp>
+        <p:cxnSp>
+          <p:nvCxnSpPr>
+            <p:cNvPr id="113" name="Straight Arrow Connector 112">
+              <a:extLst>
+                <a:ext uri="{FF2B5EF4-FFF2-40B4-BE49-F238E27FC236}">
+                  <a16:creationId xmlns:a16="http://schemas.microsoft.com/office/drawing/2014/main" id="{9A80E096-7D20-4FEC-B541-BBB6DD0C59F2}"/>
+                </a:ext>
+              </a:extLst>
+            </p:cNvPr>
+            <p:cNvCxnSpPr/>
+            <p:nvPr/>
+          </p:nvCxnSpPr>
+          <p:spPr>
+            <a:xfrm>
+              <a:off x="5911112" y="1999583"/>
+              <a:ext cx="0" cy="277960"/>
+            </a:xfrm>
+            <a:prstGeom prst="straightConnector1">
+              <a:avLst/>
+            </a:prstGeom>
+            <a:ln w="28575">
+              <a:solidFill>
+                <a:srgbClr val="38528C"/>
+              </a:solidFill>
+              <a:prstDash val="sysDot"/>
+              <a:tailEnd type="triangle"/>
+            </a:ln>
+          </p:spPr>
+          <p:style>
+            <a:lnRef idx="1">
+              <a:schemeClr val="accent1"/>
+            </a:lnRef>
+            <a:fillRef idx="0">
+              <a:schemeClr val="accent1"/>
+            </a:fillRef>
+            <a:effectRef idx="0">
+              <a:schemeClr val="accent1"/>
+            </a:effectRef>
+            <a:fontRef idx="minor">
+              <a:schemeClr val="tx1"/>
+            </a:fontRef>
+          </p:style>
+        </p:cxnSp>
+        <p:cxnSp>
+          <p:nvCxnSpPr>
+            <p:cNvPr id="114" name="Straight Arrow Connector 113">
+              <a:extLst>
+                <a:ext uri="{FF2B5EF4-FFF2-40B4-BE49-F238E27FC236}">
+                  <a16:creationId xmlns:a16="http://schemas.microsoft.com/office/drawing/2014/main" id="{52F4A574-F6E2-4804-AA52-D912AA1D9A92}"/>
+                </a:ext>
+              </a:extLst>
+            </p:cNvPr>
+            <p:cNvCxnSpPr/>
+            <p:nvPr/>
+          </p:nvCxnSpPr>
+          <p:spPr>
+            <a:xfrm>
+              <a:off x="6678174" y="1999583"/>
+              <a:ext cx="0" cy="277960"/>
+            </a:xfrm>
+            <a:prstGeom prst="straightConnector1">
+              <a:avLst/>
+            </a:prstGeom>
+            <a:ln w="28575">
+              <a:solidFill>
+                <a:srgbClr val="38528C"/>
+              </a:solidFill>
+              <a:prstDash val="sysDot"/>
+              <a:tailEnd type="triangle"/>
+            </a:ln>
+          </p:spPr>
+          <p:style>
+            <a:lnRef idx="1">
+              <a:schemeClr val="accent1"/>
+            </a:lnRef>
+            <a:fillRef idx="0">
+              <a:schemeClr val="accent1"/>
+            </a:fillRef>
+            <a:effectRef idx="0">
+              <a:schemeClr val="accent1"/>
+            </a:effectRef>
+            <a:fontRef idx="minor">
+              <a:schemeClr val="tx1"/>
+            </a:fontRef>
+          </p:style>
+        </p:cxnSp>
+        <p:cxnSp>
+          <p:nvCxnSpPr>
+            <p:cNvPr id="115" name="Straight Arrow Connector 114">
+              <a:extLst>
+                <a:ext uri="{FF2B5EF4-FFF2-40B4-BE49-F238E27FC236}">
+                  <a16:creationId xmlns:a16="http://schemas.microsoft.com/office/drawing/2014/main" id="{86FB8740-6E3F-4BFA-B837-3882513A7999}"/>
+                </a:ext>
+              </a:extLst>
+            </p:cNvPr>
+            <p:cNvCxnSpPr/>
+            <p:nvPr/>
+          </p:nvCxnSpPr>
+          <p:spPr>
+            <a:xfrm flipV="1">
+              <a:off x="5911112" y="3564057"/>
+              <a:ext cx="0" cy="277960"/>
+            </a:xfrm>
+            <a:prstGeom prst="straightConnector1">
+              <a:avLst/>
+            </a:prstGeom>
+            <a:ln w="28575">
+              <a:solidFill>
+                <a:srgbClr val="38528C"/>
+              </a:solidFill>
+              <a:prstDash val="sysDot"/>
+              <a:tailEnd type="triangle"/>
+            </a:ln>
+          </p:spPr>
+          <p:style>
+            <a:lnRef idx="1">
+              <a:schemeClr val="accent1"/>
+            </a:lnRef>
+            <a:fillRef idx="0">
+              <a:schemeClr val="accent1"/>
+            </a:fillRef>
+            <a:effectRef idx="0">
+              <a:schemeClr val="accent1"/>
+            </a:effectRef>
+            <a:fontRef idx="minor">
+              <a:schemeClr val="tx1"/>
+            </a:fontRef>
+          </p:style>
+        </p:cxnSp>
+        <p:cxnSp>
+          <p:nvCxnSpPr>
+            <p:cNvPr id="116" name="Straight Arrow Connector 115">
+              <a:extLst>
+                <a:ext uri="{FF2B5EF4-FFF2-40B4-BE49-F238E27FC236}">
+                  <a16:creationId xmlns:a16="http://schemas.microsoft.com/office/drawing/2014/main" id="{C39B2555-B694-468C-92FF-65EDFD689D5B}"/>
+                </a:ext>
+              </a:extLst>
+            </p:cNvPr>
+            <p:cNvCxnSpPr/>
+            <p:nvPr/>
+          </p:nvCxnSpPr>
+          <p:spPr>
+            <a:xfrm flipV="1">
+              <a:off x="6678174" y="3564057"/>
+              <a:ext cx="0" cy="277960"/>
+            </a:xfrm>
+            <a:prstGeom prst="straightConnector1">
+              <a:avLst/>
+            </a:prstGeom>
+            <a:ln w="28575">
+              <a:solidFill>
+                <a:srgbClr val="38528C"/>
+              </a:solidFill>
+              <a:prstDash val="sysDot"/>
+              <a:tailEnd type="triangle"/>
+            </a:ln>
+          </p:spPr>
+          <p:style>
+            <a:lnRef idx="1">
+              <a:schemeClr val="accent1"/>
+            </a:lnRef>
+            <a:fillRef idx="0">
+              <a:schemeClr val="accent1"/>
+            </a:fillRef>
+            <a:effectRef idx="0">
+              <a:schemeClr val="accent1"/>
+            </a:effectRef>
+            <a:fontRef idx="minor">
+              <a:schemeClr val="tx1"/>
+            </a:fontRef>
+          </p:style>
+        </p:cxnSp>
+        <p:cxnSp>
+          <p:nvCxnSpPr>
+            <p:cNvPr id="117" name="Straight Arrow Connector 116">
+              <a:extLst>
+                <a:ext uri="{FF2B5EF4-FFF2-40B4-BE49-F238E27FC236}">
+                  <a16:creationId xmlns:a16="http://schemas.microsoft.com/office/drawing/2014/main" id="{9FEBAD66-0F3F-4CAA-A1A0-8E09BD3B0ABD}"/>
+                </a:ext>
+              </a:extLst>
+            </p:cNvPr>
+            <p:cNvCxnSpPr/>
+            <p:nvPr/>
+          </p:nvCxnSpPr>
+          <p:spPr>
+            <a:xfrm>
+              <a:off x="5458440" y="2018633"/>
+              <a:ext cx="133814" cy="140608"/>
+            </a:xfrm>
+            <a:prstGeom prst="straightConnector1">
+              <a:avLst/>
+            </a:prstGeom>
+            <a:ln w="28575">
+              <a:solidFill>
+                <a:srgbClr val="CC444E"/>
+              </a:solidFill>
+              <a:prstDash val="sysDash"/>
+              <a:tailEnd type="oval"/>
+            </a:ln>
+          </p:spPr>
+          <p:style>
+            <a:lnRef idx="1">
+              <a:schemeClr val="accent1"/>
+            </a:lnRef>
+            <a:fillRef idx="0">
+              <a:schemeClr val="accent1"/>
+            </a:fillRef>
+            <a:effectRef idx="0">
+              <a:schemeClr val="accent1"/>
+            </a:effectRef>
+            <a:fontRef idx="minor">
+              <a:schemeClr val="tx1"/>
+            </a:fontRef>
+          </p:style>
+        </p:cxnSp>
+        <p:cxnSp>
+          <p:nvCxnSpPr>
+            <p:cNvPr id="118" name="Straight Arrow Connector 117">
+              <a:extLst>
+                <a:ext uri="{FF2B5EF4-FFF2-40B4-BE49-F238E27FC236}">
+                  <a16:creationId xmlns:a16="http://schemas.microsoft.com/office/drawing/2014/main" id="{C9FD3420-63FD-4903-BB09-4A983DF6CC12}"/>
+                </a:ext>
+              </a:extLst>
+            </p:cNvPr>
+            <p:cNvCxnSpPr/>
+            <p:nvPr/>
+          </p:nvCxnSpPr>
+          <p:spPr>
+            <a:xfrm flipH="1">
+              <a:off x="6968880" y="2018633"/>
+              <a:ext cx="133814" cy="140608"/>
+            </a:xfrm>
+            <a:prstGeom prst="straightConnector1">
+              <a:avLst/>
+            </a:prstGeom>
+            <a:ln w="28575">
+              <a:solidFill>
+                <a:srgbClr val="CC444E"/>
+              </a:solidFill>
+              <a:prstDash val="sysDash"/>
+              <a:tailEnd type="oval"/>
+            </a:ln>
+          </p:spPr>
+          <p:style>
+            <a:lnRef idx="1">
+              <a:schemeClr val="accent1"/>
+            </a:lnRef>
+            <a:fillRef idx="0">
+              <a:schemeClr val="accent1"/>
+            </a:fillRef>
+            <a:effectRef idx="0">
+              <a:schemeClr val="accent1"/>
+            </a:effectRef>
+            <a:fontRef idx="minor">
+              <a:schemeClr val="tx1"/>
+            </a:fontRef>
+          </p:style>
+        </p:cxnSp>
+        <p:cxnSp>
+          <p:nvCxnSpPr>
+            <p:cNvPr id="121" name="Straight Arrow Connector 120">
+              <a:extLst>
+                <a:ext uri="{FF2B5EF4-FFF2-40B4-BE49-F238E27FC236}">
+                  <a16:creationId xmlns:a16="http://schemas.microsoft.com/office/drawing/2014/main" id="{1B0CF257-E92E-4A11-A9C8-01EA96E8015B}"/>
+                </a:ext>
+              </a:extLst>
+            </p:cNvPr>
+            <p:cNvCxnSpPr/>
+            <p:nvPr/>
+          </p:nvCxnSpPr>
+          <p:spPr>
+            <a:xfrm>
+              <a:off x="5375717" y="2112246"/>
+              <a:ext cx="133814" cy="140608"/>
+            </a:xfrm>
+            <a:prstGeom prst="straightConnector1">
+              <a:avLst/>
+            </a:prstGeom>
+            <a:ln w="28575">
+              <a:solidFill>
+                <a:srgbClr val="49AD39"/>
+              </a:solidFill>
+              <a:prstDash val="sysDot"/>
+              <a:tailEnd type="oval"/>
+            </a:ln>
+          </p:spPr>
+          <p:style>
+            <a:lnRef idx="1">
+              <a:schemeClr val="accent1"/>
+            </a:lnRef>
+            <a:fillRef idx="0">
+              <a:schemeClr val="accent1"/>
+            </a:fillRef>
+            <a:effectRef idx="0">
+              <a:schemeClr val="accent1"/>
+            </a:effectRef>
+            <a:fontRef idx="minor">
+              <a:schemeClr val="tx1"/>
+            </a:fontRef>
+          </p:style>
+        </p:cxnSp>
+        <p:cxnSp>
+          <p:nvCxnSpPr>
+            <p:cNvPr id="122" name="Straight Arrow Connector 121">
+              <a:extLst>
+                <a:ext uri="{FF2B5EF4-FFF2-40B4-BE49-F238E27FC236}">
+                  <a16:creationId xmlns:a16="http://schemas.microsoft.com/office/drawing/2014/main" id="{8A50FF55-E117-4900-8186-4122EC33365F}"/>
+                </a:ext>
+              </a:extLst>
+            </p:cNvPr>
+            <p:cNvCxnSpPr/>
+            <p:nvPr/>
+          </p:nvCxnSpPr>
+          <p:spPr>
+            <a:xfrm flipH="1">
+              <a:off x="7088175" y="2088937"/>
+              <a:ext cx="133814" cy="140608"/>
+            </a:xfrm>
+            <a:prstGeom prst="straightConnector1">
+              <a:avLst/>
+            </a:prstGeom>
+            <a:ln w="28575">
+              <a:solidFill>
+                <a:srgbClr val="49AD39"/>
+              </a:solidFill>
+              <a:prstDash val="sysDot"/>
+              <a:tailEnd type="oval"/>
+            </a:ln>
+          </p:spPr>
+          <p:style>
+            <a:lnRef idx="1">
+              <a:schemeClr val="accent1"/>
+            </a:lnRef>
+            <a:fillRef idx="0">
+              <a:schemeClr val="accent1"/>
+            </a:fillRef>
+            <a:effectRef idx="0">
+              <a:schemeClr val="accent1"/>
+            </a:effectRef>
+            <a:fontRef idx="minor">
+              <a:schemeClr val="tx1"/>
+            </a:fontRef>
+          </p:style>
+        </p:cxnSp>
+        <p:cxnSp>
+          <p:nvCxnSpPr>
+            <p:cNvPr id="125" name="Straight Arrow Connector 124">
+              <a:extLst>
+                <a:ext uri="{FF2B5EF4-FFF2-40B4-BE49-F238E27FC236}">
+                  <a16:creationId xmlns:a16="http://schemas.microsoft.com/office/drawing/2014/main" id="{6D881074-A492-49C4-BD07-D268196FACCE}"/>
+                </a:ext>
+              </a:extLst>
+            </p:cNvPr>
+            <p:cNvCxnSpPr>
+              <a:stCxn id="135" idx="0"/>
+              <a:endCxn id="133" idx="4"/>
+            </p:cNvCxnSpPr>
+            <p:nvPr/>
+          </p:nvCxnSpPr>
+          <p:spPr>
+            <a:xfrm flipV="1">
+              <a:off x="5823888" y="2683376"/>
+              <a:ext cx="0" cy="497474"/>
+            </a:xfrm>
+            <a:prstGeom prst="straightConnector1">
+              <a:avLst/>
+            </a:prstGeom>
+            <a:ln w="12700">
+              <a:solidFill>
+                <a:schemeClr val="tx1"/>
+              </a:solidFill>
+              <a:headEnd type="triangle" w="med" len="med"/>
+              <a:tailEnd type="none" w="med" len="med"/>
+            </a:ln>
+          </p:spPr>
+          <p:style>
+            <a:lnRef idx="1">
+              <a:schemeClr val="accent1"/>
+            </a:lnRef>
+            <a:fillRef idx="0">
+              <a:schemeClr val="accent1"/>
+            </a:fillRef>
+            <a:effectRef idx="0">
+              <a:schemeClr val="accent1"/>
+            </a:effectRef>
+            <a:fontRef idx="minor">
+              <a:schemeClr val="tx1"/>
+            </a:fontRef>
+          </p:style>
+        </p:cxnSp>
+        <p:cxnSp>
+          <p:nvCxnSpPr>
+            <p:cNvPr id="126" name="Straight Arrow Connector 125">
+              <a:extLst>
+                <a:ext uri="{FF2B5EF4-FFF2-40B4-BE49-F238E27FC236}">
+                  <a16:creationId xmlns:a16="http://schemas.microsoft.com/office/drawing/2014/main" id="{1F1E9467-6156-4FF2-AF58-2B7B9ECB3A6C}"/>
+                </a:ext>
+              </a:extLst>
+            </p:cNvPr>
+            <p:cNvCxnSpPr>
+              <a:stCxn id="133" idx="3"/>
+              <a:endCxn id="135" idx="1"/>
+            </p:cNvCxnSpPr>
+            <p:nvPr/>
+          </p:nvCxnSpPr>
+          <p:spPr>
+            <a:xfrm>
+              <a:off x="5687039" y="2626691"/>
+              <a:ext cx="0" cy="610844"/>
+            </a:xfrm>
+            <a:prstGeom prst="straightConnector1">
+              <a:avLst/>
+            </a:prstGeom>
+            <a:ln w="12700">
+              <a:solidFill>
+                <a:schemeClr val="tx1"/>
+              </a:solidFill>
+              <a:headEnd type="triangle" w="med" len="med"/>
+              <a:tailEnd type="none" w="med" len="med"/>
+            </a:ln>
+          </p:spPr>
+          <p:style>
+            <a:lnRef idx="1">
+              <a:schemeClr val="accent1"/>
+            </a:lnRef>
+            <a:fillRef idx="0">
+              <a:schemeClr val="accent1"/>
+            </a:fillRef>
+            <a:effectRef idx="0">
+              <a:schemeClr val="accent1"/>
+            </a:effectRef>
+            <a:fontRef idx="minor">
+              <a:schemeClr val="tx1"/>
+            </a:fontRef>
+          </p:style>
+        </p:cxnSp>
+        <p:cxnSp>
+          <p:nvCxnSpPr>
+            <p:cNvPr id="127" name="Straight Arrow Connector 126">
+              <a:extLst>
+                <a:ext uri="{FF2B5EF4-FFF2-40B4-BE49-F238E27FC236}">
+                  <a16:creationId xmlns:a16="http://schemas.microsoft.com/office/drawing/2014/main" id="{F201DE27-7E5C-4DB9-BC93-B26AE46D7BE4}"/>
+                </a:ext>
+              </a:extLst>
+            </p:cNvPr>
+            <p:cNvCxnSpPr>
+              <a:stCxn id="135" idx="5"/>
+              <a:endCxn id="136" idx="3"/>
+            </p:cNvCxnSpPr>
+            <p:nvPr/>
+          </p:nvCxnSpPr>
+          <p:spPr>
+            <a:xfrm>
+              <a:off x="5960738" y="3511232"/>
+              <a:ext cx="667405" cy="0"/>
+            </a:xfrm>
+            <a:prstGeom prst="straightConnector1">
+              <a:avLst/>
+            </a:prstGeom>
+            <a:ln w="12700">
+              <a:solidFill>
+                <a:schemeClr val="tx1"/>
+              </a:solidFill>
+              <a:headEnd type="none" w="med" len="med"/>
+              <a:tailEnd type="triangle" w="med" len="med"/>
+            </a:ln>
+          </p:spPr>
+          <p:style>
+            <a:lnRef idx="1">
+              <a:schemeClr val="accent1"/>
+            </a:lnRef>
+            <a:fillRef idx="0">
+              <a:schemeClr val="accent1"/>
+            </a:fillRef>
+            <a:effectRef idx="0">
+              <a:schemeClr val="accent1"/>
+            </a:effectRef>
+            <a:fontRef idx="minor">
+              <a:schemeClr val="tx1"/>
+            </a:fontRef>
+          </p:style>
+        </p:cxnSp>
+        <p:cxnSp>
+          <p:nvCxnSpPr>
+            <p:cNvPr id="128" name="Straight Arrow Connector 127">
+              <a:extLst>
+                <a:ext uri="{FF2B5EF4-FFF2-40B4-BE49-F238E27FC236}">
+                  <a16:creationId xmlns:a16="http://schemas.microsoft.com/office/drawing/2014/main" id="{B1416D60-914B-49A6-A003-442EE535B5D8}"/>
+                </a:ext>
+              </a:extLst>
+            </p:cNvPr>
+            <p:cNvCxnSpPr>
+              <a:stCxn id="136" idx="2"/>
+              <a:endCxn id="135" idx="6"/>
+            </p:cNvCxnSpPr>
+            <p:nvPr/>
+          </p:nvCxnSpPr>
+          <p:spPr>
+            <a:xfrm flipH="1">
+              <a:off x="6017423" y="3374384"/>
+              <a:ext cx="554035" cy="0"/>
+            </a:xfrm>
+            <a:prstGeom prst="straightConnector1">
+              <a:avLst/>
+            </a:prstGeom>
+            <a:ln w="12700">
+              <a:solidFill>
+                <a:schemeClr val="tx1"/>
+              </a:solidFill>
+              <a:headEnd type="none" w="med" len="med"/>
+              <a:tailEnd type="triangle" w="med" len="med"/>
+            </a:ln>
+          </p:spPr>
+          <p:style>
+            <a:lnRef idx="1">
+              <a:schemeClr val="accent1"/>
+            </a:lnRef>
+            <a:fillRef idx="0">
+              <a:schemeClr val="accent1"/>
+            </a:fillRef>
+            <a:effectRef idx="0">
+              <a:schemeClr val="accent1"/>
+            </a:effectRef>
+            <a:fontRef idx="minor">
+              <a:schemeClr val="tx1"/>
+            </a:fontRef>
+          </p:style>
+        </p:cxnSp>
+        <p:cxnSp>
+          <p:nvCxnSpPr>
+            <p:cNvPr id="129" name="Straight Arrow Connector 128">
+              <a:extLst>
+                <a:ext uri="{FF2B5EF4-FFF2-40B4-BE49-F238E27FC236}">
+                  <a16:creationId xmlns:a16="http://schemas.microsoft.com/office/drawing/2014/main" id="{2878F3D6-D9E8-4300-9849-E2D4B8677028}"/>
+                </a:ext>
+              </a:extLst>
+            </p:cNvPr>
+            <p:cNvCxnSpPr>
+              <a:stCxn id="136" idx="7"/>
+              <a:endCxn id="134" idx="5"/>
+            </p:cNvCxnSpPr>
+            <p:nvPr/>
+          </p:nvCxnSpPr>
+          <p:spPr>
+            <a:xfrm flipV="1">
+              <a:off x="6901838" y="2626691"/>
+              <a:ext cx="0" cy="610844"/>
+            </a:xfrm>
+            <a:prstGeom prst="straightConnector1">
+              <a:avLst/>
+            </a:prstGeom>
+            <a:ln w="12700">
+              <a:solidFill>
+                <a:schemeClr val="tx1"/>
+              </a:solidFill>
+              <a:headEnd type="none" w="med" len="med"/>
+              <a:tailEnd type="triangle" w="med" len="med"/>
+            </a:ln>
+          </p:spPr>
+          <p:style>
+            <a:lnRef idx="1">
+              <a:schemeClr val="accent1"/>
+            </a:lnRef>
+            <a:fillRef idx="0">
+              <a:schemeClr val="accent1"/>
+            </a:fillRef>
+            <a:effectRef idx="0">
+              <a:schemeClr val="accent1"/>
+            </a:effectRef>
+            <a:fontRef idx="minor">
+              <a:schemeClr val="tx1"/>
+            </a:fontRef>
+          </p:style>
+        </p:cxnSp>
+        <p:cxnSp>
+          <p:nvCxnSpPr>
+            <p:cNvPr id="130" name="Straight Arrow Connector 129">
+              <a:extLst>
+                <a:ext uri="{FF2B5EF4-FFF2-40B4-BE49-F238E27FC236}">
+                  <a16:creationId xmlns:a16="http://schemas.microsoft.com/office/drawing/2014/main" id="{C4E6ABFA-49DA-4770-B73C-AE44784A526F}"/>
+                </a:ext>
+              </a:extLst>
+            </p:cNvPr>
+            <p:cNvCxnSpPr>
+              <a:stCxn id="134" idx="4"/>
+              <a:endCxn id="136" idx="0"/>
+            </p:cNvCxnSpPr>
+            <p:nvPr/>
+          </p:nvCxnSpPr>
+          <p:spPr>
+            <a:xfrm>
+              <a:off x="6764990" y="2683376"/>
+              <a:ext cx="0" cy="497474"/>
+            </a:xfrm>
+            <a:prstGeom prst="straightConnector1">
+              <a:avLst/>
+            </a:prstGeom>
+            <a:ln w="12700">
+              <a:solidFill>
+                <a:schemeClr val="tx1"/>
+              </a:solidFill>
+              <a:headEnd type="none" w="med" len="med"/>
+              <a:tailEnd type="triangle" w="med" len="med"/>
+            </a:ln>
+          </p:spPr>
+          <p:style>
+            <a:lnRef idx="1">
+              <a:schemeClr val="accent1"/>
+            </a:lnRef>
+            <a:fillRef idx="0">
+              <a:schemeClr val="accent1"/>
+            </a:fillRef>
+            <a:effectRef idx="0">
+              <a:schemeClr val="accent1"/>
+            </a:effectRef>
+            <a:fontRef idx="minor">
+              <a:schemeClr val="tx1"/>
+            </a:fontRef>
+          </p:style>
+        </p:cxnSp>
+        <p:cxnSp>
+          <p:nvCxnSpPr>
+            <p:cNvPr id="131" name="Straight Arrow Connector 130">
+              <a:extLst>
+                <a:ext uri="{FF2B5EF4-FFF2-40B4-BE49-F238E27FC236}">
+                  <a16:creationId xmlns:a16="http://schemas.microsoft.com/office/drawing/2014/main" id="{ADA9120B-A410-4288-8174-7D13E88A6953}"/>
+                </a:ext>
+              </a:extLst>
+            </p:cNvPr>
+            <p:cNvCxnSpPr>
+              <a:stCxn id="134" idx="1"/>
+              <a:endCxn id="133" idx="7"/>
+            </p:cNvCxnSpPr>
+            <p:nvPr/>
+          </p:nvCxnSpPr>
+          <p:spPr>
+            <a:xfrm flipH="1">
+              <a:off x="5960738" y="2352994"/>
+              <a:ext cx="667405" cy="0"/>
+            </a:xfrm>
+            <a:prstGeom prst="straightConnector1">
+              <a:avLst/>
+            </a:prstGeom>
+            <a:ln w="12700">
+              <a:solidFill>
+                <a:schemeClr val="tx1"/>
+              </a:solidFill>
+              <a:headEnd type="none" w="med" len="med"/>
+              <a:tailEnd type="triangle" w="med" len="med"/>
+            </a:ln>
+          </p:spPr>
+          <p:style>
+            <a:lnRef idx="1">
+              <a:schemeClr val="accent1"/>
+            </a:lnRef>
+            <a:fillRef idx="0">
+              <a:schemeClr val="accent1"/>
+            </a:fillRef>
+            <a:effectRef idx="0">
+              <a:schemeClr val="accent1"/>
+            </a:effectRef>
+            <a:fontRef idx="minor">
+              <a:schemeClr val="tx1"/>
+            </a:fontRef>
+          </p:style>
+        </p:cxnSp>
+        <p:cxnSp>
+          <p:nvCxnSpPr>
+            <p:cNvPr id="132" name="Straight Arrow Connector 131">
+              <a:extLst>
+                <a:ext uri="{FF2B5EF4-FFF2-40B4-BE49-F238E27FC236}">
+                  <a16:creationId xmlns:a16="http://schemas.microsoft.com/office/drawing/2014/main" id="{E8E3D1C6-4030-452A-B6CB-2CE76F29084C}"/>
+                </a:ext>
+              </a:extLst>
+            </p:cNvPr>
+            <p:cNvCxnSpPr>
+              <a:stCxn id="133" idx="6"/>
+              <a:endCxn id="134" idx="2"/>
+            </p:cNvCxnSpPr>
+            <p:nvPr/>
+          </p:nvCxnSpPr>
+          <p:spPr>
+            <a:xfrm>
+              <a:off x="6017423" y="2489843"/>
+              <a:ext cx="554035" cy="0"/>
+            </a:xfrm>
+            <a:prstGeom prst="straightConnector1">
+              <a:avLst/>
+            </a:prstGeom>
+            <a:ln w="12700">
+              <a:solidFill>
+                <a:schemeClr val="tx1"/>
+              </a:solidFill>
+              <a:headEnd type="none" w="med" len="med"/>
+              <a:tailEnd type="triangle" w="med" len="med"/>
+            </a:ln>
+          </p:spPr>
+          <p:style>
+            <a:lnRef idx="1">
+              <a:schemeClr val="accent1"/>
+            </a:lnRef>
+            <a:fillRef idx="0">
+              <a:schemeClr val="accent1"/>
+            </a:fillRef>
+            <a:effectRef idx="0">
+              <a:schemeClr val="accent1"/>
+            </a:effectRef>
+            <a:fontRef idx="minor">
+              <a:schemeClr val="tx1"/>
+            </a:fontRef>
+          </p:style>
+        </p:cxnSp>
+      </p:grpSp>
+      <p:sp>
+        <p:nvSpPr>
+          <p:cNvPr id="137" name="TextBox 136">
+            <a:extLst>
+              <a:ext uri="{FF2B5EF4-FFF2-40B4-BE49-F238E27FC236}">
+                <a16:creationId xmlns:a16="http://schemas.microsoft.com/office/drawing/2014/main" id="{FD10D9AF-D053-45B3-A78B-058A02286E1C}"/>
+              </a:ext>
+            </a:extLst>
+          </p:cNvPr>
+          <p:cNvSpPr txBox="1"/>
+          <p:nvPr/>
+        </p:nvSpPr>
+        <p:spPr>
+          <a:xfrm>
+            <a:off x="3814267" y="3334199"/>
+            <a:ext cx="1534523" cy="307777"/>
+          </a:xfrm>
+          <a:prstGeom prst="rect">
+            <a:avLst/>
+          </a:prstGeom>
+          <a:noFill/>
+        </p:spPr>
+        <p:txBody>
+          <a:bodyPr wrap="none" rtlCol="0">
+            <a:spAutoFit/>
+          </a:bodyPr>
+          <a:lstStyle/>
+          <a:p>
+            <a:r>
+              <a:rPr lang="en-GB" sz="1400" dirty="0"/>
+              <a:t>Dorsal model (m3)</a:t>
+            </a:r>
+          </a:p>
+        </p:txBody>
+      </p:sp>
+      <p:grpSp>
+        <p:nvGrpSpPr>
+          <p:cNvPr id="96" name="Group 95">
+            <a:extLst>
+              <a:ext uri="{FF2B5EF4-FFF2-40B4-BE49-F238E27FC236}">
+                <a16:creationId xmlns:a16="http://schemas.microsoft.com/office/drawing/2014/main" id="{2C470816-A1F4-4DE3-B5B3-A1B3197818D5}"/>
+              </a:ext>
+            </a:extLst>
+          </p:cNvPr>
+          <p:cNvGrpSpPr/>
+          <p:nvPr/>
+        </p:nvGrpSpPr>
+        <p:grpSpPr>
+          <a:xfrm>
+            <a:off x="5995450" y="3806645"/>
+            <a:ext cx="1595796" cy="1842434"/>
+            <a:chOff x="5496542" y="1999583"/>
+            <a:chExt cx="1595796" cy="1842434"/>
+          </a:xfrm>
+        </p:grpSpPr>
+        <p:grpSp>
+          <p:nvGrpSpPr>
+            <p:cNvPr id="97" name="Group 96">
+              <a:extLst>
+                <a:ext uri="{FF2B5EF4-FFF2-40B4-BE49-F238E27FC236}">
+                  <a16:creationId xmlns:a16="http://schemas.microsoft.com/office/drawing/2014/main" id="{BD626773-F92C-47E8-8333-BBFBBBB9D58B}"/>
+                </a:ext>
+              </a:extLst>
+            </p:cNvPr>
+            <p:cNvGrpSpPr/>
+            <p:nvPr/>
+          </p:nvGrpSpPr>
+          <p:grpSpPr>
+            <a:xfrm>
+              <a:off x="5630356" y="2296309"/>
+              <a:ext cx="1328169" cy="1271608"/>
+              <a:chOff x="2090085" y="1613211"/>
+              <a:chExt cx="1913200" cy="1831725"/>
+            </a:xfrm>
+          </p:grpSpPr>
+          <p:sp>
+            <p:nvSpPr>
+              <p:cNvPr id="148" name="Oval 147">
+                <a:extLst>
+                  <a:ext uri="{FF2B5EF4-FFF2-40B4-BE49-F238E27FC236}">
+                    <a16:creationId xmlns:a16="http://schemas.microsoft.com/office/drawing/2014/main" id="{06A89A31-E860-4AF6-93AD-6B52CEE68DF7}"/>
+                  </a:ext>
+                </a:extLst>
+              </p:cNvPr>
+              <p:cNvSpPr/>
+              <p:nvPr/>
+            </p:nvSpPr>
+            <p:spPr>
+              <a:xfrm>
+                <a:off x="2090085" y="1613211"/>
+                <a:ext cx="557562" cy="557562"/>
+              </a:xfrm>
+              <a:prstGeom prst="ellipse">
+                <a:avLst/>
+              </a:prstGeom>
+            </p:spPr>
+            <p:style>
+              <a:lnRef idx="1">
+                <a:schemeClr val="accent3"/>
+              </a:lnRef>
+              <a:fillRef idx="2">
+                <a:schemeClr val="accent3"/>
+              </a:fillRef>
+              <a:effectRef idx="1">
+                <a:schemeClr val="accent3"/>
+              </a:effectRef>
+              <a:fontRef idx="minor">
+                <a:schemeClr val="dk1"/>
+              </a:fontRef>
+            </p:style>
+            <p:txBody>
+              <a:bodyPr lIns="0" tIns="0" rIns="0" bIns="0" rtlCol="0" anchor="ctr"/>
+              <a:lstStyle/>
+              <a:p>
+                <a:pPr algn="ctr"/>
+                <a:r>
+                  <a:rPr lang="en-GB" sz="1200" dirty="0"/>
+                  <a:t>ldF</a:t>
+                </a:r>
+              </a:p>
+            </p:txBody>
+          </p:sp>
+          <p:sp>
+            <p:nvSpPr>
+              <p:cNvPr id="149" name="Oval 148">
+                <a:extLst>
+                  <a:ext uri="{FF2B5EF4-FFF2-40B4-BE49-F238E27FC236}">
+                    <a16:creationId xmlns:a16="http://schemas.microsoft.com/office/drawing/2014/main" id="{84AC19F7-AF2C-44F1-A59C-C2D6E33135E7}"/>
+                  </a:ext>
+                </a:extLst>
+              </p:cNvPr>
+              <p:cNvSpPr/>
+              <p:nvPr/>
+            </p:nvSpPr>
+            <p:spPr>
+              <a:xfrm>
+                <a:off x="3445723" y="1613211"/>
+                <a:ext cx="557562" cy="557562"/>
+              </a:xfrm>
+              <a:prstGeom prst="ellipse">
+                <a:avLst/>
+              </a:prstGeom>
+            </p:spPr>
+            <p:style>
+              <a:lnRef idx="1">
+                <a:schemeClr val="accent3"/>
+              </a:lnRef>
+              <a:fillRef idx="2">
+                <a:schemeClr val="accent3"/>
+              </a:fillRef>
+              <a:effectRef idx="1">
+                <a:schemeClr val="accent3"/>
+              </a:effectRef>
+              <a:fontRef idx="minor">
+                <a:schemeClr val="dk1"/>
+              </a:fontRef>
+            </p:style>
+            <p:txBody>
+              <a:bodyPr lIns="0" tIns="0" rIns="0" bIns="0" rtlCol="0" anchor="ctr"/>
+              <a:lstStyle/>
+              <a:p>
+                <a:pPr algn="ctr"/>
+                <a:r>
+                  <a:rPr lang="en-GB" sz="1200" dirty="0"/>
+                  <a:t>rdF</a:t>
+                </a:r>
+              </a:p>
+            </p:txBody>
+          </p:sp>
+          <p:sp>
+            <p:nvSpPr>
+              <p:cNvPr id="150" name="Oval 149">
+                <a:extLst>
+                  <a:ext uri="{FF2B5EF4-FFF2-40B4-BE49-F238E27FC236}">
+                    <a16:creationId xmlns:a16="http://schemas.microsoft.com/office/drawing/2014/main" id="{383BDC6C-E53A-4700-A222-F587E768C33F}"/>
+                  </a:ext>
+                </a:extLst>
+              </p:cNvPr>
+              <p:cNvSpPr/>
+              <p:nvPr/>
+            </p:nvSpPr>
+            <p:spPr>
+              <a:xfrm>
+                <a:off x="2090085" y="2887374"/>
+                <a:ext cx="557562" cy="557562"/>
+              </a:xfrm>
+              <a:prstGeom prst="ellipse">
+                <a:avLst/>
+              </a:prstGeom>
+            </p:spPr>
+            <p:style>
+              <a:lnRef idx="1">
+                <a:schemeClr val="accent3"/>
+              </a:lnRef>
+              <a:fillRef idx="2">
+                <a:schemeClr val="accent3"/>
+              </a:fillRef>
+              <a:effectRef idx="1">
+                <a:schemeClr val="accent3"/>
+              </a:effectRef>
+              <a:fontRef idx="minor">
+                <a:schemeClr val="dk1"/>
+              </a:fontRef>
+            </p:style>
+            <p:txBody>
+              <a:bodyPr lIns="0" tIns="0" rIns="0" bIns="0" rtlCol="0" anchor="ctr"/>
+              <a:lstStyle/>
+              <a:p>
+                <a:pPr algn="ctr"/>
+                <a:r>
+                  <a:rPr lang="en-GB" sz="1200" dirty="0"/>
+                  <a:t>lvF</a:t>
+                </a:r>
+              </a:p>
+            </p:txBody>
+          </p:sp>
+          <p:sp>
+            <p:nvSpPr>
+              <p:cNvPr id="151" name="Oval 150">
+                <a:extLst>
+                  <a:ext uri="{FF2B5EF4-FFF2-40B4-BE49-F238E27FC236}">
+                    <a16:creationId xmlns:a16="http://schemas.microsoft.com/office/drawing/2014/main" id="{40247553-EB49-4763-A238-DAE6CA5365D8}"/>
+                  </a:ext>
+                </a:extLst>
+              </p:cNvPr>
+              <p:cNvSpPr/>
+              <p:nvPr/>
+            </p:nvSpPr>
+            <p:spPr>
+              <a:xfrm>
+                <a:off x="3445723" y="2887374"/>
+                <a:ext cx="557562" cy="557562"/>
+              </a:xfrm>
+              <a:prstGeom prst="ellipse">
+                <a:avLst/>
+              </a:prstGeom>
+            </p:spPr>
+            <p:style>
+              <a:lnRef idx="1">
+                <a:schemeClr val="accent3"/>
+              </a:lnRef>
+              <a:fillRef idx="2">
+                <a:schemeClr val="accent3"/>
+              </a:fillRef>
+              <a:effectRef idx="1">
+                <a:schemeClr val="accent3"/>
+              </a:effectRef>
+              <a:fontRef idx="minor">
+                <a:schemeClr val="dk1"/>
+              </a:fontRef>
+            </p:style>
+            <p:txBody>
+              <a:bodyPr lIns="0" tIns="0" rIns="0" bIns="0" rtlCol="0" anchor="ctr"/>
+              <a:lstStyle/>
+              <a:p>
+                <a:pPr algn="ctr"/>
+                <a:r>
+                  <a:rPr lang="en-GB" sz="1200" dirty="0"/>
+                  <a:t>rvF</a:t>
+                </a:r>
+              </a:p>
+            </p:txBody>
+          </p:sp>
+        </p:grpSp>
+        <p:sp>
+          <p:nvSpPr>
+            <p:cNvPr id="98" name="Arc 97">
+              <a:extLst>
+                <a:ext uri="{FF2B5EF4-FFF2-40B4-BE49-F238E27FC236}">
+                  <a16:creationId xmlns:a16="http://schemas.microsoft.com/office/drawing/2014/main" id="{C56FB53B-74B4-418C-BB0D-6CA94B4FBBA9}"/>
+                </a:ext>
+              </a:extLst>
+            </p:cNvPr>
+            <p:cNvSpPr/>
+            <p:nvPr/>
+          </p:nvSpPr>
+          <p:spPr>
+            <a:xfrm>
+              <a:off x="5500946" y="2140191"/>
+              <a:ext cx="327347" cy="312236"/>
+            </a:xfrm>
+            <a:prstGeom prst="arc">
+              <a:avLst>
+                <a:gd name="adj1" fmla="val 6599244"/>
+                <a:gd name="adj2" fmla="val 0"/>
+              </a:avLst>
+            </a:prstGeom>
+            <a:ln>
+              <a:solidFill>
+                <a:schemeClr val="tx1"/>
+              </a:solidFill>
+              <a:headEnd type="oval" w="med" len="med"/>
+              <a:tailEnd type="none" w="med" len="med"/>
+            </a:ln>
+          </p:spPr>
+          <p:style>
+            <a:lnRef idx="1">
+              <a:schemeClr val="accent1"/>
+            </a:lnRef>
+            <a:fillRef idx="0">
+              <a:schemeClr val="accent1"/>
+            </a:fillRef>
+            <a:effectRef idx="0">
+              <a:schemeClr val="accent1"/>
+            </a:effectRef>
+            <a:fontRef idx="minor">
+              <a:schemeClr val="tx1"/>
+            </a:fontRef>
+          </p:style>
+          <p:txBody>
+            <a:bodyPr rtlCol="0" anchor="ctr"/>
+            <a:lstStyle/>
+            <a:p>
+              <a:pPr algn="ctr"/>
+              <a:endParaRPr lang="en-GB"/>
+            </a:p>
+          </p:txBody>
+        </p:sp>
+        <p:sp>
+          <p:nvSpPr>
+            <p:cNvPr id="99" name="Arc 98">
+              <a:extLst>
+                <a:ext uri="{FF2B5EF4-FFF2-40B4-BE49-F238E27FC236}">
+                  <a16:creationId xmlns:a16="http://schemas.microsoft.com/office/drawing/2014/main" id="{36A22E36-EB2D-46B2-89EC-EC47842FB2C5}"/>
+                </a:ext>
+              </a:extLst>
+            </p:cNvPr>
+            <p:cNvSpPr/>
+            <p:nvPr/>
+          </p:nvSpPr>
+          <p:spPr>
+            <a:xfrm flipH="1">
+              <a:off x="6764990" y="2140191"/>
+              <a:ext cx="327347" cy="312236"/>
+            </a:xfrm>
+            <a:prstGeom prst="arc">
+              <a:avLst>
+                <a:gd name="adj1" fmla="val 6599244"/>
+                <a:gd name="adj2" fmla="val 0"/>
+              </a:avLst>
+            </a:prstGeom>
+            <a:ln>
+              <a:solidFill>
+                <a:schemeClr val="tx1"/>
+              </a:solidFill>
+              <a:headEnd type="oval" w="med" len="med"/>
+              <a:tailEnd type="none" w="med" len="med"/>
+            </a:ln>
+          </p:spPr>
+          <p:style>
+            <a:lnRef idx="1">
+              <a:schemeClr val="accent1"/>
+            </a:lnRef>
+            <a:fillRef idx="0">
+              <a:schemeClr val="accent1"/>
+            </a:fillRef>
+            <a:effectRef idx="0">
+              <a:schemeClr val="accent1"/>
+            </a:effectRef>
+            <a:fontRef idx="minor">
+              <a:schemeClr val="tx1"/>
+            </a:fontRef>
+          </p:style>
+          <p:txBody>
+            <a:bodyPr rtlCol="0" anchor="ctr"/>
+            <a:lstStyle/>
+            <a:p>
+              <a:pPr algn="ctr"/>
+              <a:endParaRPr lang="en-GB"/>
+            </a:p>
+          </p:txBody>
+        </p:sp>
+        <p:sp>
+          <p:nvSpPr>
+            <p:cNvPr id="100" name="Arc 99">
+              <a:extLst>
+                <a:ext uri="{FF2B5EF4-FFF2-40B4-BE49-F238E27FC236}">
+                  <a16:creationId xmlns:a16="http://schemas.microsoft.com/office/drawing/2014/main" id="{A9BAB691-8850-437A-BEC7-0FE242263611}"/>
+                </a:ext>
+              </a:extLst>
+            </p:cNvPr>
+            <p:cNvSpPr/>
+            <p:nvPr/>
+          </p:nvSpPr>
+          <p:spPr>
+            <a:xfrm flipV="1">
+              <a:off x="5496542" y="3394696"/>
+              <a:ext cx="327347" cy="312236"/>
+            </a:xfrm>
+            <a:prstGeom prst="arc">
+              <a:avLst>
+                <a:gd name="adj1" fmla="val 6599244"/>
+                <a:gd name="adj2" fmla="val 0"/>
+              </a:avLst>
+            </a:prstGeom>
+            <a:ln>
+              <a:solidFill>
+                <a:schemeClr val="tx1"/>
+              </a:solidFill>
+              <a:headEnd type="oval" w="med" len="med"/>
+              <a:tailEnd type="none" w="med" len="med"/>
+            </a:ln>
+          </p:spPr>
+          <p:style>
+            <a:lnRef idx="1">
+              <a:schemeClr val="accent1"/>
+            </a:lnRef>
+            <a:fillRef idx="0">
+              <a:schemeClr val="accent1"/>
+            </a:fillRef>
+            <a:effectRef idx="0">
+              <a:schemeClr val="accent1"/>
+            </a:effectRef>
+            <a:fontRef idx="minor">
+              <a:schemeClr val="tx1"/>
+            </a:fontRef>
+          </p:style>
+          <p:txBody>
+            <a:bodyPr rtlCol="0" anchor="ctr"/>
+            <a:lstStyle/>
+            <a:p>
+              <a:pPr algn="ctr"/>
+              <a:endParaRPr lang="en-GB"/>
+            </a:p>
+          </p:txBody>
+        </p:sp>
+        <p:sp>
+          <p:nvSpPr>
+            <p:cNvPr id="101" name="Arc 100">
+              <a:extLst>
+                <a:ext uri="{FF2B5EF4-FFF2-40B4-BE49-F238E27FC236}">
+                  <a16:creationId xmlns:a16="http://schemas.microsoft.com/office/drawing/2014/main" id="{20B8B0B7-C45C-4A6B-8D39-7F8E33C875FB}"/>
+                </a:ext>
+              </a:extLst>
+            </p:cNvPr>
+            <p:cNvSpPr/>
+            <p:nvPr/>
+          </p:nvSpPr>
+          <p:spPr>
+            <a:xfrm flipH="1" flipV="1">
+              <a:off x="6764991" y="3411799"/>
+              <a:ext cx="327347" cy="312236"/>
+            </a:xfrm>
+            <a:prstGeom prst="arc">
+              <a:avLst>
+                <a:gd name="adj1" fmla="val 6599244"/>
+                <a:gd name="adj2" fmla="val 0"/>
+              </a:avLst>
+            </a:prstGeom>
+            <a:ln>
+              <a:solidFill>
+                <a:schemeClr val="tx1"/>
+              </a:solidFill>
+              <a:headEnd type="oval" w="med" len="med"/>
+              <a:tailEnd type="none" w="med" len="med"/>
+            </a:ln>
+          </p:spPr>
+          <p:style>
+            <a:lnRef idx="1">
+              <a:schemeClr val="accent1"/>
+            </a:lnRef>
+            <a:fillRef idx="0">
+              <a:schemeClr val="accent1"/>
+            </a:fillRef>
+            <a:effectRef idx="0">
+              <a:schemeClr val="accent1"/>
+            </a:effectRef>
+            <a:fontRef idx="minor">
+              <a:schemeClr val="tx1"/>
+            </a:fontRef>
+          </p:style>
+          <p:txBody>
+            <a:bodyPr rtlCol="0" anchor="ctr"/>
+            <a:lstStyle/>
+            <a:p>
+              <a:pPr algn="ctr"/>
+              <a:endParaRPr lang="en-GB"/>
+            </a:p>
+          </p:txBody>
+        </p:sp>
+        <p:cxnSp>
+          <p:nvCxnSpPr>
+            <p:cNvPr id="102" name="Straight Arrow Connector 101">
+              <a:extLst>
+                <a:ext uri="{FF2B5EF4-FFF2-40B4-BE49-F238E27FC236}">
+                  <a16:creationId xmlns:a16="http://schemas.microsoft.com/office/drawing/2014/main" id="{4C13BE59-06B7-4BCD-8460-1E2CC89DC6AA}"/>
+                </a:ext>
+              </a:extLst>
+            </p:cNvPr>
+            <p:cNvCxnSpPr/>
+            <p:nvPr/>
+          </p:nvCxnSpPr>
+          <p:spPr>
+            <a:xfrm>
+              <a:off x="5911112" y="1999583"/>
+              <a:ext cx="0" cy="277960"/>
+            </a:xfrm>
+            <a:prstGeom prst="straightConnector1">
+              <a:avLst/>
+            </a:prstGeom>
+            <a:ln w="28575">
+              <a:solidFill>
+                <a:srgbClr val="38528C"/>
+              </a:solidFill>
+              <a:prstDash val="sysDot"/>
+              <a:tailEnd type="triangle"/>
+            </a:ln>
+          </p:spPr>
+          <p:style>
+            <a:lnRef idx="1">
+              <a:schemeClr val="accent1"/>
+            </a:lnRef>
+            <a:fillRef idx="0">
+              <a:schemeClr val="accent1"/>
+            </a:fillRef>
+            <a:effectRef idx="0">
+              <a:schemeClr val="accent1"/>
+            </a:effectRef>
+            <a:fontRef idx="minor">
+              <a:schemeClr val="tx1"/>
+            </a:fontRef>
+          </p:style>
+        </p:cxnSp>
+        <p:cxnSp>
+          <p:nvCxnSpPr>
+            <p:cNvPr id="103" name="Straight Arrow Connector 102">
+              <a:extLst>
+                <a:ext uri="{FF2B5EF4-FFF2-40B4-BE49-F238E27FC236}">
+                  <a16:creationId xmlns:a16="http://schemas.microsoft.com/office/drawing/2014/main" id="{93FFF261-FBB7-482F-AD00-697D114C6578}"/>
+                </a:ext>
+              </a:extLst>
+            </p:cNvPr>
+            <p:cNvCxnSpPr/>
+            <p:nvPr/>
+          </p:nvCxnSpPr>
+          <p:spPr>
+            <a:xfrm>
+              <a:off x="6678174" y="1999583"/>
+              <a:ext cx="0" cy="277960"/>
+            </a:xfrm>
+            <a:prstGeom prst="straightConnector1">
+              <a:avLst/>
+            </a:prstGeom>
+            <a:ln w="28575">
+              <a:solidFill>
+                <a:srgbClr val="38528C"/>
+              </a:solidFill>
+              <a:prstDash val="sysDot"/>
+              <a:tailEnd type="triangle"/>
+            </a:ln>
+          </p:spPr>
+          <p:style>
+            <a:lnRef idx="1">
+              <a:schemeClr val="accent1"/>
+            </a:lnRef>
+            <a:fillRef idx="0">
+              <a:schemeClr val="accent1"/>
+            </a:fillRef>
+            <a:effectRef idx="0">
+              <a:schemeClr val="accent1"/>
+            </a:effectRef>
+            <a:fontRef idx="minor">
+              <a:schemeClr val="tx1"/>
+            </a:fontRef>
+          </p:style>
+        </p:cxnSp>
+        <p:cxnSp>
+          <p:nvCxnSpPr>
+            <p:cNvPr id="104" name="Straight Arrow Connector 103">
+              <a:extLst>
+                <a:ext uri="{FF2B5EF4-FFF2-40B4-BE49-F238E27FC236}">
+                  <a16:creationId xmlns:a16="http://schemas.microsoft.com/office/drawing/2014/main" id="{5827C076-56BE-4D7E-AEF8-3C12DB0A39B6}"/>
+                </a:ext>
+              </a:extLst>
+            </p:cNvPr>
+            <p:cNvCxnSpPr/>
+            <p:nvPr/>
+          </p:nvCxnSpPr>
+          <p:spPr>
+            <a:xfrm flipV="1">
+              <a:off x="5911112" y="3564057"/>
+              <a:ext cx="0" cy="277960"/>
+            </a:xfrm>
+            <a:prstGeom prst="straightConnector1">
+              <a:avLst/>
+            </a:prstGeom>
+            <a:ln w="28575">
+              <a:solidFill>
+                <a:srgbClr val="38528C"/>
+              </a:solidFill>
+              <a:prstDash val="sysDot"/>
+              <a:tailEnd type="triangle"/>
+            </a:ln>
+          </p:spPr>
+          <p:style>
+            <a:lnRef idx="1">
+              <a:schemeClr val="accent1"/>
+            </a:lnRef>
+            <a:fillRef idx="0">
+              <a:schemeClr val="accent1"/>
+            </a:fillRef>
+            <a:effectRef idx="0">
+              <a:schemeClr val="accent1"/>
+            </a:effectRef>
+            <a:fontRef idx="minor">
+              <a:schemeClr val="tx1"/>
+            </a:fontRef>
+          </p:style>
+        </p:cxnSp>
+        <p:cxnSp>
+          <p:nvCxnSpPr>
+            <p:cNvPr id="105" name="Straight Arrow Connector 104">
+              <a:extLst>
+                <a:ext uri="{FF2B5EF4-FFF2-40B4-BE49-F238E27FC236}">
+                  <a16:creationId xmlns:a16="http://schemas.microsoft.com/office/drawing/2014/main" id="{102839F8-9A99-440F-A52F-F8658564B5B9}"/>
+                </a:ext>
+              </a:extLst>
+            </p:cNvPr>
+            <p:cNvCxnSpPr/>
+            <p:nvPr/>
+          </p:nvCxnSpPr>
+          <p:spPr>
+            <a:xfrm flipV="1">
+              <a:off x="6678174" y="3564057"/>
+              <a:ext cx="0" cy="277960"/>
+            </a:xfrm>
+            <a:prstGeom prst="straightConnector1">
+              <a:avLst/>
+            </a:prstGeom>
+            <a:ln w="28575">
+              <a:solidFill>
+                <a:srgbClr val="38528C"/>
+              </a:solidFill>
+              <a:prstDash val="sysDot"/>
+              <a:tailEnd type="triangle"/>
+            </a:ln>
+          </p:spPr>
+          <p:style>
+            <a:lnRef idx="1">
+              <a:schemeClr val="accent1"/>
+            </a:lnRef>
+            <a:fillRef idx="0">
+              <a:schemeClr val="accent1"/>
+            </a:fillRef>
+            <a:effectRef idx="0">
+              <a:schemeClr val="accent1"/>
+            </a:effectRef>
+            <a:fontRef idx="minor">
+              <a:schemeClr val="tx1"/>
+            </a:fontRef>
+          </p:style>
+        </p:cxnSp>
+        <p:cxnSp>
+          <p:nvCxnSpPr>
+            <p:cNvPr id="124" name="Straight Arrow Connector 123">
+              <a:extLst>
+                <a:ext uri="{FF2B5EF4-FFF2-40B4-BE49-F238E27FC236}">
+                  <a16:creationId xmlns:a16="http://schemas.microsoft.com/office/drawing/2014/main" id="{49382475-FF8A-4FAD-82E2-249A453D0192}"/>
+                </a:ext>
+              </a:extLst>
+            </p:cNvPr>
+            <p:cNvCxnSpPr>
+              <a:stCxn id="150" idx="0"/>
+              <a:endCxn id="148" idx="4"/>
+            </p:cNvCxnSpPr>
+            <p:nvPr/>
+          </p:nvCxnSpPr>
+          <p:spPr>
+            <a:xfrm flipV="1">
+              <a:off x="5823888" y="2683376"/>
+              <a:ext cx="0" cy="497474"/>
+            </a:xfrm>
+            <a:prstGeom prst="straightConnector1">
+              <a:avLst/>
+            </a:prstGeom>
+            <a:ln w="12700">
+              <a:solidFill>
+                <a:schemeClr val="tx1"/>
+              </a:solidFill>
+              <a:headEnd type="triangle" w="med" len="med"/>
+              <a:tailEnd type="none" w="med" len="med"/>
+            </a:ln>
+          </p:spPr>
+          <p:style>
+            <a:lnRef idx="1">
+              <a:schemeClr val="accent1"/>
+            </a:lnRef>
+            <a:fillRef idx="0">
+              <a:schemeClr val="accent1"/>
+            </a:fillRef>
+            <a:effectRef idx="0">
+              <a:schemeClr val="accent1"/>
+            </a:effectRef>
+            <a:fontRef idx="minor">
+              <a:schemeClr val="tx1"/>
+            </a:fontRef>
+          </p:style>
+        </p:cxnSp>
+        <p:cxnSp>
+          <p:nvCxnSpPr>
+            <p:cNvPr id="141" name="Straight Arrow Connector 140">
+              <a:extLst>
+                <a:ext uri="{FF2B5EF4-FFF2-40B4-BE49-F238E27FC236}">
+                  <a16:creationId xmlns:a16="http://schemas.microsoft.com/office/drawing/2014/main" id="{0988BE84-4785-4287-AE33-ACA50E37C429}"/>
+                </a:ext>
+              </a:extLst>
+            </p:cNvPr>
+            <p:cNvCxnSpPr>
+              <a:stCxn id="148" idx="3"/>
+              <a:endCxn id="150" idx="1"/>
+            </p:cNvCxnSpPr>
+            <p:nvPr/>
+          </p:nvCxnSpPr>
+          <p:spPr>
+            <a:xfrm>
+              <a:off x="5687039" y="2626691"/>
+              <a:ext cx="0" cy="610844"/>
+            </a:xfrm>
+            <a:prstGeom prst="straightConnector1">
+              <a:avLst/>
+            </a:prstGeom>
+            <a:ln w="12700">
+              <a:solidFill>
+                <a:schemeClr val="tx1"/>
+              </a:solidFill>
+              <a:headEnd type="triangle" w="med" len="med"/>
+              <a:tailEnd type="none" w="med" len="med"/>
+            </a:ln>
+          </p:spPr>
+          <p:style>
+            <a:lnRef idx="1">
+              <a:schemeClr val="accent1"/>
+            </a:lnRef>
+            <a:fillRef idx="0">
+              <a:schemeClr val="accent1"/>
+            </a:fillRef>
+            <a:effectRef idx="0">
+              <a:schemeClr val="accent1"/>
+            </a:effectRef>
+            <a:fontRef idx="minor">
+              <a:schemeClr val="tx1"/>
+            </a:fontRef>
+          </p:style>
+        </p:cxnSp>
+        <p:cxnSp>
+          <p:nvCxnSpPr>
+            <p:cNvPr id="142" name="Straight Arrow Connector 141">
+              <a:extLst>
+                <a:ext uri="{FF2B5EF4-FFF2-40B4-BE49-F238E27FC236}">
+                  <a16:creationId xmlns:a16="http://schemas.microsoft.com/office/drawing/2014/main" id="{12F4994D-A3E9-442B-98C5-DBE0379A8976}"/>
+                </a:ext>
+              </a:extLst>
+            </p:cNvPr>
+            <p:cNvCxnSpPr>
+              <a:stCxn id="150" idx="5"/>
+              <a:endCxn id="151" idx="3"/>
+            </p:cNvCxnSpPr>
+            <p:nvPr/>
+          </p:nvCxnSpPr>
+          <p:spPr>
+            <a:xfrm>
+              <a:off x="5960738" y="3511232"/>
+              <a:ext cx="667405" cy="0"/>
+            </a:xfrm>
+            <a:prstGeom prst="straightConnector1">
+              <a:avLst/>
+            </a:prstGeom>
+            <a:ln w="12700">
+              <a:solidFill>
+                <a:schemeClr val="tx1"/>
+              </a:solidFill>
+              <a:headEnd type="none" w="med" len="med"/>
+              <a:tailEnd type="triangle" w="med" len="med"/>
+            </a:ln>
+          </p:spPr>
+          <p:style>
+            <a:lnRef idx="1">
+              <a:schemeClr val="accent1"/>
+            </a:lnRef>
+            <a:fillRef idx="0">
+              <a:schemeClr val="accent1"/>
+            </a:fillRef>
+            <a:effectRef idx="0">
+              <a:schemeClr val="accent1"/>
+            </a:effectRef>
+            <a:fontRef idx="minor">
+              <a:schemeClr val="tx1"/>
+            </a:fontRef>
+          </p:style>
+        </p:cxnSp>
+        <p:cxnSp>
+          <p:nvCxnSpPr>
+            <p:cNvPr id="143" name="Straight Arrow Connector 142">
+              <a:extLst>
+                <a:ext uri="{FF2B5EF4-FFF2-40B4-BE49-F238E27FC236}">
+                  <a16:creationId xmlns:a16="http://schemas.microsoft.com/office/drawing/2014/main" id="{70457AA4-4429-4A33-99BE-C9D87CC82219}"/>
+                </a:ext>
+              </a:extLst>
+            </p:cNvPr>
+            <p:cNvCxnSpPr>
+              <a:stCxn id="151" idx="2"/>
+              <a:endCxn id="150" idx="6"/>
+            </p:cNvCxnSpPr>
+            <p:nvPr/>
+          </p:nvCxnSpPr>
+          <p:spPr>
+            <a:xfrm flipH="1">
+              <a:off x="6017423" y="3374384"/>
+              <a:ext cx="554035" cy="0"/>
+            </a:xfrm>
+            <a:prstGeom prst="straightConnector1">
+              <a:avLst/>
+            </a:prstGeom>
+            <a:ln w="12700">
+              <a:solidFill>
+                <a:schemeClr val="tx1"/>
+              </a:solidFill>
+              <a:headEnd type="none" w="med" len="med"/>
+              <a:tailEnd type="triangle" w="med" len="med"/>
+            </a:ln>
+          </p:spPr>
+          <p:style>
+            <a:lnRef idx="1">
+              <a:schemeClr val="accent1"/>
+            </a:lnRef>
+            <a:fillRef idx="0">
+              <a:schemeClr val="accent1"/>
+            </a:fillRef>
+            <a:effectRef idx="0">
+              <a:schemeClr val="accent1"/>
+            </a:effectRef>
+            <a:fontRef idx="minor">
+              <a:schemeClr val="tx1"/>
+            </a:fontRef>
+          </p:style>
+        </p:cxnSp>
+        <p:cxnSp>
+          <p:nvCxnSpPr>
+            <p:cNvPr id="144" name="Straight Arrow Connector 143">
+              <a:extLst>
+                <a:ext uri="{FF2B5EF4-FFF2-40B4-BE49-F238E27FC236}">
+                  <a16:creationId xmlns:a16="http://schemas.microsoft.com/office/drawing/2014/main" id="{6E5C9EFC-DAB9-41D1-8AB9-FA4315C88DA3}"/>
+                </a:ext>
+              </a:extLst>
+            </p:cNvPr>
+            <p:cNvCxnSpPr>
+              <a:stCxn id="151" idx="7"/>
+              <a:endCxn id="149" idx="5"/>
+            </p:cNvCxnSpPr>
+            <p:nvPr/>
+          </p:nvCxnSpPr>
+          <p:spPr>
+            <a:xfrm flipV="1">
+              <a:off x="6901838" y="2626691"/>
+              <a:ext cx="0" cy="610844"/>
+            </a:xfrm>
+            <a:prstGeom prst="straightConnector1">
+              <a:avLst/>
+            </a:prstGeom>
+            <a:ln w="12700">
+              <a:solidFill>
+                <a:schemeClr val="tx1"/>
+              </a:solidFill>
+              <a:headEnd type="none" w="med" len="med"/>
+              <a:tailEnd type="triangle" w="med" len="med"/>
+            </a:ln>
+          </p:spPr>
+          <p:style>
+            <a:lnRef idx="1">
+              <a:schemeClr val="accent1"/>
+            </a:lnRef>
+            <a:fillRef idx="0">
+              <a:schemeClr val="accent1"/>
+            </a:fillRef>
+            <a:effectRef idx="0">
+              <a:schemeClr val="accent1"/>
+            </a:effectRef>
+            <a:fontRef idx="minor">
+              <a:schemeClr val="tx1"/>
+            </a:fontRef>
+          </p:style>
+        </p:cxnSp>
+        <p:cxnSp>
+          <p:nvCxnSpPr>
+            <p:cNvPr id="145" name="Straight Arrow Connector 144">
+              <a:extLst>
+                <a:ext uri="{FF2B5EF4-FFF2-40B4-BE49-F238E27FC236}">
+                  <a16:creationId xmlns:a16="http://schemas.microsoft.com/office/drawing/2014/main" id="{CA986B73-08B7-48FC-8ACA-3A938ECB7BE2}"/>
+                </a:ext>
+              </a:extLst>
+            </p:cNvPr>
+            <p:cNvCxnSpPr>
+              <a:stCxn id="149" idx="4"/>
+              <a:endCxn id="151" idx="0"/>
+            </p:cNvCxnSpPr>
+            <p:nvPr/>
+          </p:nvCxnSpPr>
+          <p:spPr>
+            <a:xfrm>
+              <a:off x="6764990" y="2683376"/>
+              <a:ext cx="0" cy="497474"/>
+            </a:xfrm>
+            <a:prstGeom prst="straightConnector1">
+              <a:avLst/>
+            </a:prstGeom>
+            <a:ln w="12700">
+              <a:solidFill>
+                <a:schemeClr val="tx1"/>
+              </a:solidFill>
+              <a:headEnd type="none" w="med" len="med"/>
+              <a:tailEnd type="triangle" w="med" len="med"/>
+            </a:ln>
+          </p:spPr>
+          <p:style>
+            <a:lnRef idx="1">
+              <a:schemeClr val="accent1"/>
+            </a:lnRef>
+            <a:fillRef idx="0">
+              <a:schemeClr val="accent1"/>
+            </a:fillRef>
+            <a:effectRef idx="0">
+              <a:schemeClr val="accent1"/>
+            </a:effectRef>
+            <a:fontRef idx="minor">
+              <a:schemeClr val="tx1"/>
+            </a:fontRef>
+          </p:style>
+        </p:cxnSp>
+        <p:cxnSp>
+          <p:nvCxnSpPr>
+            <p:cNvPr id="146" name="Straight Arrow Connector 145">
+              <a:extLst>
+                <a:ext uri="{FF2B5EF4-FFF2-40B4-BE49-F238E27FC236}">
+                  <a16:creationId xmlns:a16="http://schemas.microsoft.com/office/drawing/2014/main" id="{52592817-64C6-4311-8A9D-28ECEAE5C2E2}"/>
+                </a:ext>
+              </a:extLst>
+            </p:cNvPr>
+            <p:cNvCxnSpPr>
+              <a:stCxn id="149" idx="1"/>
+              <a:endCxn id="148" idx="7"/>
+            </p:cNvCxnSpPr>
+            <p:nvPr/>
+          </p:nvCxnSpPr>
+          <p:spPr>
+            <a:xfrm flipH="1">
+              <a:off x="5960738" y="2352994"/>
+              <a:ext cx="667405" cy="0"/>
+            </a:xfrm>
+            <a:prstGeom prst="straightConnector1">
+              <a:avLst/>
+            </a:prstGeom>
+            <a:ln w="12700">
+              <a:solidFill>
+                <a:schemeClr val="tx1"/>
+              </a:solidFill>
+              <a:headEnd type="none" w="med" len="med"/>
+              <a:tailEnd type="triangle" w="med" len="med"/>
+            </a:ln>
+          </p:spPr>
+          <p:style>
+            <a:lnRef idx="1">
+              <a:schemeClr val="accent1"/>
+            </a:lnRef>
+            <a:fillRef idx="0">
+              <a:schemeClr val="accent1"/>
+            </a:fillRef>
+            <a:effectRef idx="0">
+              <a:schemeClr val="accent1"/>
+            </a:effectRef>
+            <a:fontRef idx="minor">
+              <a:schemeClr val="tx1"/>
+            </a:fontRef>
+          </p:style>
+        </p:cxnSp>
+        <p:cxnSp>
+          <p:nvCxnSpPr>
+            <p:cNvPr id="147" name="Straight Arrow Connector 146">
+              <a:extLst>
+                <a:ext uri="{FF2B5EF4-FFF2-40B4-BE49-F238E27FC236}">
+                  <a16:creationId xmlns:a16="http://schemas.microsoft.com/office/drawing/2014/main" id="{28D4FE46-8FC7-460B-ADC6-F37768431F8C}"/>
+                </a:ext>
+              </a:extLst>
+            </p:cNvPr>
+            <p:cNvCxnSpPr>
+              <a:stCxn id="148" idx="6"/>
+              <a:endCxn id="149" idx="2"/>
+            </p:cNvCxnSpPr>
+            <p:nvPr/>
+          </p:nvCxnSpPr>
+          <p:spPr>
+            <a:xfrm>
+              <a:off x="6017423" y="2489843"/>
+              <a:ext cx="554035" cy="0"/>
+            </a:xfrm>
+            <a:prstGeom prst="straightConnector1">
+              <a:avLst/>
+            </a:prstGeom>
+            <a:ln w="12700">
+              <a:solidFill>
+                <a:schemeClr val="tx1"/>
+              </a:solidFill>
+              <a:headEnd type="none" w="med" len="med"/>
+              <a:tailEnd type="triangle" w="med" len="med"/>
+            </a:ln>
+          </p:spPr>
+          <p:style>
+            <a:lnRef idx="1">
+              <a:schemeClr val="accent1"/>
+            </a:lnRef>
+            <a:fillRef idx="0">
+              <a:schemeClr val="accent1"/>
+            </a:fillRef>
+            <a:effectRef idx="0">
+              <a:schemeClr val="accent1"/>
+            </a:effectRef>
+            <a:fontRef idx="minor">
+              <a:schemeClr val="tx1"/>
+            </a:fontRef>
+          </p:style>
+        </p:cxnSp>
+      </p:grpSp>
+      <p:sp>
+        <p:nvSpPr>
+          <p:cNvPr id="152" name="TextBox 151">
+            <a:extLst>
+              <a:ext uri="{FF2B5EF4-FFF2-40B4-BE49-F238E27FC236}">
+                <a16:creationId xmlns:a16="http://schemas.microsoft.com/office/drawing/2014/main" id="{BBBBC57F-3DDA-49A8-A735-105606293BDB}"/>
+              </a:ext>
+            </a:extLst>
+          </p:cNvPr>
+          <p:cNvSpPr txBox="1"/>
+          <p:nvPr/>
+        </p:nvSpPr>
+        <p:spPr>
+          <a:xfrm>
+            <a:off x="6111110" y="3334199"/>
+            <a:ext cx="1364476" cy="307777"/>
+          </a:xfrm>
+          <a:prstGeom prst="rect">
+            <a:avLst/>
+          </a:prstGeom>
+          <a:noFill/>
+        </p:spPr>
+        <p:txBody>
+          <a:bodyPr wrap="none" rtlCol="0">
+            <a:spAutoFit/>
+          </a:bodyPr>
+          <a:lstStyle/>
+          <a:p>
+            <a:r>
+              <a:rPr lang="en-GB" sz="1400" dirty="0"/>
+              <a:t>Null model (m4)</a:t>
+            </a:r>
+          </a:p>
+        </p:txBody>
+      </p:sp>
+    </p:spTree>
+    <p:extLst>
+      <p:ext uri="{BB962C8B-B14F-4D97-AF65-F5344CB8AC3E}">
+        <p14:creationId xmlns:p14="http://schemas.microsoft.com/office/powerpoint/2010/main" val="532069100"/>
+      </p:ext>
+    </p:extLst>
+  </p:cSld>
+  <p:clrMapOvr>
+    <a:masterClrMapping/>
+  </p:clrMapOvr>
+</p:sld>
+</file>
+
+<file path=ppt/slides/slide4.xml><?xml version="1.0" encoding="utf-8"?>
+<p:sld xmlns:a="http://schemas.openxmlformats.org/drawingml/2006/main" xmlns:r="http://schemas.openxmlformats.org/officeDocument/2006/relationships" xmlns:p="http://schemas.openxmlformats.org/presentationml/2006/main">
+  <p:cSld>
+    <p:spTree>
+      <p:nvGrpSpPr>
+        <p:cNvPr id="1" name=""/>
+        <p:cNvGrpSpPr/>
+        <p:nvPr/>
+      </p:nvGrpSpPr>
+      <p:grpSpPr>
+        <a:xfrm>
+          <a:off x="0" y="0"/>
+          <a:ext cx="0" cy="0"/>
+          <a:chOff x="0" y="0"/>
+          <a:chExt cx="0" cy="0"/>
+        </a:xfrm>
+      </p:grpSpPr>
+      <p:pic>
+        <p:nvPicPr>
+          <p:cNvPr id="6" name="Picture 5">
+            <a:extLst>
+              <a:ext uri="{FF2B5EF4-FFF2-40B4-BE49-F238E27FC236}">
+                <a16:creationId xmlns:a16="http://schemas.microsoft.com/office/drawing/2014/main" id="{96571991-3D18-4A16-BE3D-61B2DAF0CF44}"/>
+              </a:ext>
+            </a:extLst>
+          </p:cNvPr>
+          <p:cNvPicPr>
+            <a:picLocks noChangeAspect="1"/>
+          </p:cNvPicPr>
+          <p:nvPr/>
+        </p:nvPicPr>
+        <p:blipFill rotWithShape="1">
+          <a:blip r:embed="rId2"/>
+          <a:srcRect t="59178"/>
+          <a:stretch/>
+        </p:blipFill>
+        <p:spPr>
+          <a:xfrm>
+            <a:off x="3810055" y="447674"/>
+            <a:ext cx="4267200" cy="2033587"/>
+          </a:xfrm>
+          <a:prstGeom prst="rect">
+            <a:avLst/>
+          </a:prstGeom>
+        </p:spPr>
+      </p:pic>
+      <p:pic>
+        <p:nvPicPr>
+          <p:cNvPr id="7" name="Picture 6">
+            <a:extLst>
+              <a:ext uri="{FF2B5EF4-FFF2-40B4-BE49-F238E27FC236}">
+                <a16:creationId xmlns:a16="http://schemas.microsoft.com/office/drawing/2014/main" id="{4E308A16-E8F4-4FBE-93F5-B5F8B0756F73}"/>
+              </a:ext>
+            </a:extLst>
+          </p:cNvPr>
+          <p:cNvPicPr>
+            <a:picLocks noChangeAspect="1"/>
+          </p:cNvPicPr>
+          <p:nvPr/>
+        </p:nvPicPr>
+        <p:blipFill rotWithShape="1">
+          <a:blip r:embed="rId3"/>
+          <a:srcRect t="89197" r="30804"/>
+          <a:stretch/>
+        </p:blipFill>
+        <p:spPr>
+          <a:xfrm>
+            <a:off x="8505825" y="3159919"/>
+            <a:ext cx="2952750" cy="538162"/>
+          </a:xfrm>
+          <a:prstGeom prst="rect">
+            <a:avLst/>
+          </a:prstGeom>
+        </p:spPr>
+      </p:pic>
+      <p:pic>
+        <p:nvPicPr>
+          <p:cNvPr id="9" name="Picture 8">
+            <a:extLst>
+              <a:ext uri="{FF2B5EF4-FFF2-40B4-BE49-F238E27FC236}">
+                <a16:creationId xmlns:a16="http://schemas.microsoft.com/office/drawing/2014/main" id="{2C653062-A7C4-4E90-AE75-FE9C5379BF8C}"/>
+              </a:ext>
+            </a:extLst>
+          </p:cNvPr>
+          <p:cNvPicPr>
+            <a:picLocks noChangeAspect="1"/>
+          </p:cNvPicPr>
+          <p:nvPr/>
+        </p:nvPicPr>
+        <p:blipFill rotWithShape="1">
+          <a:blip r:embed="rId4">
+            <a:extLst>
+              <a:ext uri="{28A0092B-C50C-407E-A947-70E740481C1C}">
+                <a14:useLocalDpi xmlns:a14="http://schemas.microsoft.com/office/drawing/2010/main" val="0"/>
+              </a:ext>
+            </a:extLst>
+          </a:blip>
+          <a:srcRect t="9093"/>
+          <a:stretch/>
+        </p:blipFill>
+        <p:spPr>
+          <a:xfrm>
+            <a:off x="1390595" y="447674"/>
+            <a:ext cx="2133710" cy="2159061"/>
+          </a:xfrm>
+          <a:prstGeom prst="rect">
+            <a:avLst/>
+          </a:prstGeom>
+        </p:spPr>
+      </p:pic>
+      <p:sp>
+        <p:nvSpPr>
+          <p:cNvPr id="10" name="Oval 9">
+            <a:extLst>
+              <a:ext uri="{FF2B5EF4-FFF2-40B4-BE49-F238E27FC236}">
+                <a16:creationId xmlns:a16="http://schemas.microsoft.com/office/drawing/2014/main" id="{898BBA5D-A333-4FF1-B941-52CE97D7B2BD}"/>
+              </a:ext>
+            </a:extLst>
+          </p:cNvPr>
+          <p:cNvSpPr/>
+          <p:nvPr/>
+        </p:nvSpPr>
+        <p:spPr>
+          <a:xfrm>
+            <a:off x="1390595" y="2314575"/>
+            <a:ext cx="1352605" cy="292161"/>
+          </a:xfrm>
+          <a:prstGeom prst="ellipse">
+            <a:avLst/>
+          </a:prstGeom>
+          <a:noFill/>
+          <a:ln w="38100">
+            <a:solidFill>
+              <a:schemeClr val="accent2"/>
+            </a:solidFill>
+          </a:ln>
+        </p:spPr>
+        <p:style>
+          <a:lnRef idx="2">
+            <a:schemeClr val="accent1">
+              <a:shade val="50000"/>
+            </a:schemeClr>
+          </a:lnRef>
+          <a:fillRef idx="1">
+            <a:schemeClr val="accent1"/>
+          </a:fillRef>
+          <a:effectRef idx="0">
+            <a:schemeClr val="accent1"/>
+          </a:effectRef>
+          <a:fontRef idx="minor">
+            <a:schemeClr val="lt1"/>
+          </a:fontRef>
+        </p:style>
+        <p:txBody>
+          <a:bodyPr rtlCol="0" anchor="ctr"/>
+          <a:lstStyle/>
+          <a:p>
+            <a:pPr algn="ctr"/>
+            <a:endParaRPr lang="en-GB"/>
+          </a:p>
+        </p:txBody>
+      </p:sp>
+      <p:pic>
+        <p:nvPicPr>
+          <p:cNvPr id="12" name="Picture 11">
+            <a:extLst>
+              <a:ext uri="{FF2B5EF4-FFF2-40B4-BE49-F238E27FC236}">
+                <a16:creationId xmlns:a16="http://schemas.microsoft.com/office/drawing/2014/main" id="{2BAE8B85-169B-40F0-A00D-FA196A6BF66C}"/>
+              </a:ext>
+            </a:extLst>
+          </p:cNvPr>
+          <p:cNvPicPr>
+            <a:picLocks noChangeAspect="1"/>
+          </p:cNvPicPr>
+          <p:nvPr/>
+        </p:nvPicPr>
+        <p:blipFill rotWithShape="1">
+          <a:blip r:embed="rId5"/>
+          <a:srcRect b="59446"/>
+          <a:stretch/>
+        </p:blipFill>
+        <p:spPr>
+          <a:xfrm>
+            <a:off x="857250" y="4348162"/>
+            <a:ext cx="4267200" cy="1881188"/>
+          </a:xfrm>
+          <a:prstGeom prst="rect">
+            <a:avLst/>
+          </a:prstGeom>
+        </p:spPr>
+      </p:pic>
+      <p:pic>
+        <p:nvPicPr>
+          <p:cNvPr id="13" name="Picture 12">
+            <a:extLst>
+              <a:ext uri="{FF2B5EF4-FFF2-40B4-BE49-F238E27FC236}">
+                <a16:creationId xmlns:a16="http://schemas.microsoft.com/office/drawing/2014/main" id="{D532BD73-14CF-4BD1-ACFB-AD9DA0293FA4}"/>
+              </a:ext>
+            </a:extLst>
+          </p:cNvPr>
+          <p:cNvPicPr>
+            <a:picLocks noChangeAspect="1"/>
+          </p:cNvPicPr>
+          <p:nvPr/>
+        </p:nvPicPr>
+        <p:blipFill rotWithShape="1">
+          <a:blip r:embed="rId6"/>
+          <a:srcRect b="59446"/>
+          <a:stretch/>
+        </p:blipFill>
+        <p:spPr>
+          <a:xfrm>
+            <a:off x="5743575" y="4348161"/>
+            <a:ext cx="4267200" cy="1881188"/>
+          </a:xfrm>
+          <a:prstGeom prst="rect">
+            <a:avLst/>
+          </a:prstGeom>
+        </p:spPr>
+      </p:pic>
+    </p:spTree>
+    <p:extLst>
+      <p:ext uri="{BB962C8B-B14F-4D97-AF65-F5344CB8AC3E}">
+        <p14:creationId xmlns:p14="http://schemas.microsoft.com/office/powerpoint/2010/main" val="1475419345"/>
+      </p:ext>
+    </p:extLst>
+  </p:cSld>
+  <p:clrMapOvr>
+    <a:masterClrMapping/>
+  </p:clrMapOvr>
+</p:sld>
+</file>
+
+<file path=ppt/slides/slide5.xml><?xml version="1.0" encoding="utf-8"?>
+<p:sld xmlns:a="http://schemas.openxmlformats.org/drawingml/2006/main" xmlns:r="http://schemas.openxmlformats.org/officeDocument/2006/relationships" xmlns:p="http://schemas.openxmlformats.org/presentationml/2006/main">
+  <p:cSld>
+    <p:spTree>
+      <p:nvGrpSpPr>
+        <p:cNvPr id="1" name=""/>
+        <p:cNvGrpSpPr/>
+        <p:nvPr/>
+      </p:nvGrpSpPr>
+      <p:grpSpPr>
+        <a:xfrm>
+          <a:off x="0" y="0"/>
+          <a:ext cx="0" cy="0"/>
+          <a:chOff x="0" y="0"/>
+          <a:chExt cx="0" cy="0"/>
+        </a:xfrm>
+      </p:grpSpPr>
+      <p:grpSp>
+        <p:nvGrpSpPr>
+          <p:cNvPr id="44" name="Group 43">
+            <a:extLst>
+              <a:ext uri="{FF2B5EF4-FFF2-40B4-BE49-F238E27FC236}">
+                <a16:creationId xmlns:a16="http://schemas.microsoft.com/office/drawing/2014/main" id="{B4B8CB0C-0738-4E0B-9B4D-36BD55855E62}"/>
+              </a:ext>
+            </a:extLst>
+          </p:cNvPr>
+          <p:cNvGrpSpPr/>
+          <p:nvPr/>
+        </p:nvGrpSpPr>
+        <p:grpSpPr>
+          <a:xfrm>
+            <a:off x="3656257" y="938800"/>
+            <a:ext cx="3949147" cy="2203337"/>
+            <a:chOff x="3656257" y="938800"/>
+            <a:chExt cx="3949147" cy="2203337"/>
+          </a:xfrm>
+        </p:grpSpPr>
+        <p:grpSp>
+          <p:nvGrpSpPr>
+            <p:cNvPr id="35" name="Group 34">
+              <a:extLst>
+                <a:ext uri="{FF2B5EF4-FFF2-40B4-BE49-F238E27FC236}">
+                  <a16:creationId xmlns:a16="http://schemas.microsoft.com/office/drawing/2014/main" id="{43DED71C-24ED-428F-8BDA-22D8824B2427}"/>
+                </a:ext>
+              </a:extLst>
+            </p:cNvPr>
+            <p:cNvGrpSpPr/>
+            <p:nvPr/>
+          </p:nvGrpSpPr>
+          <p:grpSpPr>
+            <a:xfrm>
+              <a:off x="3656257" y="938800"/>
+              <a:ext cx="1860791" cy="2202995"/>
+              <a:chOff x="3656257" y="938800"/>
+              <a:chExt cx="1860791" cy="2202995"/>
+            </a:xfrm>
+          </p:grpSpPr>
+          <p:grpSp>
+            <p:nvGrpSpPr>
+              <p:cNvPr id="4" name="Group 3">
+                <a:extLst>
+                  <a:ext uri="{FF2B5EF4-FFF2-40B4-BE49-F238E27FC236}">
+                    <a16:creationId xmlns:a16="http://schemas.microsoft.com/office/drawing/2014/main" id="{4369ED12-1D7E-4998-9FA3-0077B9A001CD}"/>
+                  </a:ext>
+                </a:extLst>
+              </p:cNvPr>
+              <p:cNvGrpSpPr/>
+              <p:nvPr/>
+            </p:nvGrpSpPr>
+            <p:grpSpPr>
+              <a:xfrm>
+                <a:off x="3656257" y="1286687"/>
+                <a:ext cx="1860791" cy="1855108"/>
+                <a:chOff x="5375717" y="1999583"/>
+                <a:chExt cx="1860791" cy="1855108"/>
+              </a:xfrm>
+            </p:grpSpPr>
+            <p:grpSp>
+              <p:nvGrpSpPr>
+                <p:cNvPr id="5" name="Group 4">
+                  <a:extLst>
+                    <a:ext uri="{FF2B5EF4-FFF2-40B4-BE49-F238E27FC236}">
+                      <a16:creationId xmlns:a16="http://schemas.microsoft.com/office/drawing/2014/main" id="{3AEF9EF5-2EEB-4699-BF07-763EDBA44311}"/>
+                    </a:ext>
+                  </a:extLst>
+                </p:cNvPr>
+                <p:cNvGrpSpPr/>
+                <p:nvPr/>
+              </p:nvGrpSpPr>
+              <p:grpSpPr>
+                <a:xfrm>
+                  <a:off x="5630356" y="2296309"/>
+                  <a:ext cx="1328169" cy="1271608"/>
+                  <a:chOff x="2090085" y="1613211"/>
+                  <a:chExt cx="1913200" cy="1831725"/>
+                </a:xfrm>
+              </p:grpSpPr>
+              <p:sp>
+                <p:nvSpPr>
+                  <p:cNvPr id="30" name="Oval 29">
+                    <a:extLst>
+                      <a:ext uri="{FF2B5EF4-FFF2-40B4-BE49-F238E27FC236}">
+                        <a16:creationId xmlns:a16="http://schemas.microsoft.com/office/drawing/2014/main" id="{9398458A-8927-45A7-9D91-6EB1BB027A5F}"/>
+                      </a:ext>
+                    </a:extLst>
+                  </p:cNvPr>
+                  <p:cNvSpPr/>
+                  <p:nvPr/>
+                </p:nvSpPr>
+                <p:spPr>
+                  <a:xfrm>
+                    <a:off x="2090085" y="1613211"/>
+                    <a:ext cx="557562" cy="557562"/>
+                  </a:xfrm>
+                  <a:prstGeom prst="ellipse">
+                    <a:avLst/>
+                  </a:prstGeom>
+                </p:spPr>
+                <p:style>
+                  <a:lnRef idx="1">
+                    <a:schemeClr val="accent3"/>
+                  </a:lnRef>
+                  <a:fillRef idx="2">
+                    <a:schemeClr val="accent3"/>
+                  </a:fillRef>
+                  <a:effectRef idx="1">
+                    <a:schemeClr val="accent3"/>
+                  </a:effectRef>
+                  <a:fontRef idx="minor">
+                    <a:schemeClr val="dk1"/>
+                  </a:fontRef>
+                </p:style>
+                <p:txBody>
+                  <a:bodyPr lIns="0" tIns="0" rIns="0" bIns="0" rtlCol="0" anchor="ctr"/>
+                  <a:lstStyle/>
+                  <a:p>
+                    <a:pPr algn="ctr"/>
+                    <a:r>
+                      <a:rPr lang="en-GB" sz="1200" dirty="0"/>
+                      <a:t>ldF</a:t>
+                    </a:r>
+                  </a:p>
+                </p:txBody>
+              </p:sp>
+              <p:sp>
+                <p:nvSpPr>
+                  <p:cNvPr id="31" name="Oval 30">
+                    <a:extLst>
+                      <a:ext uri="{FF2B5EF4-FFF2-40B4-BE49-F238E27FC236}">
+                        <a16:creationId xmlns:a16="http://schemas.microsoft.com/office/drawing/2014/main" id="{A700D52A-9954-4BDF-9E76-B096F3D265F5}"/>
+                      </a:ext>
+                    </a:extLst>
+                  </p:cNvPr>
+                  <p:cNvSpPr/>
+                  <p:nvPr/>
+                </p:nvSpPr>
+                <p:spPr>
+                  <a:xfrm>
+                    <a:off x="3445723" y="1613211"/>
+                    <a:ext cx="557562" cy="557562"/>
+                  </a:xfrm>
+                  <a:prstGeom prst="ellipse">
+                    <a:avLst/>
+                  </a:prstGeom>
+                </p:spPr>
+                <p:style>
+                  <a:lnRef idx="1">
+                    <a:schemeClr val="accent3"/>
+                  </a:lnRef>
+                  <a:fillRef idx="2">
+                    <a:schemeClr val="accent3"/>
+                  </a:fillRef>
+                  <a:effectRef idx="1">
+                    <a:schemeClr val="accent3"/>
+                  </a:effectRef>
+                  <a:fontRef idx="minor">
+                    <a:schemeClr val="dk1"/>
+                  </a:fontRef>
+                </p:style>
+                <p:txBody>
+                  <a:bodyPr lIns="0" tIns="0" rIns="0" bIns="0" rtlCol="0" anchor="ctr"/>
+                  <a:lstStyle/>
+                  <a:p>
+                    <a:pPr algn="ctr"/>
+                    <a:r>
+                      <a:rPr lang="en-GB" sz="1200" dirty="0"/>
+                      <a:t>rdF</a:t>
+                    </a:r>
+                  </a:p>
+                </p:txBody>
+              </p:sp>
+              <p:sp>
+                <p:nvSpPr>
+                  <p:cNvPr id="32" name="Oval 31">
+                    <a:extLst>
+                      <a:ext uri="{FF2B5EF4-FFF2-40B4-BE49-F238E27FC236}">
+                        <a16:creationId xmlns:a16="http://schemas.microsoft.com/office/drawing/2014/main" id="{D7E12F23-DA90-492D-84CF-3EA1BCB9FFE1}"/>
+                      </a:ext>
+                    </a:extLst>
+                  </p:cNvPr>
+                  <p:cNvSpPr/>
+                  <p:nvPr/>
+                </p:nvSpPr>
+                <p:spPr>
+                  <a:xfrm>
+                    <a:off x="2090085" y="2887374"/>
+                    <a:ext cx="557562" cy="557562"/>
+                  </a:xfrm>
+                  <a:prstGeom prst="ellipse">
+                    <a:avLst/>
+                  </a:prstGeom>
+                </p:spPr>
+                <p:style>
+                  <a:lnRef idx="1">
+                    <a:schemeClr val="accent3"/>
+                  </a:lnRef>
+                  <a:fillRef idx="2">
+                    <a:schemeClr val="accent3"/>
+                  </a:fillRef>
+                  <a:effectRef idx="1">
+                    <a:schemeClr val="accent3"/>
+                  </a:effectRef>
+                  <a:fontRef idx="minor">
+                    <a:schemeClr val="dk1"/>
+                  </a:fontRef>
+                </p:style>
+                <p:txBody>
+                  <a:bodyPr lIns="0" tIns="0" rIns="0" bIns="0" rtlCol="0" anchor="ctr"/>
+                  <a:lstStyle/>
+                  <a:p>
+                    <a:pPr algn="ctr"/>
+                    <a:r>
+                      <a:rPr lang="en-GB" sz="1200" dirty="0"/>
+                      <a:t>lvF</a:t>
+                    </a:r>
+                  </a:p>
+                </p:txBody>
+              </p:sp>
+              <p:sp>
+                <p:nvSpPr>
+                  <p:cNvPr id="33" name="Oval 32">
+                    <a:extLst>
+                      <a:ext uri="{FF2B5EF4-FFF2-40B4-BE49-F238E27FC236}">
+                        <a16:creationId xmlns:a16="http://schemas.microsoft.com/office/drawing/2014/main" id="{3254E0FA-962F-42BB-9755-BE27221A2BD9}"/>
+                      </a:ext>
+                    </a:extLst>
+                  </p:cNvPr>
+                  <p:cNvSpPr/>
+                  <p:nvPr/>
+                </p:nvSpPr>
+                <p:spPr>
+                  <a:xfrm>
+                    <a:off x="3445723" y="2887374"/>
+                    <a:ext cx="557562" cy="557562"/>
+                  </a:xfrm>
+                  <a:prstGeom prst="ellipse">
+                    <a:avLst/>
+                  </a:prstGeom>
+                </p:spPr>
+                <p:style>
+                  <a:lnRef idx="1">
+                    <a:schemeClr val="accent3"/>
+                  </a:lnRef>
+                  <a:fillRef idx="2">
+                    <a:schemeClr val="accent3"/>
+                  </a:fillRef>
+                  <a:effectRef idx="1">
+                    <a:schemeClr val="accent3"/>
+                  </a:effectRef>
+                  <a:fontRef idx="minor">
+                    <a:schemeClr val="dk1"/>
+                  </a:fontRef>
+                </p:style>
+                <p:txBody>
+                  <a:bodyPr lIns="0" tIns="0" rIns="0" bIns="0" rtlCol="0" anchor="ctr"/>
+                  <a:lstStyle/>
+                  <a:p>
+                    <a:pPr algn="ctr"/>
+                    <a:r>
+                      <a:rPr lang="en-GB" sz="1200" dirty="0"/>
+                      <a:t>rvF</a:t>
+                    </a:r>
+                  </a:p>
+                </p:txBody>
+              </p:sp>
+            </p:grpSp>
+            <p:sp>
+              <p:nvSpPr>
+                <p:cNvPr id="6" name="Arc 5">
+                  <a:extLst>
+                    <a:ext uri="{FF2B5EF4-FFF2-40B4-BE49-F238E27FC236}">
+                      <a16:creationId xmlns:a16="http://schemas.microsoft.com/office/drawing/2014/main" id="{DB6BEFB9-9724-472F-A57A-1C60C94C8AED}"/>
+                    </a:ext>
+                  </a:extLst>
+                </p:cNvPr>
+                <p:cNvSpPr/>
+                <p:nvPr/>
+              </p:nvSpPr>
+              <p:spPr>
+                <a:xfrm>
+                  <a:off x="5500946" y="2140191"/>
+                  <a:ext cx="327347" cy="312236"/>
+                </a:xfrm>
+                <a:prstGeom prst="arc">
+                  <a:avLst>
+                    <a:gd name="adj1" fmla="val 6599244"/>
+                    <a:gd name="adj2" fmla="val 0"/>
+                  </a:avLst>
+                </a:prstGeom>
+                <a:ln>
+                  <a:solidFill>
+                    <a:schemeClr val="tx1"/>
+                  </a:solidFill>
+                  <a:headEnd type="oval" w="med" len="med"/>
+                  <a:tailEnd type="none" w="med" len="med"/>
+                </a:ln>
+              </p:spPr>
+              <p:style>
+                <a:lnRef idx="1">
+                  <a:schemeClr val="accent1"/>
+                </a:lnRef>
+                <a:fillRef idx="0">
+                  <a:schemeClr val="accent1"/>
+                </a:fillRef>
+                <a:effectRef idx="0">
+                  <a:schemeClr val="accent1"/>
+                </a:effectRef>
+                <a:fontRef idx="minor">
+                  <a:schemeClr val="tx1"/>
+                </a:fontRef>
+              </p:style>
+              <p:txBody>
+                <a:bodyPr rtlCol="0" anchor="ctr"/>
+                <a:lstStyle/>
+                <a:p>
+                  <a:pPr algn="ctr"/>
+                  <a:endParaRPr lang="en-GB"/>
+                </a:p>
+              </p:txBody>
+            </p:sp>
+            <p:sp>
+              <p:nvSpPr>
+                <p:cNvPr id="7" name="Arc 6">
+                  <a:extLst>
+                    <a:ext uri="{FF2B5EF4-FFF2-40B4-BE49-F238E27FC236}">
+                      <a16:creationId xmlns:a16="http://schemas.microsoft.com/office/drawing/2014/main" id="{AB8B4C89-3AF6-47A2-A410-8BB85B5F79D8}"/>
+                    </a:ext>
+                  </a:extLst>
+                </p:cNvPr>
+                <p:cNvSpPr/>
+                <p:nvPr/>
+              </p:nvSpPr>
+              <p:spPr>
+                <a:xfrm flipH="1">
+                  <a:off x="6764990" y="2140191"/>
+                  <a:ext cx="327347" cy="312236"/>
+                </a:xfrm>
+                <a:prstGeom prst="arc">
+                  <a:avLst>
+                    <a:gd name="adj1" fmla="val 6599244"/>
+                    <a:gd name="adj2" fmla="val 0"/>
+                  </a:avLst>
+                </a:prstGeom>
+                <a:ln>
+                  <a:solidFill>
+                    <a:schemeClr val="tx1"/>
+                  </a:solidFill>
+                  <a:headEnd type="oval" w="med" len="med"/>
+                  <a:tailEnd type="none" w="med" len="med"/>
+                </a:ln>
+              </p:spPr>
+              <p:style>
+                <a:lnRef idx="1">
+                  <a:schemeClr val="accent1"/>
+                </a:lnRef>
+                <a:fillRef idx="0">
+                  <a:schemeClr val="accent1"/>
+                </a:fillRef>
+                <a:effectRef idx="0">
+                  <a:schemeClr val="accent1"/>
+                </a:effectRef>
+                <a:fontRef idx="minor">
+                  <a:schemeClr val="tx1"/>
+                </a:fontRef>
+              </p:style>
+              <p:txBody>
+                <a:bodyPr rtlCol="0" anchor="ctr"/>
+                <a:lstStyle/>
+                <a:p>
+                  <a:pPr algn="ctr"/>
+                  <a:endParaRPr lang="en-GB"/>
+                </a:p>
+              </p:txBody>
+            </p:sp>
+            <p:sp>
+              <p:nvSpPr>
+                <p:cNvPr id="8" name="Arc 7">
+                  <a:extLst>
+                    <a:ext uri="{FF2B5EF4-FFF2-40B4-BE49-F238E27FC236}">
+                      <a16:creationId xmlns:a16="http://schemas.microsoft.com/office/drawing/2014/main" id="{7715237C-CE41-425D-9769-9CA875EFD864}"/>
+                    </a:ext>
+                  </a:extLst>
+                </p:cNvPr>
+                <p:cNvSpPr/>
+                <p:nvPr/>
+              </p:nvSpPr>
+              <p:spPr>
+                <a:xfrm flipV="1">
+                  <a:off x="5496542" y="3394696"/>
+                  <a:ext cx="327347" cy="312236"/>
+                </a:xfrm>
+                <a:prstGeom prst="arc">
+                  <a:avLst>
+                    <a:gd name="adj1" fmla="val 6599244"/>
+                    <a:gd name="adj2" fmla="val 0"/>
+                  </a:avLst>
+                </a:prstGeom>
+                <a:ln>
+                  <a:solidFill>
+                    <a:schemeClr val="tx1"/>
+                  </a:solidFill>
+                  <a:headEnd type="oval" w="med" len="med"/>
+                  <a:tailEnd type="none" w="med" len="med"/>
+                </a:ln>
+              </p:spPr>
+              <p:style>
+                <a:lnRef idx="1">
+                  <a:schemeClr val="accent1"/>
+                </a:lnRef>
+                <a:fillRef idx="0">
+                  <a:schemeClr val="accent1"/>
+                </a:fillRef>
+                <a:effectRef idx="0">
+                  <a:schemeClr val="accent1"/>
+                </a:effectRef>
+                <a:fontRef idx="minor">
+                  <a:schemeClr val="tx1"/>
+                </a:fontRef>
+              </p:style>
+              <p:txBody>
+                <a:bodyPr rtlCol="0" anchor="ctr"/>
+                <a:lstStyle/>
+                <a:p>
+                  <a:pPr algn="ctr"/>
+                  <a:endParaRPr lang="en-GB"/>
+                </a:p>
+              </p:txBody>
+            </p:sp>
+            <p:sp>
+              <p:nvSpPr>
+                <p:cNvPr id="9" name="Arc 8">
+                  <a:extLst>
+                    <a:ext uri="{FF2B5EF4-FFF2-40B4-BE49-F238E27FC236}">
+                      <a16:creationId xmlns:a16="http://schemas.microsoft.com/office/drawing/2014/main" id="{E1F50150-5B25-4142-AF6C-326E7756B3D0}"/>
+                    </a:ext>
+                  </a:extLst>
+                </p:cNvPr>
+                <p:cNvSpPr/>
+                <p:nvPr/>
+              </p:nvSpPr>
+              <p:spPr>
+                <a:xfrm flipH="1" flipV="1">
+                  <a:off x="6764991" y="3411799"/>
+                  <a:ext cx="327347" cy="312236"/>
+                </a:xfrm>
+                <a:prstGeom prst="arc">
+                  <a:avLst>
+                    <a:gd name="adj1" fmla="val 6599244"/>
+                    <a:gd name="adj2" fmla="val 0"/>
+                  </a:avLst>
+                </a:prstGeom>
+                <a:ln>
+                  <a:solidFill>
+                    <a:schemeClr val="tx1"/>
+                  </a:solidFill>
+                  <a:headEnd type="oval" w="med" len="med"/>
+                  <a:tailEnd type="none" w="med" len="med"/>
+                </a:ln>
+              </p:spPr>
+              <p:style>
+                <a:lnRef idx="1">
+                  <a:schemeClr val="accent1"/>
+                </a:lnRef>
+                <a:fillRef idx="0">
+                  <a:schemeClr val="accent1"/>
+                </a:fillRef>
+                <a:effectRef idx="0">
+                  <a:schemeClr val="accent1"/>
+                </a:effectRef>
+                <a:fontRef idx="minor">
+                  <a:schemeClr val="tx1"/>
+                </a:fontRef>
+              </p:style>
+              <p:txBody>
+                <a:bodyPr rtlCol="0" anchor="ctr"/>
+                <a:lstStyle/>
+                <a:p>
+                  <a:pPr algn="ctr"/>
+                  <a:endParaRPr lang="en-GB"/>
+                </a:p>
+              </p:txBody>
+            </p:sp>
+            <p:cxnSp>
+              <p:nvCxnSpPr>
+                <p:cNvPr id="10" name="Straight Arrow Connector 9">
+                  <a:extLst>
+                    <a:ext uri="{FF2B5EF4-FFF2-40B4-BE49-F238E27FC236}">
+                      <a16:creationId xmlns:a16="http://schemas.microsoft.com/office/drawing/2014/main" id="{B70B411B-D3C4-4434-8168-5ED60D85BB1D}"/>
+                    </a:ext>
+                  </a:extLst>
+                </p:cNvPr>
+                <p:cNvCxnSpPr/>
+                <p:nvPr/>
+              </p:nvCxnSpPr>
+              <p:spPr>
+                <a:xfrm>
+                  <a:off x="5911112" y="1999583"/>
+                  <a:ext cx="0" cy="277960"/>
+                </a:xfrm>
+                <a:prstGeom prst="straightConnector1">
+                  <a:avLst/>
+                </a:prstGeom>
+                <a:ln w="28575">
+                  <a:solidFill>
+                    <a:srgbClr val="38528C"/>
+                  </a:solidFill>
+                  <a:prstDash val="sysDot"/>
+                  <a:tailEnd type="triangle"/>
+                </a:ln>
+              </p:spPr>
+              <p:style>
+                <a:lnRef idx="1">
+                  <a:schemeClr val="accent1"/>
+                </a:lnRef>
+                <a:fillRef idx="0">
+                  <a:schemeClr val="accent1"/>
+                </a:fillRef>
+                <a:effectRef idx="0">
+                  <a:schemeClr val="accent1"/>
+                </a:effectRef>
+                <a:fontRef idx="minor">
+                  <a:schemeClr val="tx1"/>
+                </a:fontRef>
+              </p:style>
+            </p:cxnSp>
+            <p:cxnSp>
+              <p:nvCxnSpPr>
+                <p:cNvPr id="11" name="Straight Arrow Connector 10">
+                  <a:extLst>
+                    <a:ext uri="{FF2B5EF4-FFF2-40B4-BE49-F238E27FC236}">
+                      <a16:creationId xmlns:a16="http://schemas.microsoft.com/office/drawing/2014/main" id="{C0A8AA24-71C3-4084-90D3-AD0E7701FDF3}"/>
+                    </a:ext>
+                  </a:extLst>
+                </p:cNvPr>
+                <p:cNvCxnSpPr/>
+                <p:nvPr/>
+              </p:nvCxnSpPr>
+              <p:spPr>
+                <a:xfrm>
+                  <a:off x="6678174" y="1999583"/>
+                  <a:ext cx="0" cy="277960"/>
+                </a:xfrm>
+                <a:prstGeom prst="straightConnector1">
+                  <a:avLst/>
+                </a:prstGeom>
+                <a:ln w="28575">
+                  <a:solidFill>
+                    <a:srgbClr val="38528C"/>
+                  </a:solidFill>
+                  <a:prstDash val="sysDot"/>
+                  <a:tailEnd type="triangle"/>
+                </a:ln>
+              </p:spPr>
+              <p:style>
+                <a:lnRef idx="1">
+                  <a:schemeClr val="accent1"/>
+                </a:lnRef>
+                <a:fillRef idx="0">
+                  <a:schemeClr val="accent1"/>
+                </a:fillRef>
+                <a:effectRef idx="0">
+                  <a:schemeClr val="accent1"/>
+                </a:effectRef>
+                <a:fontRef idx="minor">
+                  <a:schemeClr val="tx1"/>
+                </a:fontRef>
+              </p:style>
+            </p:cxnSp>
+            <p:cxnSp>
+              <p:nvCxnSpPr>
+                <p:cNvPr id="12" name="Straight Arrow Connector 11">
+                  <a:extLst>
+                    <a:ext uri="{FF2B5EF4-FFF2-40B4-BE49-F238E27FC236}">
+                      <a16:creationId xmlns:a16="http://schemas.microsoft.com/office/drawing/2014/main" id="{479F7211-55A5-4726-982A-AC9E00D01B53}"/>
+                    </a:ext>
+                  </a:extLst>
+                </p:cNvPr>
+                <p:cNvCxnSpPr/>
+                <p:nvPr/>
+              </p:nvCxnSpPr>
+              <p:spPr>
+                <a:xfrm flipV="1">
+                  <a:off x="5911112" y="3564057"/>
+                  <a:ext cx="0" cy="277960"/>
+                </a:xfrm>
+                <a:prstGeom prst="straightConnector1">
+                  <a:avLst/>
+                </a:prstGeom>
+                <a:ln w="28575">
+                  <a:solidFill>
+                    <a:srgbClr val="38528C"/>
+                  </a:solidFill>
+                  <a:prstDash val="sysDot"/>
+                  <a:tailEnd type="triangle"/>
+                </a:ln>
+              </p:spPr>
+              <p:style>
+                <a:lnRef idx="1">
+                  <a:schemeClr val="accent1"/>
+                </a:lnRef>
+                <a:fillRef idx="0">
+                  <a:schemeClr val="accent1"/>
+                </a:fillRef>
+                <a:effectRef idx="0">
+                  <a:schemeClr val="accent1"/>
+                </a:effectRef>
+                <a:fontRef idx="minor">
+                  <a:schemeClr val="tx1"/>
+                </a:fontRef>
+              </p:style>
+            </p:cxnSp>
+            <p:cxnSp>
+              <p:nvCxnSpPr>
+                <p:cNvPr id="13" name="Straight Arrow Connector 12">
+                  <a:extLst>
+                    <a:ext uri="{FF2B5EF4-FFF2-40B4-BE49-F238E27FC236}">
+                      <a16:creationId xmlns:a16="http://schemas.microsoft.com/office/drawing/2014/main" id="{340CA8E8-B61E-472F-83FC-2E46582CE10C}"/>
+                    </a:ext>
+                  </a:extLst>
+                </p:cNvPr>
+                <p:cNvCxnSpPr/>
+                <p:nvPr/>
+              </p:nvCxnSpPr>
+              <p:spPr>
+                <a:xfrm flipV="1">
+                  <a:off x="6678174" y="3564057"/>
+                  <a:ext cx="0" cy="277960"/>
+                </a:xfrm>
+                <a:prstGeom prst="straightConnector1">
+                  <a:avLst/>
+                </a:prstGeom>
+                <a:ln w="28575">
+                  <a:solidFill>
+                    <a:srgbClr val="38528C"/>
+                  </a:solidFill>
+                  <a:prstDash val="sysDot"/>
+                  <a:tailEnd type="triangle"/>
+                </a:ln>
+              </p:spPr>
+              <p:style>
+                <a:lnRef idx="1">
+                  <a:schemeClr val="accent1"/>
+                </a:lnRef>
+                <a:fillRef idx="0">
+                  <a:schemeClr val="accent1"/>
+                </a:fillRef>
+                <a:effectRef idx="0">
+                  <a:schemeClr val="accent1"/>
+                </a:effectRef>
+                <a:fontRef idx="minor">
+                  <a:schemeClr val="tx1"/>
+                </a:fontRef>
+              </p:style>
+            </p:cxnSp>
+            <p:cxnSp>
+              <p:nvCxnSpPr>
+                <p:cNvPr id="14" name="Straight Arrow Connector 13">
+                  <a:extLst>
+                    <a:ext uri="{FF2B5EF4-FFF2-40B4-BE49-F238E27FC236}">
+                      <a16:creationId xmlns:a16="http://schemas.microsoft.com/office/drawing/2014/main" id="{9FE495E5-9EC4-4F74-831D-D8EF1B3BFAB5}"/>
+                    </a:ext>
+                  </a:extLst>
+                </p:cNvPr>
+                <p:cNvCxnSpPr/>
+                <p:nvPr/>
+              </p:nvCxnSpPr>
+              <p:spPr>
+                <a:xfrm>
+                  <a:off x="5458440" y="2018633"/>
+                  <a:ext cx="133814" cy="140608"/>
+                </a:xfrm>
+                <a:prstGeom prst="straightConnector1">
+                  <a:avLst/>
+                </a:prstGeom>
+                <a:ln w="28575">
+                  <a:solidFill>
+                    <a:srgbClr val="CC444E"/>
+                  </a:solidFill>
+                  <a:prstDash val="sysDash"/>
+                  <a:tailEnd type="oval"/>
+                </a:ln>
+              </p:spPr>
+              <p:style>
+                <a:lnRef idx="1">
+                  <a:schemeClr val="accent1"/>
+                </a:lnRef>
+                <a:fillRef idx="0">
+                  <a:schemeClr val="accent1"/>
+                </a:fillRef>
+                <a:effectRef idx="0">
+                  <a:schemeClr val="accent1"/>
+                </a:effectRef>
+                <a:fontRef idx="minor">
+                  <a:schemeClr val="tx1"/>
+                </a:fontRef>
+              </p:style>
+            </p:cxnSp>
+            <p:cxnSp>
+              <p:nvCxnSpPr>
+                <p:cNvPr id="15" name="Straight Arrow Connector 14">
+                  <a:extLst>
+                    <a:ext uri="{FF2B5EF4-FFF2-40B4-BE49-F238E27FC236}">
+                      <a16:creationId xmlns:a16="http://schemas.microsoft.com/office/drawing/2014/main" id="{8C02FED0-046C-4F5C-BEA6-9D00ABF6FC95}"/>
+                    </a:ext>
+                  </a:extLst>
+                </p:cNvPr>
+                <p:cNvCxnSpPr/>
+                <p:nvPr/>
+              </p:nvCxnSpPr>
+              <p:spPr>
+                <a:xfrm flipH="1">
+                  <a:off x="6968880" y="2018633"/>
+                  <a:ext cx="133814" cy="140608"/>
+                </a:xfrm>
+                <a:prstGeom prst="straightConnector1">
+                  <a:avLst/>
+                </a:prstGeom>
+                <a:ln w="28575">
+                  <a:solidFill>
+                    <a:srgbClr val="CC444E"/>
+                  </a:solidFill>
+                  <a:prstDash val="sysDash"/>
+                  <a:tailEnd type="oval"/>
+                </a:ln>
+              </p:spPr>
+              <p:style>
+                <a:lnRef idx="1">
+                  <a:schemeClr val="accent1"/>
+                </a:lnRef>
+                <a:fillRef idx="0">
+                  <a:schemeClr val="accent1"/>
+                </a:fillRef>
+                <a:effectRef idx="0">
+                  <a:schemeClr val="accent1"/>
+                </a:effectRef>
+                <a:fontRef idx="minor">
+                  <a:schemeClr val="tx1"/>
+                </a:fontRef>
+              </p:style>
+            </p:cxnSp>
+            <p:cxnSp>
+              <p:nvCxnSpPr>
+                <p:cNvPr id="16" name="Straight Arrow Connector 15">
+                  <a:extLst>
+                    <a:ext uri="{FF2B5EF4-FFF2-40B4-BE49-F238E27FC236}">
+                      <a16:creationId xmlns:a16="http://schemas.microsoft.com/office/drawing/2014/main" id="{87AC6AC1-72A7-4F0C-9732-5C109361BED1}"/>
+                    </a:ext>
+                  </a:extLst>
+                </p:cNvPr>
+                <p:cNvCxnSpPr/>
+                <p:nvPr/>
+              </p:nvCxnSpPr>
+              <p:spPr>
+                <a:xfrm flipV="1">
+                  <a:off x="5496540" y="3714083"/>
+                  <a:ext cx="133814" cy="140608"/>
+                </a:xfrm>
+                <a:prstGeom prst="straightConnector1">
+                  <a:avLst/>
+                </a:prstGeom>
+                <a:ln w="28575">
+                  <a:solidFill>
+                    <a:srgbClr val="CC444E"/>
+                  </a:solidFill>
+                  <a:prstDash val="sysDash"/>
+                  <a:tailEnd type="oval"/>
+                </a:ln>
+              </p:spPr>
+              <p:style>
+                <a:lnRef idx="1">
+                  <a:schemeClr val="accent1"/>
+                </a:lnRef>
+                <a:fillRef idx="0">
+                  <a:schemeClr val="accent1"/>
+                </a:fillRef>
+                <a:effectRef idx="0">
+                  <a:schemeClr val="accent1"/>
+                </a:effectRef>
+                <a:fontRef idx="minor">
+                  <a:schemeClr val="tx1"/>
+                </a:fontRef>
+              </p:style>
+            </p:cxnSp>
+            <p:cxnSp>
+              <p:nvCxnSpPr>
+                <p:cNvPr id="17" name="Straight Arrow Connector 16">
+                  <a:extLst>
+                    <a:ext uri="{FF2B5EF4-FFF2-40B4-BE49-F238E27FC236}">
+                      <a16:creationId xmlns:a16="http://schemas.microsoft.com/office/drawing/2014/main" id="{3AA6A49C-54B4-4FFE-9762-19B2B3B171B3}"/>
+                    </a:ext>
+                  </a:extLst>
+                </p:cNvPr>
+                <p:cNvCxnSpPr/>
+                <p:nvPr/>
+              </p:nvCxnSpPr>
+              <p:spPr>
+                <a:xfrm flipH="1" flipV="1">
+                  <a:off x="7006980" y="3714083"/>
+                  <a:ext cx="133814" cy="140608"/>
+                </a:xfrm>
+                <a:prstGeom prst="straightConnector1">
+                  <a:avLst/>
+                </a:prstGeom>
+                <a:ln w="28575">
+                  <a:solidFill>
+                    <a:srgbClr val="CC444E"/>
+                  </a:solidFill>
+                  <a:prstDash val="sysDash"/>
+                  <a:tailEnd type="oval"/>
+                </a:ln>
+              </p:spPr>
+              <p:style>
+                <a:lnRef idx="1">
+                  <a:schemeClr val="accent1"/>
+                </a:lnRef>
+                <a:fillRef idx="0">
+                  <a:schemeClr val="accent1"/>
+                </a:fillRef>
+                <a:effectRef idx="0">
+                  <a:schemeClr val="accent1"/>
+                </a:effectRef>
+                <a:fontRef idx="minor">
+                  <a:schemeClr val="tx1"/>
+                </a:fontRef>
+              </p:style>
+            </p:cxnSp>
+            <p:cxnSp>
+              <p:nvCxnSpPr>
+                <p:cNvPr id="18" name="Straight Arrow Connector 17">
+                  <a:extLst>
+                    <a:ext uri="{FF2B5EF4-FFF2-40B4-BE49-F238E27FC236}">
+                      <a16:creationId xmlns:a16="http://schemas.microsoft.com/office/drawing/2014/main" id="{CBFADE95-0B0A-48CE-996D-F2283AB59F46}"/>
+                    </a:ext>
+                  </a:extLst>
+                </p:cNvPr>
+                <p:cNvCxnSpPr/>
+                <p:nvPr/>
+              </p:nvCxnSpPr>
+              <p:spPr>
+                <a:xfrm>
+                  <a:off x="5375717" y="2112246"/>
+                  <a:ext cx="133814" cy="140608"/>
+                </a:xfrm>
+                <a:prstGeom prst="straightConnector1">
+                  <a:avLst/>
+                </a:prstGeom>
+                <a:ln w="28575">
+                  <a:solidFill>
+                    <a:srgbClr val="49AD39"/>
+                  </a:solidFill>
+                  <a:prstDash val="sysDot"/>
+                  <a:tailEnd type="oval"/>
+                </a:ln>
+              </p:spPr>
+              <p:style>
+                <a:lnRef idx="1">
+                  <a:schemeClr val="accent1"/>
+                </a:lnRef>
+                <a:fillRef idx="0">
+                  <a:schemeClr val="accent1"/>
+                </a:fillRef>
+                <a:effectRef idx="0">
+                  <a:schemeClr val="accent1"/>
+                </a:effectRef>
+                <a:fontRef idx="minor">
+                  <a:schemeClr val="tx1"/>
+                </a:fontRef>
+              </p:style>
+            </p:cxnSp>
+            <p:cxnSp>
+              <p:nvCxnSpPr>
+                <p:cNvPr id="19" name="Straight Arrow Connector 18">
+                  <a:extLst>
+                    <a:ext uri="{FF2B5EF4-FFF2-40B4-BE49-F238E27FC236}">
+                      <a16:creationId xmlns:a16="http://schemas.microsoft.com/office/drawing/2014/main" id="{6F60B47C-6F88-4906-8DED-F1C8C54D5892}"/>
+                    </a:ext>
+                  </a:extLst>
+                </p:cNvPr>
+                <p:cNvCxnSpPr/>
+                <p:nvPr/>
+              </p:nvCxnSpPr>
+              <p:spPr>
+                <a:xfrm flipH="1">
+                  <a:off x="7088175" y="2088937"/>
+                  <a:ext cx="133814" cy="140608"/>
+                </a:xfrm>
+                <a:prstGeom prst="straightConnector1">
+                  <a:avLst/>
+                </a:prstGeom>
+                <a:ln w="28575">
+                  <a:solidFill>
+                    <a:srgbClr val="49AD39"/>
+                  </a:solidFill>
+                  <a:prstDash val="sysDot"/>
+                  <a:tailEnd type="oval"/>
+                </a:ln>
+              </p:spPr>
+              <p:style>
+                <a:lnRef idx="1">
+                  <a:schemeClr val="accent1"/>
+                </a:lnRef>
+                <a:fillRef idx="0">
+                  <a:schemeClr val="accent1"/>
+                </a:fillRef>
+                <a:effectRef idx="0">
+                  <a:schemeClr val="accent1"/>
+                </a:effectRef>
+                <a:fontRef idx="minor">
+                  <a:schemeClr val="tx1"/>
+                </a:fontRef>
+              </p:style>
+            </p:cxnSp>
+            <p:cxnSp>
+              <p:nvCxnSpPr>
+                <p:cNvPr id="20" name="Straight Arrow Connector 19">
+                  <a:extLst>
+                    <a:ext uri="{FF2B5EF4-FFF2-40B4-BE49-F238E27FC236}">
+                      <a16:creationId xmlns:a16="http://schemas.microsoft.com/office/drawing/2014/main" id="{26500C57-C729-435F-A42F-B46C4D8AE208}"/>
+                    </a:ext>
+                  </a:extLst>
+                </p:cNvPr>
+                <p:cNvCxnSpPr/>
+                <p:nvPr/>
+              </p:nvCxnSpPr>
+              <p:spPr>
+                <a:xfrm flipV="1">
+                  <a:off x="5390236" y="3623787"/>
+                  <a:ext cx="133814" cy="140608"/>
+                </a:xfrm>
+                <a:prstGeom prst="straightConnector1">
+                  <a:avLst/>
+                </a:prstGeom>
+                <a:ln w="28575">
+                  <a:solidFill>
+                    <a:srgbClr val="49AD39"/>
+                  </a:solidFill>
+                  <a:prstDash val="sysDot"/>
+                  <a:tailEnd type="oval"/>
+                </a:ln>
+              </p:spPr>
+              <p:style>
+                <a:lnRef idx="1">
+                  <a:schemeClr val="accent1"/>
+                </a:lnRef>
+                <a:fillRef idx="0">
+                  <a:schemeClr val="accent1"/>
+                </a:fillRef>
+                <a:effectRef idx="0">
+                  <a:schemeClr val="accent1"/>
+                </a:effectRef>
+                <a:fontRef idx="minor">
+                  <a:schemeClr val="tx1"/>
+                </a:fontRef>
+              </p:style>
+            </p:cxnSp>
+            <p:cxnSp>
+              <p:nvCxnSpPr>
+                <p:cNvPr id="21" name="Straight Arrow Connector 20">
+                  <a:extLst>
+                    <a:ext uri="{FF2B5EF4-FFF2-40B4-BE49-F238E27FC236}">
+                      <a16:creationId xmlns:a16="http://schemas.microsoft.com/office/drawing/2014/main" id="{D558CF84-8003-4DE5-8087-D56B56B9CD35}"/>
+                    </a:ext>
+                  </a:extLst>
+                </p:cNvPr>
+                <p:cNvCxnSpPr/>
+                <p:nvPr/>
+              </p:nvCxnSpPr>
+              <p:spPr>
+                <a:xfrm flipH="1" flipV="1">
+                  <a:off x="7102694" y="3600478"/>
+                  <a:ext cx="133814" cy="140608"/>
+                </a:xfrm>
+                <a:prstGeom prst="straightConnector1">
+                  <a:avLst/>
+                </a:prstGeom>
+                <a:ln w="28575">
+                  <a:solidFill>
+                    <a:srgbClr val="49AD39"/>
+                  </a:solidFill>
+                  <a:prstDash val="sysDot"/>
+                  <a:tailEnd type="oval"/>
+                </a:ln>
+              </p:spPr>
+              <p:style>
+                <a:lnRef idx="1">
+                  <a:schemeClr val="accent1"/>
+                </a:lnRef>
+                <a:fillRef idx="0">
+                  <a:schemeClr val="accent1"/>
+                </a:fillRef>
+                <a:effectRef idx="0">
+                  <a:schemeClr val="accent1"/>
+                </a:effectRef>
+                <a:fontRef idx="minor">
+                  <a:schemeClr val="tx1"/>
+                </a:fontRef>
+              </p:style>
+            </p:cxnSp>
+            <p:cxnSp>
+              <p:nvCxnSpPr>
+                <p:cNvPr id="22" name="Straight Arrow Connector 21">
+                  <a:extLst>
+                    <a:ext uri="{FF2B5EF4-FFF2-40B4-BE49-F238E27FC236}">
+                      <a16:creationId xmlns:a16="http://schemas.microsoft.com/office/drawing/2014/main" id="{A55953A4-F1A5-4DCC-84FC-1F4568D51CE9}"/>
+                    </a:ext>
+                  </a:extLst>
+                </p:cNvPr>
+                <p:cNvCxnSpPr>
+                  <a:stCxn id="32" idx="0"/>
+                  <a:endCxn id="30" idx="4"/>
+                </p:cNvCxnSpPr>
+                <p:nvPr/>
+              </p:nvCxnSpPr>
+              <p:spPr>
+                <a:xfrm flipV="1">
+                  <a:off x="5823888" y="2683376"/>
+                  <a:ext cx="0" cy="497474"/>
+                </a:xfrm>
+                <a:prstGeom prst="straightConnector1">
+                  <a:avLst/>
+                </a:prstGeom>
+                <a:ln w="12700">
+                  <a:solidFill>
+                    <a:schemeClr val="tx1"/>
+                  </a:solidFill>
+                  <a:headEnd type="triangle" w="med" len="med"/>
+                  <a:tailEnd type="none" w="med" len="med"/>
+                </a:ln>
+              </p:spPr>
+              <p:style>
+                <a:lnRef idx="1">
+                  <a:schemeClr val="accent1"/>
+                </a:lnRef>
+                <a:fillRef idx="0">
+                  <a:schemeClr val="accent1"/>
+                </a:fillRef>
+                <a:effectRef idx="0">
+                  <a:schemeClr val="accent1"/>
+                </a:effectRef>
+                <a:fontRef idx="minor">
+                  <a:schemeClr val="tx1"/>
+                </a:fontRef>
+              </p:style>
+            </p:cxnSp>
+            <p:cxnSp>
+              <p:nvCxnSpPr>
+                <p:cNvPr id="23" name="Straight Arrow Connector 22">
+                  <a:extLst>
+                    <a:ext uri="{FF2B5EF4-FFF2-40B4-BE49-F238E27FC236}">
+                      <a16:creationId xmlns:a16="http://schemas.microsoft.com/office/drawing/2014/main" id="{D85BA901-2A5E-4EE1-AC95-F3E5F9C648CF}"/>
+                    </a:ext>
+                  </a:extLst>
+                </p:cNvPr>
+                <p:cNvCxnSpPr>
+                  <a:stCxn id="30" idx="3"/>
+                  <a:endCxn id="32" idx="1"/>
+                </p:cNvCxnSpPr>
+                <p:nvPr/>
+              </p:nvCxnSpPr>
+              <p:spPr>
+                <a:xfrm>
+                  <a:off x="5687039" y="2626691"/>
+                  <a:ext cx="0" cy="610844"/>
+                </a:xfrm>
+                <a:prstGeom prst="straightConnector1">
+                  <a:avLst/>
+                </a:prstGeom>
+                <a:ln w="12700">
+                  <a:solidFill>
+                    <a:schemeClr val="tx1"/>
+                  </a:solidFill>
+                  <a:headEnd type="triangle" w="med" len="med"/>
+                  <a:tailEnd type="none" w="med" len="med"/>
+                </a:ln>
+              </p:spPr>
+              <p:style>
+                <a:lnRef idx="1">
+                  <a:schemeClr val="accent1"/>
+                </a:lnRef>
+                <a:fillRef idx="0">
+                  <a:schemeClr val="accent1"/>
+                </a:fillRef>
+                <a:effectRef idx="0">
+                  <a:schemeClr val="accent1"/>
+                </a:effectRef>
+                <a:fontRef idx="minor">
+                  <a:schemeClr val="tx1"/>
+                </a:fontRef>
+              </p:style>
+            </p:cxnSp>
+            <p:cxnSp>
+              <p:nvCxnSpPr>
+                <p:cNvPr id="24" name="Straight Arrow Connector 23">
+                  <a:extLst>
+                    <a:ext uri="{FF2B5EF4-FFF2-40B4-BE49-F238E27FC236}">
+                      <a16:creationId xmlns:a16="http://schemas.microsoft.com/office/drawing/2014/main" id="{40F57E75-D583-49A6-9BEB-3531784E8058}"/>
+                    </a:ext>
+                  </a:extLst>
+                </p:cNvPr>
+                <p:cNvCxnSpPr>
+                  <a:stCxn id="32" idx="5"/>
+                  <a:endCxn id="33" idx="3"/>
+                </p:cNvCxnSpPr>
+                <p:nvPr/>
+              </p:nvCxnSpPr>
+              <p:spPr>
+                <a:xfrm>
+                  <a:off x="5960738" y="3511232"/>
+                  <a:ext cx="667405" cy="0"/>
+                </a:xfrm>
+                <a:prstGeom prst="straightConnector1">
+                  <a:avLst/>
+                </a:prstGeom>
+                <a:ln w="12700">
+                  <a:solidFill>
+                    <a:schemeClr val="tx1"/>
+                  </a:solidFill>
+                  <a:headEnd type="none" w="med" len="med"/>
+                  <a:tailEnd type="triangle" w="med" len="med"/>
+                </a:ln>
+              </p:spPr>
+              <p:style>
+                <a:lnRef idx="1">
+                  <a:schemeClr val="accent1"/>
+                </a:lnRef>
+                <a:fillRef idx="0">
+                  <a:schemeClr val="accent1"/>
+                </a:fillRef>
+                <a:effectRef idx="0">
+                  <a:schemeClr val="accent1"/>
+                </a:effectRef>
+                <a:fontRef idx="minor">
+                  <a:schemeClr val="tx1"/>
+                </a:fontRef>
+              </p:style>
+            </p:cxnSp>
+            <p:cxnSp>
+              <p:nvCxnSpPr>
+                <p:cNvPr id="25" name="Straight Arrow Connector 24">
+                  <a:extLst>
+                    <a:ext uri="{FF2B5EF4-FFF2-40B4-BE49-F238E27FC236}">
+                      <a16:creationId xmlns:a16="http://schemas.microsoft.com/office/drawing/2014/main" id="{96C8CC4C-C00F-45C3-AE1F-F0C9C412516E}"/>
+                    </a:ext>
+                  </a:extLst>
+                </p:cNvPr>
+                <p:cNvCxnSpPr>
+                  <a:stCxn id="33" idx="2"/>
+                  <a:endCxn id="32" idx="6"/>
+                </p:cNvCxnSpPr>
+                <p:nvPr/>
+              </p:nvCxnSpPr>
+              <p:spPr>
+                <a:xfrm flipH="1">
+                  <a:off x="6017423" y="3374384"/>
+                  <a:ext cx="554035" cy="0"/>
+                </a:xfrm>
+                <a:prstGeom prst="straightConnector1">
+                  <a:avLst/>
+                </a:prstGeom>
+                <a:ln w="12700">
+                  <a:solidFill>
+                    <a:schemeClr val="tx1"/>
+                  </a:solidFill>
+                  <a:headEnd type="none" w="med" len="med"/>
+                  <a:tailEnd type="triangle" w="med" len="med"/>
+                </a:ln>
+              </p:spPr>
+              <p:style>
+                <a:lnRef idx="1">
+                  <a:schemeClr val="accent1"/>
+                </a:lnRef>
+                <a:fillRef idx="0">
+                  <a:schemeClr val="accent1"/>
+                </a:fillRef>
+                <a:effectRef idx="0">
+                  <a:schemeClr val="accent1"/>
+                </a:effectRef>
+                <a:fontRef idx="minor">
+                  <a:schemeClr val="tx1"/>
+                </a:fontRef>
+              </p:style>
+            </p:cxnSp>
+            <p:cxnSp>
+              <p:nvCxnSpPr>
+                <p:cNvPr id="26" name="Straight Arrow Connector 25">
+                  <a:extLst>
+                    <a:ext uri="{FF2B5EF4-FFF2-40B4-BE49-F238E27FC236}">
+                      <a16:creationId xmlns:a16="http://schemas.microsoft.com/office/drawing/2014/main" id="{2C6F4C14-416C-4D79-A85F-1DD957E7D80F}"/>
+                    </a:ext>
+                  </a:extLst>
+                </p:cNvPr>
+                <p:cNvCxnSpPr>
+                  <a:stCxn id="33" idx="7"/>
+                  <a:endCxn id="31" idx="5"/>
+                </p:cNvCxnSpPr>
+                <p:nvPr/>
+              </p:nvCxnSpPr>
+              <p:spPr>
+                <a:xfrm flipV="1">
+                  <a:off x="6901838" y="2626691"/>
+                  <a:ext cx="0" cy="610844"/>
+                </a:xfrm>
+                <a:prstGeom prst="straightConnector1">
+                  <a:avLst/>
+                </a:prstGeom>
+                <a:ln w="12700">
+                  <a:solidFill>
+                    <a:schemeClr val="tx1"/>
+                  </a:solidFill>
+                  <a:headEnd type="none" w="med" len="med"/>
+                  <a:tailEnd type="triangle" w="med" len="med"/>
+                </a:ln>
+              </p:spPr>
+              <p:style>
+                <a:lnRef idx="1">
+                  <a:schemeClr val="accent1"/>
+                </a:lnRef>
+                <a:fillRef idx="0">
+                  <a:schemeClr val="accent1"/>
+                </a:fillRef>
+                <a:effectRef idx="0">
+                  <a:schemeClr val="accent1"/>
+                </a:effectRef>
+                <a:fontRef idx="minor">
+                  <a:schemeClr val="tx1"/>
+                </a:fontRef>
+              </p:style>
+            </p:cxnSp>
+            <p:cxnSp>
+              <p:nvCxnSpPr>
+                <p:cNvPr id="27" name="Straight Arrow Connector 26">
+                  <a:extLst>
+                    <a:ext uri="{FF2B5EF4-FFF2-40B4-BE49-F238E27FC236}">
+                      <a16:creationId xmlns:a16="http://schemas.microsoft.com/office/drawing/2014/main" id="{D94BF893-CBA8-4145-AC7E-B780043F67AD}"/>
+                    </a:ext>
+                  </a:extLst>
+                </p:cNvPr>
+                <p:cNvCxnSpPr>
+                  <a:stCxn id="31" idx="4"/>
+                  <a:endCxn id="33" idx="0"/>
+                </p:cNvCxnSpPr>
+                <p:nvPr/>
+              </p:nvCxnSpPr>
+              <p:spPr>
+                <a:xfrm>
+                  <a:off x="6764990" y="2683376"/>
+                  <a:ext cx="0" cy="497474"/>
+                </a:xfrm>
+                <a:prstGeom prst="straightConnector1">
+                  <a:avLst/>
+                </a:prstGeom>
+                <a:ln w="12700">
+                  <a:solidFill>
+                    <a:schemeClr val="tx1"/>
+                  </a:solidFill>
+                  <a:headEnd type="none" w="med" len="med"/>
+                  <a:tailEnd type="triangle" w="med" len="med"/>
+                </a:ln>
+              </p:spPr>
+              <p:style>
+                <a:lnRef idx="1">
+                  <a:schemeClr val="accent1"/>
+                </a:lnRef>
+                <a:fillRef idx="0">
+                  <a:schemeClr val="accent1"/>
+                </a:fillRef>
+                <a:effectRef idx="0">
+                  <a:schemeClr val="accent1"/>
+                </a:effectRef>
+                <a:fontRef idx="minor">
+                  <a:schemeClr val="tx1"/>
+                </a:fontRef>
+              </p:style>
+            </p:cxnSp>
+            <p:cxnSp>
+              <p:nvCxnSpPr>
+                <p:cNvPr id="28" name="Straight Arrow Connector 27">
+                  <a:extLst>
+                    <a:ext uri="{FF2B5EF4-FFF2-40B4-BE49-F238E27FC236}">
+                      <a16:creationId xmlns:a16="http://schemas.microsoft.com/office/drawing/2014/main" id="{59E87E6D-4BEC-42C4-86C0-29480860665C}"/>
+                    </a:ext>
+                  </a:extLst>
+                </p:cNvPr>
+                <p:cNvCxnSpPr>
+                  <a:stCxn id="31" idx="1"/>
+                  <a:endCxn id="30" idx="7"/>
+                </p:cNvCxnSpPr>
+                <p:nvPr/>
+              </p:nvCxnSpPr>
+              <p:spPr>
+                <a:xfrm flipH="1">
+                  <a:off x="5960738" y="2352994"/>
+                  <a:ext cx="667405" cy="0"/>
+                </a:xfrm>
+                <a:prstGeom prst="straightConnector1">
+                  <a:avLst/>
+                </a:prstGeom>
+                <a:ln w="12700">
+                  <a:solidFill>
+                    <a:schemeClr val="tx1"/>
+                  </a:solidFill>
+                  <a:headEnd type="none" w="med" len="med"/>
+                  <a:tailEnd type="triangle" w="med" len="med"/>
+                </a:ln>
+              </p:spPr>
+              <p:style>
+                <a:lnRef idx="1">
+                  <a:schemeClr val="accent1"/>
+                </a:lnRef>
+                <a:fillRef idx="0">
+                  <a:schemeClr val="accent1"/>
+                </a:fillRef>
+                <a:effectRef idx="0">
+                  <a:schemeClr val="accent1"/>
+                </a:effectRef>
+                <a:fontRef idx="minor">
+                  <a:schemeClr val="tx1"/>
+                </a:fontRef>
+              </p:style>
+            </p:cxnSp>
+            <p:cxnSp>
+              <p:nvCxnSpPr>
+                <p:cNvPr id="29" name="Straight Arrow Connector 28">
+                  <a:extLst>
+                    <a:ext uri="{FF2B5EF4-FFF2-40B4-BE49-F238E27FC236}">
+                      <a16:creationId xmlns:a16="http://schemas.microsoft.com/office/drawing/2014/main" id="{131F39C9-1A0F-4038-9723-2D2EC4269A3B}"/>
+                    </a:ext>
+                  </a:extLst>
+                </p:cNvPr>
+                <p:cNvCxnSpPr>
+                  <a:stCxn id="30" idx="6"/>
+                  <a:endCxn id="31" idx="2"/>
+                </p:cNvCxnSpPr>
+                <p:nvPr/>
+              </p:nvCxnSpPr>
+              <p:spPr>
+                <a:xfrm>
+                  <a:off x="6017423" y="2489843"/>
+                  <a:ext cx="554035" cy="0"/>
+                </a:xfrm>
+                <a:prstGeom prst="straightConnector1">
+                  <a:avLst/>
+                </a:prstGeom>
+                <a:ln w="12700">
+                  <a:solidFill>
+                    <a:schemeClr val="tx1"/>
+                  </a:solidFill>
+                  <a:headEnd type="none" w="med" len="med"/>
+                  <a:tailEnd type="triangle" w="med" len="med"/>
+                </a:ln>
+              </p:spPr>
+              <p:style>
+                <a:lnRef idx="1">
+                  <a:schemeClr val="accent1"/>
+                </a:lnRef>
+                <a:fillRef idx="0">
+                  <a:schemeClr val="accent1"/>
+                </a:fillRef>
+                <a:effectRef idx="0">
+                  <a:schemeClr val="accent1"/>
+                </a:effectRef>
+                <a:fontRef idx="minor">
+                  <a:schemeClr val="tx1"/>
+                </a:fontRef>
+              </p:style>
+            </p:cxnSp>
+          </p:grpSp>
+          <p:sp>
+            <p:nvSpPr>
+              <p:cNvPr id="34" name="TextBox 33">
+                <a:extLst>
+                  <a:ext uri="{FF2B5EF4-FFF2-40B4-BE49-F238E27FC236}">
+                    <a16:creationId xmlns:a16="http://schemas.microsoft.com/office/drawing/2014/main" id="{FCE366AA-7CE9-4A8C-8163-D66CEA347CF0}"/>
+                  </a:ext>
+                </a:extLst>
+              </p:cNvPr>
+              <p:cNvSpPr txBox="1"/>
+              <p:nvPr/>
+            </p:nvSpPr>
+            <p:spPr>
+              <a:xfrm>
+                <a:off x="3940755" y="938800"/>
+                <a:ext cx="1330814" cy="307777"/>
+              </a:xfrm>
+              <a:prstGeom prst="rect">
+                <a:avLst/>
+              </a:prstGeom>
+              <a:noFill/>
+            </p:spPr>
+            <p:txBody>
+              <a:bodyPr wrap="none" rtlCol="0">
+                <a:spAutoFit/>
+              </a:bodyPr>
+              <a:lstStyle/>
+              <a:p>
+                <a:r>
+                  <a:rPr lang="en-GB" sz="1400" dirty="0"/>
+                  <a:t>Full model (m1)</a:t>
+                </a:r>
+              </a:p>
+            </p:txBody>
+          </p:sp>
+        </p:grpSp>
+        <p:sp>
+          <p:nvSpPr>
+            <p:cNvPr id="36" name="Rectangle: Rounded Corners 35">
+              <a:extLst>
+                <a:ext uri="{FF2B5EF4-FFF2-40B4-BE49-F238E27FC236}">
+                  <a16:creationId xmlns:a16="http://schemas.microsoft.com/office/drawing/2014/main" id="{EC3C1795-7056-4EA8-905C-6BE4FD2E2436}"/>
+                </a:ext>
+              </a:extLst>
+            </p:cNvPr>
+            <p:cNvSpPr/>
+            <p:nvPr/>
+          </p:nvSpPr>
+          <p:spPr>
+            <a:xfrm>
+              <a:off x="5986632" y="1320715"/>
+              <a:ext cx="1618771" cy="1758436"/>
+            </a:xfrm>
+            <a:prstGeom prst="roundRect">
+              <a:avLst>
+                <a:gd name="adj" fmla="val 7192"/>
+              </a:avLst>
+            </a:prstGeom>
+            <a:solidFill>
+              <a:schemeClr val="bg1">
+                <a:lumMod val="95000"/>
+              </a:schemeClr>
+            </a:solidFill>
+            <a:ln>
+              <a:noFill/>
+            </a:ln>
+          </p:spPr>
+          <p:style>
+            <a:lnRef idx="2">
+              <a:schemeClr val="accent1">
+                <a:shade val="50000"/>
+              </a:schemeClr>
+            </a:lnRef>
+            <a:fillRef idx="1">
+              <a:schemeClr val="accent1"/>
+            </a:fillRef>
+            <a:effectRef idx="0">
+              <a:schemeClr val="accent1"/>
+            </a:effectRef>
+            <a:fontRef idx="minor">
+              <a:schemeClr val="lt1"/>
+            </a:fontRef>
+          </p:style>
+          <p:txBody>
+            <a:bodyPr rtlCol="0" anchor="ctr"/>
+            <a:lstStyle/>
+            <a:p>
+              <a:pPr algn="ctr"/>
+              <a:endParaRPr lang="en-GB"/>
+            </a:p>
+          </p:txBody>
+        </p:sp>
+        <p:grpSp>
+          <p:nvGrpSpPr>
+            <p:cNvPr id="37" name="Group 36">
+              <a:extLst>
+                <a:ext uri="{FF2B5EF4-FFF2-40B4-BE49-F238E27FC236}">
+                  <a16:creationId xmlns:a16="http://schemas.microsoft.com/office/drawing/2014/main" id="{E287A6A1-6AED-43FD-B8E5-0D001BFAAB66}"/>
+                </a:ext>
+              </a:extLst>
+            </p:cNvPr>
+            <p:cNvGrpSpPr/>
+            <p:nvPr/>
+          </p:nvGrpSpPr>
+          <p:grpSpPr>
+            <a:xfrm>
+              <a:off x="6077936" y="1305737"/>
+              <a:ext cx="1527468" cy="1836400"/>
+              <a:chOff x="5483418" y="4111471"/>
+              <a:chExt cx="1527468" cy="1836400"/>
+            </a:xfrm>
+          </p:grpSpPr>
+          <mc:AlternateContent xmlns:mc="http://schemas.openxmlformats.org/markup-compatibility/2006">
+            <mc:Choice xmlns:a14="http://schemas.microsoft.com/office/drawing/2010/main" Requires="a14">
+              <p:sp>
+                <p:nvSpPr>
+                  <p:cNvPr id="38" name="TextBox 37">
+                    <a:extLst>
+                      <a:ext uri="{FF2B5EF4-FFF2-40B4-BE49-F238E27FC236}">
+                        <a16:creationId xmlns:a16="http://schemas.microsoft.com/office/drawing/2014/main" id="{6E9FC958-6924-4593-B419-9FC816C71E19}"/>
+                      </a:ext>
+                    </a:extLst>
+                  </p:cNvPr>
+                  <p:cNvSpPr txBox="1"/>
+                  <p:nvPr/>
+                </p:nvSpPr>
+                <p:spPr>
+                  <a:xfrm>
+                    <a:off x="5863412" y="4111471"/>
+                    <a:ext cx="1147474" cy="1836400"/>
+                  </a:xfrm>
+                  <a:prstGeom prst="rect">
+                    <a:avLst/>
+                  </a:prstGeom>
+                  <a:noFill/>
+                </p:spPr>
+                <p:txBody>
+                  <a:bodyPr wrap="square" rtlCol="0">
+                    <a:spAutoFit/>
+                  </a:bodyPr>
+                  <a:lstStyle/>
+                  <a:p>
+                    <a:pPr>
+                      <a:spcAft>
+                        <a:spcPts val="600"/>
+                      </a:spcAft>
+                    </a:pPr>
+                    <a14:m>
+                      <m:oMathPara xmlns:m="http://schemas.openxmlformats.org/officeDocument/2006/math">
+                        <m:oMathParaPr>
+                          <m:jc m:val="left"/>
+                        </m:oMathParaPr>
+                        <m:oMath xmlns:m="http://schemas.openxmlformats.org/officeDocument/2006/math">
+                          <m:sSub>
+                            <m:sSubPr>
+                              <m:ctrlPr>
+                                <a:rPr lang="en-GB" sz="1600" b="1" i="1" dirty="0">
+                                  <a:latin typeface="Cambria Math" panose="02040503050406030204" pitchFamily="18" charset="0"/>
+                                </a:rPr>
+                              </m:ctrlPr>
+                            </m:sSubPr>
+                            <m:e>
+                              <m:r>
+                                <a:rPr lang="en-GB" sz="1600" b="1" i="1" dirty="0">
+                                  <a:latin typeface="Cambria Math" panose="02040503050406030204" pitchFamily="18" charset="0"/>
+                                </a:rPr>
+                                <m:t>𝑨</m:t>
+                              </m:r>
+                            </m:e>
+                            <m:sub>
+                              <m:r>
+                                <a:rPr lang="en-GB" sz="1600" b="1" i="1" dirty="0">
+                                  <a:latin typeface="Cambria Math" panose="02040503050406030204" pitchFamily="18" charset="0"/>
+                                </a:rPr>
+                                <m:t>𝑰</m:t>
+                              </m:r>
+                            </m:sub>
+                          </m:sSub>
+                        </m:oMath>
+                      </m:oMathPara>
+                    </a14:m>
+                    <a:endParaRPr lang="en-GB" sz="1600" b="1" dirty="0"/>
+                  </a:p>
+                  <a:p>
+                    <a:pPr>
+                      <a:spcAft>
+                        <a:spcPts val="600"/>
+                      </a:spcAft>
+                    </a:pPr>
+                    <a14:m>
+                      <m:oMathPara xmlns:m="http://schemas.openxmlformats.org/officeDocument/2006/math">
+                        <m:oMathParaPr>
+                          <m:jc m:val="left"/>
+                        </m:oMathParaPr>
+                        <m:oMath xmlns:m="http://schemas.openxmlformats.org/officeDocument/2006/math">
+                          <m:sSub>
+                            <m:sSubPr>
+                              <m:ctrlPr>
+                                <a:rPr lang="en-GB" sz="1600" b="1" i="1" dirty="0">
+                                  <a:latin typeface="Cambria Math" panose="02040503050406030204" pitchFamily="18" charset="0"/>
+                                </a:rPr>
+                              </m:ctrlPr>
+                            </m:sSubPr>
+                            <m:e>
+                              <m:r>
+                                <a:rPr lang="en-GB" sz="1600" b="1" i="1" dirty="0">
+                                  <a:latin typeface="Cambria Math" panose="02040503050406030204" pitchFamily="18" charset="0"/>
+                                </a:rPr>
+                                <m:t>𝑨</m:t>
+                              </m:r>
+                            </m:e>
+                            <m:sub>
+                              <m:r>
+                                <a:rPr lang="en-GB" sz="1600" b="1" i="1" dirty="0">
+                                  <a:latin typeface="Cambria Math" panose="02040503050406030204" pitchFamily="18" charset="0"/>
+                                </a:rPr>
+                                <m:t>𝑬</m:t>
+                              </m:r>
+                            </m:sub>
+                          </m:sSub>
+                        </m:oMath>
+                      </m:oMathPara>
+                    </a14:m>
+                    <a:endParaRPr lang="en-GB" sz="1600" b="1" dirty="0"/>
+                  </a:p>
+                  <a:p>
+                    <a:pPr>
+                      <a:spcAft>
+                        <a:spcPts val="600"/>
+                      </a:spcAft>
+                    </a:pPr>
+                    <a14:m>
+                      <m:oMathPara xmlns:m="http://schemas.openxmlformats.org/officeDocument/2006/math">
+                        <m:oMathParaPr>
+                          <m:jc m:val="left"/>
+                        </m:oMathParaPr>
+                        <m:oMath xmlns:m="http://schemas.openxmlformats.org/officeDocument/2006/math">
+                          <m:sSubSup>
+                            <m:sSubSupPr>
+                              <m:ctrlPr>
+                                <a:rPr lang="en-GB" sz="1600" b="1" i="1" dirty="0">
+                                  <a:latin typeface="Cambria Math" panose="02040503050406030204" pitchFamily="18" charset="0"/>
+                                </a:rPr>
+                              </m:ctrlPr>
+                            </m:sSubSupPr>
+                            <m:e>
+                              <m:r>
+                                <a:rPr lang="en-GB" sz="1600" b="1" i="1" dirty="0">
+                                  <a:latin typeface="Cambria Math" panose="02040503050406030204" pitchFamily="18" charset="0"/>
+                                </a:rPr>
+                                <m:t>𝑩</m:t>
+                              </m:r>
+                            </m:e>
+                            <m:sub>
+                              <m:r>
+                                <a:rPr lang="en-GB" sz="1600" b="1" i="1" dirty="0">
+                                  <a:latin typeface="Cambria Math" panose="02040503050406030204" pitchFamily="18" charset="0"/>
+                                </a:rPr>
+                                <m:t>𝑰</m:t>
+                              </m:r>
+                            </m:sub>
+                            <m:sup>
+                              <m:r>
+                                <a:rPr lang="en-GB" sz="1600" b="1" i="1" dirty="0">
+                                  <a:latin typeface="Cambria Math" panose="02040503050406030204" pitchFamily="18" charset="0"/>
+                                </a:rPr>
+                                <m:t>(</m:t>
+                              </m:r>
+                              <m:r>
+                                <a:rPr lang="en-GB" sz="1600" b="1" i="1" dirty="0">
+                                  <a:latin typeface="Cambria Math" panose="02040503050406030204" pitchFamily="18" charset="0"/>
+                                </a:rPr>
+                                <m:t>𝑷𝑰𝑪𝑻𝑼𝑹𝑬𝑺</m:t>
+                              </m:r>
+                              <m:r>
+                                <a:rPr lang="en-GB" sz="1600" b="1" i="1" dirty="0">
+                                  <a:latin typeface="Cambria Math" panose="02040503050406030204" pitchFamily="18" charset="0"/>
+                                </a:rPr>
+                                <m:t>)</m:t>
+                              </m:r>
+                            </m:sup>
+                          </m:sSubSup>
+                        </m:oMath>
+                      </m:oMathPara>
+                    </a14:m>
+                    <a:endParaRPr lang="en-GB" sz="1600" b="1" dirty="0"/>
+                  </a:p>
+                  <a:p>
+                    <a:pPr>
+                      <a:spcAft>
+                        <a:spcPts val="600"/>
+                      </a:spcAft>
+                    </a:pPr>
+                    <a14:m>
+                      <m:oMathPara xmlns:m="http://schemas.openxmlformats.org/officeDocument/2006/math">
+                        <m:oMathParaPr>
+                          <m:jc m:val="left"/>
+                        </m:oMathParaPr>
+                        <m:oMath xmlns:m="http://schemas.openxmlformats.org/officeDocument/2006/math">
+                          <m:sSubSup>
+                            <m:sSubSupPr>
+                              <m:ctrlPr>
+                                <a:rPr lang="en-GB" sz="1600" b="1" i="1">
+                                  <a:latin typeface="Cambria Math" panose="02040503050406030204" pitchFamily="18" charset="0"/>
+                                </a:rPr>
+                              </m:ctrlPr>
+                            </m:sSubSupPr>
+                            <m:e>
+                              <m:r>
+                                <a:rPr lang="en-GB" sz="1600" b="1" i="1">
+                                  <a:latin typeface="Cambria Math" panose="02040503050406030204" pitchFamily="18" charset="0"/>
+                                </a:rPr>
+                                <m:t>𝑩</m:t>
+                              </m:r>
+                            </m:e>
+                            <m:sub>
+                              <m:r>
+                                <a:rPr lang="en-GB" sz="1600" b="1" i="1">
+                                  <a:latin typeface="Cambria Math" panose="02040503050406030204" pitchFamily="18" charset="0"/>
+                                </a:rPr>
+                                <m:t>𝑰</m:t>
+                              </m:r>
+                            </m:sub>
+                            <m:sup>
+                              <m:r>
+                                <a:rPr lang="en-GB" sz="1600" b="1" i="1">
+                                  <a:latin typeface="Cambria Math" panose="02040503050406030204" pitchFamily="18" charset="0"/>
+                                </a:rPr>
+                                <m:t>(</m:t>
+                              </m:r>
+                              <m:r>
+                                <a:rPr lang="en-GB" sz="1600" b="1" i="1">
+                                  <a:latin typeface="Cambria Math" panose="02040503050406030204" pitchFamily="18" charset="0"/>
+                                </a:rPr>
+                                <m:t>𝑾𝑶𝑹𝑫𝑺</m:t>
+                              </m:r>
+                              <m:r>
+                                <a:rPr lang="en-GB" sz="1600" b="1" i="1">
+                                  <a:latin typeface="Cambria Math" panose="02040503050406030204" pitchFamily="18" charset="0"/>
+                                </a:rPr>
+                                <m:t>)</m:t>
+                              </m:r>
+                            </m:sup>
+                          </m:sSubSup>
+                        </m:oMath>
+                      </m:oMathPara>
+                    </a14:m>
+                    <a:endParaRPr lang="en-GB" sz="1600" b="1" dirty="0"/>
+                  </a:p>
+                  <a:p>
+                    <a:pPr>
+                      <a:spcAft>
+                        <a:spcPts val="600"/>
+                      </a:spcAft>
+                    </a:pPr>
+                    <a14:m>
+                      <m:oMathPara xmlns:m="http://schemas.openxmlformats.org/officeDocument/2006/math">
+                        <m:oMathParaPr>
+                          <m:jc m:val="left"/>
+                        </m:oMathParaPr>
+                        <m:oMath xmlns:m="http://schemas.openxmlformats.org/officeDocument/2006/math">
+                          <m:r>
+                            <a:rPr lang="en-GB" sz="1600" b="1" i="1" dirty="0">
+                              <a:latin typeface="Cambria Math" panose="02040503050406030204" pitchFamily="18" charset="0"/>
+                            </a:rPr>
+                            <m:t>𝑪</m:t>
+                          </m:r>
+                        </m:oMath>
+                      </m:oMathPara>
+                    </a14:m>
+                    <a:endParaRPr lang="en-GB" sz="1600" b="1" dirty="0"/>
+                  </a:p>
+                </p:txBody>
+              </p:sp>
+            </mc:Choice>
+            <mc:Fallback>
+              <p:sp>
+                <p:nvSpPr>
+                  <p:cNvPr id="38" name="TextBox 37">
+                    <a:extLst>
+                      <a:ext uri="{FF2B5EF4-FFF2-40B4-BE49-F238E27FC236}">
+                        <a16:creationId xmlns:a16="http://schemas.microsoft.com/office/drawing/2014/main" id="{6E9FC958-6924-4593-B419-9FC816C71E19}"/>
+                      </a:ext>
+                    </a:extLst>
+                  </p:cNvPr>
+                  <p:cNvSpPr txBox="1">
+                    <a:spLocks noRot="1" noChangeAspect="1" noMove="1" noResize="1" noEditPoints="1" noAdjustHandles="1" noChangeArrowheads="1" noChangeShapeType="1" noTextEdit="1"/>
+                  </p:cNvSpPr>
+                  <p:nvPr/>
+                </p:nvSpPr>
+                <p:spPr>
+                  <a:xfrm>
+                    <a:off x="5863412" y="4111471"/>
+                    <a:ext cx="1147474" cy="1836400"/>
+                  </a:xfrm>
+                  <a:prstGeom prst="rect">
+                    <a:avLst/>
+                  </a:prstGeom>
+                  <a:blipFill>
+                    <a:blip r:embed="rId2"/>
+                    <a:stretch>
+                      <a:fillRect/>
+                    </a:stretch>
+                  </a:blipFill>
+                </p:spPr>
+                <p:txBody>
+                  <a:bodyPr/>
+                  <a:lstStyle/>
+                  <a:p>
+                    <a:r>
+                      <a:rPr lang="en-GB">
+                        <a:noFill/>
+                      </a:rPr>
+                      <a:t> </a:t>
+                    </a:r>
+                  </a:p>
+                </p:txBody>
+              </p:sp>
+            </mc:Fallback>
+          </mc:AlternateContent>
+          <p:cxnSp>
+            <p:nvCxnSpPr>
+              <p:cNvPr id="39" name="Straight Connector 38">
+                <a:extLst>
+                  <a:ext uri="{FF2B5EF4-FFF2-40B4-BE49-F238E27FC236}">
+                    <a16:creationId xmlns:a16="http://schemas.microsoft.com/office/drawing/2014/main" id="{C8F83FDC-5D5C-4434-9B77-B435062A05E3}"/>
+                  </a:ext>
+                </a:extLst>
+              </p:cNvPr>
+              <p:cNvCxnSpPr/>
+              <p:nvPr/>
+            </p:nvCxnSpPr>
+            <p:spPr>
+              <a:xfrm>
+                <a:off x="5483418" y="4610729"/>
+                <a:ext cx="387134" cy="0"/>
+              </a:xfrm>
+              <a:prstGeom prst="line">
+                <a:avLst/>
+              </a:prstGeom>
+              <a:ln w="28575">
+                <a:solidFill>
+                  <a:schemeClr val="tx1"/>
+                </a:solidFill>
+                <a:headEnd type="none" w="med" len="med"/>
+                <a:tailEnd type="triangle" w="med" len="med"/>
+              </a:ln>
+            </p:spPr>
+            <p:style>
+              <a:lnRef idx="1">
+                <a:schemeClr val="accent1"/>
+              </a:lnRef>
+              <a:fillRef idx="0">
+                <a:schemeClr val="accent1"/>
+              </a:fillRef>
+              <a:effectRef idx="0">
+                <a:schemeClr val="accent1"/>
+              </a:effectRef>
+              <a:fontRef idx="minor">
+                <a:schemeClr val="tx1"/>
+              </a:fontRef>
+            </p:style>
+          </p:cxnSp>
+          <p:cxnSp>
+            <p:nvCxnSpPr>
+              <p:cNvPr id="40" name="Straight Connector 39">
+                <a:extLst>
+                  <a:ext uri="{FF2B5EF4-FFF2-40B4-BE49-F238E27FC236}">
+                    <a16:creationId xmlns:a16="http://schemas.microsoft.com/office/drawing/2014/main" id="{1EE757F5-D600-4069-ABF3-31046B695C19}"/>
+                  </a:ext>
+                </a:extLst>
+              </p:cNvPr>
+              <p:cNvCxnSpPr/>
+              <p:nvPr/>
+            </p:nvCxnSpPr>
+            <p:spPr>
+              <a:xfrm flipV="1">
+                <a:off x="5487458" y="4977425"/>
+                <a:ext cx="344510" cy="4268"/>
+              </a:xfrm>
+              <a:prstGeom prst="line">
+                <a:avLst/>
+              </a:prstGeom>
+              <a:ln w="28575">
+                <a:solidFill>
+                  <a:srgbClr val="CC444E"/>
+                </a:solidFill>
+                <a:prstDash val="sysDash"/>
+                <a:tailEnd type="oval"/>
+              </a:ln>
+            </p:spPr>
+            <p:style>
+              <a:lnRef idx="1">
+                <a:schemeClr val="accent1"/>
+              </a:lnRef>
+              <a:fillRef idx="0">
+                <a:schemeClr val="accent1"/>
+              </a:fillRef>
+              <a:effectRef idx="0">
+                <a:schemeClr val="accent1"/>
+              </a:effectRef>
+              <a:fontRef idx="minor">
+                <a:schemeClr val="tx1"/>
+              </a:fontRef>
+            </p:style>
+          </p:cxnSp>
+          <p:cxnSp>
+            <p:nvCxnSpPr>
+              <p:cNvPr id="41" name="Straight Connector 40">
+                <a:extLst>
+                  <a:ext uri="{FF2B5EF4-FFF2-40B4-BE49-F238E27FC236}">
+                    <a16:creationId xmlns:a16="http://schemas.microsoft.com/office/drawing/2014/main" id="{2BBA3AF6-9007-4C54-B1B5-17EBE7AA2C27}"/>
+                  </a:ext>
+                </a:extLst>
+              </p:cNvPr>
+              <p:cNvCxnSpPr/>
+              <p:nvPr/>
+            </p:nvCxnSpPr>
+            <p:spPr>
+              <a:xfrm>
+                <a:off x="5484367" y="5696551"/>
+                <a:ext cx="387134" cy="0"/>
+              </a:xfrm>
+              <a:prstGeom prst="line">
+                <a:avLst/>
+              </a:prstGeom>
+              <a:ln w="28575">
+                <a:solidFill>
+                  <a:srgbClr val="38528C"/>
+                </a:solidFill>
+                <a:prstDash val="sysDot"/>
+                <a:tailEnd type="triangle"/>
+              </a:ln>
+            </p:spPr>
+            <p:style>
+              <a:lnRef idx="1">
+                <a:schemeClr val="accent1"/>
+              </a:lnRef>
+              <a:fillRef idx="0">
+                <a:schemeClr val="accent1"/>
+              </a:fillRef>
+              <a:effectRef idx="0">
+                <a:schemeClr val="accent1"/>
+              </a:effectRef>
+              <a:fontRef idx="minor">
+                <a:schemeClr val="tx1"/>
+              </a:fontRef>
+            </p:style>
+          </p:cxnSp>
+          <p:cxnSp>
+            <p:nvCxnSpPr>
+              <p:cNvPr id="42" name="Straight Connector 41">
+                <a:extLst>
+                  <a:ext uri="{FF2B5EF4-FFF2-40B4-BE49-F238E27FC236}">
+                    <a16:creationId xmlns:a16="http://schemas.microsoft.com/office/drawing/2014/main" id="{1363F68B-4C1B-43CD-938B-9508529DEFB3}"/>
+                  </a:ext>
+                </a:extLst>
+              </p:cNvPr>
+              <p:cNvCxnSpPr/>
+              <p:nvPr/>
+            </p:nvCxnSpPr>
+            <p:spPr>
+              <a:xfrm>
+                <a:off x="5489840" y="5356337"/>
+                <a:ext cx="344032" cy="996"/>
+              </a:xfrm>
+              <a:prstGeom prst="line">
+                <a:avLst/>
+              </a:prstGeom>
+              <a:ln w="28575">
+                <a:solidFill>
+                  <a:srgbClr val="49AD39"/>
+                </a:solidFill>
+                <a:prstDash val="sysDot"/>
+                <a:tailEnd type="oval"/>
+              </a:ln>
+            </p:spPr>
+            <p:style>
+              <a:lnRef idx="1">
+                <a:schemeClr val="accent1"/>
+              </a:lnRef>
+              <a:fillRef idx="0">
+                <a:schemeClr val="accent1"/>
+              </a:fillRef>
+              <a:effectRef idx="0">
+                <a:schemeClr val="accent1"/>
+              </a:effectRef>
+              <a:fontRef idx="minor">
+                <a:schemeClr val="tx1"/>
+              </a:fontRef>
+            </p:style>
+          </p:cxnSp>
+          <p:cxnSp>
+            <p:nvCxnSpPr>
+              <p:cNvPr id="43" name="Straight Connector 42">
+                <a:extLst>
+                  <a:ext uri="{FF2B5EF4-FFF2-40B4-BE49-F238E27FC236}">
+                    <a16:creationId xmlns:a16="http://schemas.microsoft.com/office/drawing/2014/main" id="{1C6B7944-6EE0-4208-9A8A-E3C1163DC89C}"/>
+                  </a:ext>
+                </a:extLst>
+              </p:cNvPr>
+              <p:cNvCxnSpPr/>
+              <p:nvPr/>
+            </p:nvCxnSpPr>
+            <p:spPr>
+              <a:xfrm flipV="1">
+                <a:off x="5486609" y="4284622"/>
+                <a:ext cx="343951" cy="603"/>
+              </a:xfrm>
+              <a:prstGeom prst="line">
+                <a:avLst/>
+              </a:prstGeom>
+              <a:ln w="28575">
+                <a:solidFill>
+                  <a:schemeClr val="tx1"/>
+                </a:solidFill>
+                <a:headEnd type="none" w="med" len="med"/>
+                <a:tailEnd type="oval" w="med" len="med"/>
+              </a:ln>
+            </p:spPr>
+            <p:style>
+              <a:lnRef idx="1">
+                <a:schemeClr val="accent1"/>
+              </a:lnRef>
+              <a:fillRef idx="0">
+                <a:schemeClr val="accent1"/>
+              </a:fillRef>
+              <a:effectRef idx="0">
+                <a:schemeClr val="accent1"/>
+              </a:effectRef>
+              <a:fontRef idx="minor">
+                <a:schemeClr val="tx1"/>
+              </a:fontRef>
+            </p:style>
+          </p:cxnSp>
+        </p:grpSp>
+      </p:grpSp>
+    </p:spTree>
+    <p:extLst>
+      <p:ext uri="{BB962C8B-B14F-4D97-AF65-F5344CB8AC3E}">
+        <p14:creationId xmlns:p14="http://schemas.microsoft.com/office/powerpoint/2010/main" val="2432987805"/>
+      </p:ext>
+    </p:extLst>
+  </p:cSld>
+  <p:clrMapOvr>
+    <a:masterClrMapping/>
+  </p:clrMapOvr>
+</p:sld>
+</file>
+
+<file path=ppt/slides/slide6.xml><?xml version="1.0" encoding="utf-8"?>
+<p:sld xmlns:a="http://schemas.openxmlformats.org/drawingml/2006/main" xmlns:r="http://schemas.openxmlformats.org/officeDocument/2006/relationships" xmlns:p="http://schemas.openxmlformats.org/presentationml/2006/main">
+  <p:cSld>
+    <p:spTree>
+      <p:nvGrpSpPr>
+        <p:cNvPr id="1" name=""/>
+        <p:cNvGrpSpPr/>
+        <p:nvPr/>
+      </p:nvGrpSpPr>
+      <p:grpSpPr>
+        <a:xfrm>
+          <a:off x="0" y="0"/>
+          <a:ext cx="0" cy="0"/>
+          <a:chOff x="0" y="0"/>
+          <a:chExt cx="0" cy="0"/>
+        </a:xfrm>
+      </p:grpSpPr>
+      <p:pic>
+        <p:nvPicPr>
+          <p:cNvPr id="2" name="Picture 1">
+            <a:extLst>
+              <a:ext uri="{FF2B5EF4-FFF2-40B4-BE49-F238E27FC236}">
+                <a16:creationId xmlns:a16="http://schemas.microsoft.com/office/drawing/2014/main" id="{756B708A-04FD-41C5-AB34-B47B7325186C}"/>
+              </a:ext>
+            </a:extLst>
+          </p:cNvPr>
+          <p:cNvPicPr>
+            <a:picLocks noChangeAspect="1"/>
+          </p:cNvPicPr>
+          <p:nvPr/>
+        </p:nvPicPr>
+        <p:blipFill rotWithShape="1">
+          <a:blip r:embed="rId2"/>
+          <a:srcRect l="7001" t="10585" r="8182" b="59474"/>
+          <a:stretch/>
+        </p:blipFill>
+        <p:spPr>
+          <a:xfrm>
+            <a:off x="4050632" y="725905"/>
+            <a:ext cx="4034589" cy="2053390"/>
+          </a:xfrm>
+          <a:prstGeom prst="rect">
+            <a:avLst/>
+          </a:prstGeom>
+        </p:spPr>
+      </p:pic>
+    </p:spTree>
+    <p:extLst>
+      <p:ext uri="{BB962C8B-B14F-4D97-AF65-F5344CB8AC3E}">
+        <p14:creationId xmlns:p14="http://schemas.microsoft.com/office/powerpoint/2010/main" val="4231938879"/>
+      </p:ext>
+    </p:extLst>
+  </p:cSld>
+  <p:clrMapOvr>
+    <a:masterClrMapping/>
+  </p:clrMapOvr>
+</p:sld>
+</file>
+
 <file path=ppt/theme/theme1.xml><?xml version="1.0" encoding="utf-8"?>
 <a:theme xmlns:a="http://schemas.openxmlformats.org/drawingml/2006/main" name="Office Theme">
   <a:themeElements>

--- a/docs/assets/figures/tutorials/dcm/dcm_tutorial_figures.pptx
+++ b/docs/assets/figures/tutorials/dcm/dcm_tutorial_figures.pptx
@@ -11,6 +11,9 @@
     <p:sldId id="261" r:id="rId5"/>
     <p:sldId id="262" r:id="rId6"/>
     <p:sldId id="258" r:id="rId7"/>
+    <p:sldId id="263" r:id="rId8"/>
+    <p:sldId id="264" r:id="rId9"/>
+    <p:sldId id="265" r:id="rId10"/>
   </p:sldIdLst>
   <p:sldSz cx="12192000" cy="6858000"/>
   <p:notesSz cx="6858000" cy="9144000"/>
@@ -110,6 +113,31 @@
     </a:lvl9pPr>
   </p:defaultTextStyle>
   <p:extLst>
+    <p:ext uri="{521415D9-36F7-43E2-AB2F-B90AF26B5E84}">
+      <p14:sectionLst xmlns:p14="http://schemas.microsoft.com/office/powerpoint/2010/main">
+        <p14:section name="Intro" id="{05878317-4793-41CE-AB0D-26AD1BC78911}">
+          <p14:sldIdLst>
+            <p14:sldId id="256"/>
+          </p14:sldIdLst>
+        </p14:section>
+        <p14:section name="First level DCM" id="{7058DED3-145D-4A96-BEFC-671BFF9529E1}">
+          <p14:sldIdLst>
+            <p14:sldId id="259"/>
+            <p14:sldId id="260"/>
+            <p14:sldId id="261"/>
+            <p14:sldId id="262"/>
+            <p14:sldId id="258"/>
+          </p14:sldIdLst>
+        </p14:section>
+        <p14:section name="Second level DCM" id="{99D9B5AF-19B2-42A9-9E5A-BAE6D5884DC4}">
+          <p14:sldIdLst>
+            <p14:sldId id="263"/>
+            <p14:sldId id="264"/>
+            <p14:sldId id="265"/>
+          </p14:sldIdLst>
+        </p14:section>
+      </p14:sectionLst>
+    </p:ext>
     <p:ext uri="{EFAFB233-063F-42B5-8137-9DF3F51BA10A}">
       <p15:sldGuideLst xmlns:p15="http://schemas.microsoft.com/office/powerpoint/2012/main"/>
     </p:ext>
@@ -3259,7 +3287,7 @@
           <a:p>
             <a:fld id="{F4EBD835-5C19-4E21-99C2-A202BB445EC8}" type="datetimeFigureOut">
               <a:rPr lang="en-GB" smtClean="0"/>
-              <a:t>13/05/2023</a:t>
+              <a:t>18/05/2023</a:t>
             </a:fld>
             <a:endParaRPr lang="en-GB"/>
           </a:p>
@@ -3459,7 +3487,7 @@
           <a:p>
             <a:fld id="{F4EBD835-5C19-4E21-99C2-A202BB445EC8}" type="datetimeFigureOut">
               <a:rPr lang="en-GB" smtClean="0"/>
-              <a:t>13/05/2023</a:t>
+              <a:t>18/05/2023</a:t>
             </a:fld>
             <a:endParaRPr lang="en-GB"/>
           </a:p>
@@ -3669,7 +3697,7 @@
           <a:p>
             <a:fld id="{F4EBD835-5C19-4E21-99C2-A202BB445EC8}" type="datetimeFigureOut">
               <a:rPr lang="en-GB" smtClean="0"/>
-              <a:t>13/05/2023</a:t>
+              <a:t>18/05/2023</a:t>
             </a:fld>
             <a:endParaRPr lang="en-GB"/>
           </a:p>
@@ -3869,7 +3897,7 @@
           <a:p>
             <a:fld id="{F4EBD835-5C19-4E21-99C2-A202BB445EC8}" type="datetimeFigureOut">
               <a:rPr lang="en-GB" smtClean="0"/>
-              <a:t>13/05/2023</a:t>
+              <a:t>18/05/2023</a:t>
             </a:fld>
             <a:endParaRPr lang="en-GB"/>
           </a:p>
@@ -4145,7 +4173,7 @@
           <a:p>
             <a:fld id="{F4EBD835-5C19-4E21-99C2-A202BB445EC8}" type="datetimeFigureOut">
               <a:rPr lang="en-GB" smtClean="0"/>
-              <a:t>13/05/2023</a:t>
+              <a:t>18/05/2023</a:t>
             </a:fld>
             <a:endParaRPr lang="en-GB"/>
           </a:p>
@@ -4413,7 +4441,7 @@
           <a:p>
             <a:fld id="{F4EBD835-5C19-4E21-99C2-A202BB445EC8}" type="datetimeFigureOut">
               <a:rPr lang="en-GB" smtClean="0"/>
-              <a:t>13/05/2023</a:t>
+              <a:t>18/05/2023</a:t>
             </a:fld>
             <a:endParaRPr lang="en-GB"/>
           </a:p>
@@ -4828,7 +4856,7 @@
           <a:p>
             <a:fld id="{F4EBD835-5C19-4E21-99C2-A202BB445EC8}" type="datetimeFigureOut">
               <a:rPr lang="en-GB" smtClean="0"/>
-              <a:t>13/05/2023</a:t>
+              <a:t>18/05/2023</a:t>
             </a:fld>
             <a:endParaRPr lang="en-GB"/>
           </a:p>
@@ -4970,7 +4998,7 @@
           <a:p>
             <a:fld id="{F4EBD835-5C19-4E21-99C2-A202BB445EC8}" type="datetimeFigureOut">
               <a:rPr lang="en-GB" smtClean="0"/>
-              <a:t>13/05/2023</a:t>
+              <a:t>18/05/2023</a:t>
             </a:fld>
             <a:endParaRPr lang="en-GB"/>
           </a:p>
@@ -5083,7 +5111,7 @@
           <a:p>
             <a:fld id="{F4EBD835-5C19-4E21-99C2-A202BB445EC8}" type="datetimeFigureOut">
               <a:rPr lang="en-GB" smtClean="0"/>
-              <a:t>13/05/2023</a:t>
+              <a:t>18/05/2023</a:t>
             </a:fld>
             <a:endParaRPr lang="en-GB"/>
           </a:p>
@@ -5396,7 +5424,7 @@
           <a:p>
             <a:fld id="{F4EBD835-5C19-4E21-99C2-A202BB445EC8}" type="datetimeFigureOut">
               <a:rPr lang="en-GB" smtClean="0"/>
-              <a:t>13/05/2023</a:t>
+              <a:t>18/05/2023</a:t>
             </a:fld>
             <a:endParaRPr lang="en-GB"/>
           </a:p>
@@ -5685,7 +5713,7 @@
           <a:p>
             <a:fld id="{F4EBD835-5C19-4E21-99C2-A202BB445EC8}" type="datetimeFigureOut">
               <a:rPr lang="en-GB" smtClean="0"/>
-              <a:t>13/05/2023</a:t>
+              <a:t>18/05/2023</a:t>
             </a:fld>
             <a:endParaRPr lang="en-GB"/>
           </a:p>
@@ -5928,7 +5956,7 @@
           <a:p>
             <a:fld id="{F4EBD835-5C19-4E21-99C2-A202BB445EC8}" type="datetimeFigureOut">
               <a:rPr lang="en-GB" smtClean="0"/>
-              <a:t>13/05/2023</a:t>
+              <a:t>18/05/2023</a:t>
             </a:fld>
             <a:endParaRPr lang="en-GB"/>
           </a:p>
@@ -14018,8 +14046,8 @@
               <a:chExt cx="1527468" cy="1836400"/>
             </a:xfrm>
           </p:grpSpPr>
-          <mc:AlternateContent xmlns:mc="http://schemas.openxmlformats.org/markup-compatibility/2006">
-            <mc:Choice xmlns:a14="http://schemas.microsoft.com/office/drawing/2010/main" Requires="a14">
+          <mc:AlternateContent xmlns:mc="http://schemas.openxmlformats.org/markup-compatibility/2006" xmlns:a14="http://schemas.microsoft.com/office/drawing/2010/main">
+            <mc:Choice Requires="a14">
               <p:sp>
                 <p:nvSpPr>
                   <p:cNvPr id="38" name="TextBox 37">
@@ -14281,7 +14309,7 @@
                 </p:txBody>
               </p:sp>
             </mc:Choice>
-            <mc:Fallback>
+            <mc:Fallback xmlns="">
               <p:sp>
                 <p:nvSpPr>
                   <p:cNvPr id="38" name="TextBox 37">
@@ -14615,6 +14643,185 @@
 </p:sld>
 </file>
 
+<file path=ppt/slides/slide7.xml><?xml version="1.0" encoding="utf-8"?>
+<p:sld xmlns:a="http://schemas.openxmlformats.org/drawingml/2006/main" xmlns:r="http://schemas.openxmlformats.org/officeDocument/2006/relationships" xmlns:p="http://schemas.openxmlformats.org/presentationml/2006/main">
+  <p:cSld>
+    <p:spTree>
+      <p:nvGrpSpPr>
+        <p:cNvPr id="1" name=""/>
+        <p:cNvGrpSpPr/>
+        <p:nvPr/>
+      </p:nvGrpSpPr>
+      <p:grpSpPr>
+        <a:xfrm>
+          <a:off x="0" y="0"/>
+          <a:ext cx="0" cy="0"/>
+          <a:chOff x="0" y="0"/>
+          <a:chExt cx="0" cy="0"/>
+        </a:xfrm>
+      </p:grpSpPr>
+      <p:pic>
+        <p:nvPicPr>
+          <p:cNvPr id="3" name="Picture 2">
+            <a:extLst>
+              <a:ext uri="{FF2B5EF4-FFF2-40B4-BE49-F238E27FC236}">
+                <a16:creationId xmlns:a16="http://schemas.microsoft.com/office/drawing/2014/main" id="{133DC3EA-D968-4A61-B5B0-F0C263FA2D99}"/>
+              </a:ext>
+            </a:extLst>
+          </p:cNvPr>
+          <p:cNvPicPr>
+            <a:picLocks noChangeAspect="1"/>
+          </p:cNvPicPr>
+          <p:nvPr/>
+        </p:nvPicPr>
+        <p:blipFill rotWithShape="1">
+          <a:blip r:embed="rId2"/>
+          <a:srcRect b="60721"/>
+          <a:stretch/>
+        </p:blipFill>
+        <p:spPr>
+          <a:xfrm>
+            <a:off x="3750187" y="1639329"/>
+            <a:ext cx="4526869" cy="2693773"/>
+          </a:xfrm>
+          <a:prstGeom prst="rect">
+            <a:avLst/>
+          </a:prstGeom>
+        </p:spPr>
+      </p:pic>
+    </p:spTree>
+    <p:extLst>
+      <p:ext uri="{BB962C8B-B14F-4D97-AF65-F5344CB8AC3E}">
+        <p14:creationId xmlns:p14="http://schemas.microsoft.com/office/powerpoint/2010/main" val="3801018297"/>
+      </p:ext>
+    </p:extLst>
+  </p:cSld>
+  <p:clrMapOvr>
+    <a:masterClrMapping/>
+  </p:clrMapOvr>
+</p:sld>
+</file>
+
+<file path=ppt/slides/slide8.xml><?xml version="1.0" encoding="utf-8"?>
+<p:sld xmlns:a="http://schemas.openxmlformats.org/drawingml/2006/main" xmlns:r="http://schemas.openxmlformats.org/officeDocument/2006/relationships" xmlns:p="http://schemas.openxmlformats.org/presentationml/2006/main">
+  <p:cSld>
+    <p:spTree>
+      <p:nvGrpSpPr>
+        <p:cNvPr id="1" name=""/>
+        <p:cNvGrpSpPr/>
+        <p:nvPr/>
+      </p:nvGrpSpPr>
+      <p:grpSpPr>
+        <a:xfrm>
+          <a:off x="0" y="0"/>
+          <a:ext cx="0" cy="0"/>
+          <a:chOff x="0" y="0"/>
+          <a:chExt cx="0" cy="0"/>
+        </a:xfrm>
+      </p:grpSpPr>
+      <p:pic>
+        <p:nvPicPr>
+          <p:cNvPr id="2" name="Picture 1">
+            <a:extLst>
+              <a:ext uri="{FF2B5EF4-FFF2-40B4-BE49-F238E27FC236}">
+                <a16:creationId xmlns:a16="http://schemas.microsoft.com/office/drawing/2014/main" id="{139603F6-1D41-43B1-8644-8B7E7DE123B3}"/>
+              </a:ext>
+            </a:extLst>
+          </p:cNvPr>
+          <p:cNvPicPr>
+            <a:picLocks noChangeAspect="1"/>
+          </p:cNvPicPr>
+          <p:nvPr/>
+        </p:nvPicPr>
+        <p:blipFill>
+          <a:blip r:embed="rId2"/>
+          <a:stretch>
+            <a:fillRect/>
+          </a:stretch>
+        </p:blipFill>
+        <p:spPr>
+          <a:xfrm>
+            <a:off x="3718022" y="0"/>
+            <a:ext cx="4755955" cy="6858000"/>
+          </a:xfrm>
+          <a:prstGeom prst="rect">
+            <a:avLst/>
+          </a:prstGeom>
+        </p:spPr>
+      </p:pic>
+    </p:spTree>
+    <p:extLst>
+      <p:ext uri="{BB962C8B-B14F-4D97-AF65-F5344CB8AC3E}">
+        <p14:creationId xmlns:p14="http://schemas.microsoft.com/office/powerpoint/2010/main" val="3637813844"/>
+      </p:ext>
+    </p:extLst>
+  </p:cSld>
+  <p:clrMapOvr>
+    <a:masterClrMapping/>
+  </p:clrMapOvr>
+</p:sld>
+</file>
+
+<file path=ppt/slides/slide9.xml><?xml version="1.0" encoding="utf-8"?>
+<p:sld xmlns:a="http://schemas.openxmlformats.org/drawingml/2006/main" xmlns:r="http://schemas.openxmlformats.org/officeDocument/2006/relationships" xmlns:p="http://schemas.openxmlformats.org/presentationml/2006/main">
+  <p:cSld>
+    <p:spTree>
+      <p:nvGrpSpPr>
+        <p:cNvPr id="1" name=""/>
+        <p:cNvGrpSpPr/>
+        <p:nvPr/>
+      </p:nvGrpSpPr>
+      <p:grpSpPr>
+        <a:xfrm>
+          <a:off x="0" y="0"/>
+          <a:ext cx="0" cy="0"/>
+          <a:chOff x="0" y="0"/>
+          <a:chExt cx="0" cy="0"/>
+        </a:xfrm>
+      </p:grpSpPr>
+      <p:pic>
+        <p:nvPicPr>
+          <p:cNvPr id="3" name="Picture 2">
+            <a:extLst>
+              <a:ext uri="{FF2B5EF4-FFF2-40B4-BE49-F238E27FC236}">
+                <a16:creationId xmlns:a16="http://schemas.microsoft.com/office/drawing/2014/main" id="{9825BAFE-4CD3-4F0E-B003-CD0EF25FDE73}"/>
+              </a:ext>
+            </a:extLst>
+          </p:cNvPr>
+          <p:cNvPicPr>
+            <a:picLocks noChangeAspect="1"/>
+          </p:cNvPicPr>
+          <p:nvPr/>
+        </p:nvPicPr>
+        <p:blipFill>
+          <a:blip r:embed="rId2"/>
+          <a:stretch>
+            <a:fillRect/>
+          </a:stretch>
+        </p:blipFill>
+        <p:spPr>
+          <a:xfrm>
+            <a:off x="3718022" y="-8238"/>
+            <a:ext cx="4755955" cy="6858000"/>
+          </a:xfrm>
+          <a:prstGeom prst="rect">
+            <a:avLst/>
+          </a:prstGeom>
+        </p:spPr>
+      </p:pic>
+    </p:spTree>
+    <p:extLst>
+      <p:ext uri="{BB962C8B-B14F-4D97-AF65-F5344CB8AC3E}">
+        <p14:creationId xmlns:p14="http://schemas.microsoft.com/office/powerpoint/2010/main" val="1677172727"/>
+      </p:ext>
+    </p:extLst>
+  </p:cSld>
+  <p:clrMapOvr>
+    <a:masterClrMapping/>
+  </p:clrMapOvr>
+</p:sld>
+</file>
+
 <file path=ppt/theme/theme1.xml><?xml version="1.0" encoding="utf-8"?>
 <a:theme xmlns:a="http://schemas.openxmlformats.org/drawingml/2006/main" name="Office Theme">
   <a:themeElements>
